--- a/presentation.pptx
+++ b/presentation.pptx
@@ -6,6 +6,20 @@
   </p:sldMasterIdLst>
   <p:sldIdLst>
     <p:sldId id="256" r:id="rId7"/>
+    <p:sldId id="257" r:id="rId8"/>
+    <p:sldId id="258" r:id="rId9"/>
+    <p:sldId id="259" r:id="rId10"/>
+    <p:sldId id="260" r:id="rId11"/>
+    <p:sldId id="261" r:id="rId12"/>
+    <p:sldId id="262" r:id="rId13"/>
+    <p:sldId id="263" r:id="rId14"/>
+    <p:sldId id="264" r:id="rId15"/>
+    <p:sldId id="265" r:id="rId16"/>
+    <p:sldId id="266" r:id="rId17"/>
+    <p:sldId id="267" r:id="rId18"/>
+    <p:sldId id="268" r:id="rId19"/>
+    <p:sldId id="269" r:id="rId20"/>
+    <p:sldId id="270" r:id="rId21"/>
   </p:sldIdLst>
   <p:sldSz cx="9144000" cy="5143500" type="screen4x3"/>
   <p:notesSz cx="6858000" cy="9144000"/>
@@ -3112,7 +3126,7 @@
           <a:p>
             <a:r>
               <a:rPr sz="1400"/>
-              <a:t>Software Reverse Engineering: Legal Battles and the Chinese Wall Method</a:t>
+              <a:t>Android Reverse Engineering</a:t>
             </a:r>
           </a:p>
         </p:txBody>
@@ -3140,1185 +3154,4837 @@
           <a:lstStyle/>
           <a:p/>
           <a:p>
+            <a:pPr algn="l">
+              <a:defRPr sz="2000" b="1"/>
+            </a:pPr>
+            <a:r>
+              <a:rPr sz="1400"/>
+              <a:t>Android Reverse Engineering: A Deep Dive</a:t>
+            </a:r>
+          </a:p>
+          <a:p/>
+          <a:p>
+            <a:r>
+              <a:rPr sz="1400"/>
+              <a:t>This </a:t>
+            </a:r>
+            <a:r>
+              <a:rPr sz="1400"/>
+              <a:t>course, </a:t>
+            </a:r>
+            <a:r>
+              <a:rPr sz="1400"/>
+              <a:t>ICT </a:t>
+            </a:r>
+            <a:r>
+              <a:rPr sz="1400"/>
+              <a:t>2215 </a:t>
+            </a:r>
+            <a:r>
+              <a:rPr sz="1400"/>
+              <a:t>Mobile </a:t>
+            </a:r>
+            <a:r>
+              <a:rPr sz="1400"/>
+              <a:t>Security, </a:t>
+            </a:r>
+            <a:r>
+              <a:rPr sz="1400"/>
+              <a:t>delves </a:t>
+            </a:r>
+            <a:r>
+              <a:rPr sz="1400"/>
+              <a:t>into </a:t>
+            </a:r>
+            <a:r>
+              <a:rPr sz="1400"/>
+              <a:t>the </a:t>
+            </a:r>
+            <a:r>
+              <a:rPr sz="1400"/>
+              <a:t>intricate </a:t>
+            </a:r>
+            <a:r>
+              <a:rPr sz="1400"/>
+              <a:t>world </a:t>
+            </a:r>
+            <a:r>
+              <a:rPr sz="1400"/>
+              <a:t>of </a:t>
+            </a:r>
+            <a:r>
+              <a:rPr sz="1400"/>
+              <a:t>Android </a:t>
+            </a:r>
+            <a:r>
+              <a:rPr sz="1400"/>
+              <a:t>app </a:t>
+            </a:r>
+            <a:r>
+              <a:rPr sz="1400"/>
+              <a:t>analysis. </a:t>
+            </a:r>
+            <a:r>
+              <a:rPr sz="1400"/>
+              <a:t>Led </a:t>
+            </a:r>
+            <a:r>
+              <a:rPr sz="1400"/>
+              <a:t>by </a:t>
+            </a:r>
+            <a:r>
+              <a:rPr sz="1400"/>
+              <a:t>A/Prof. </a:t>
+            </a:r>
+            <a:r>
+              <a:rPr sz="1400"/>
+              <a:t>Vivek </a:t>
+            </a:r>
+            <a:r>
+              <a:rPr sz="1400"/>
+              <a:t>Balachandran </a:t>
+            </a:r>
+            <a:r>
+              <a:rPr sz="1400"/>
+              <a:t>(Vivek.b@singaporetech.edu.sg), </a:t>
+            </a:r>
+            <a:r>
+              <a:rPr sz="1400"/>
+              <a:t>we </a:t>
+            </a:r>
+            <a:r>
+              <a:rPr sz="1400"/>
+              <a:t>will </a:t>
+            </a:r>
+            <a:r>
+              <a:rPr sz="1400"/>
+              <a:t>explore </a:t>
+            </a:r>
+            <a:r>
+              <a:rPr sz="1400"/>
+              <a:t>techniques </a:t>
+            </a:r>
+            <a:r>
+              <a:rPr sz="1400"/>
+              <a:t>to </a:t>
+            </a:r>
+            <a:r>
+              <a:rPr sz="1400"/>
+              <a:t>understand </a:t>
+            </a:r>
+            <a:r>
+              <a:rPr sz="1400"/>
+              <a:t>app </a:t>
+            </a:r>
+            <a:r>
+              <a:rPr sz="1400"/>
+              <a:t>functionality, </a:t>
+            </a:r>
+            <a:r>
+              <a:rPr sz="1400"/>
+              <a:t>identify </a:t>
+            </a:r>
+            <a:r>
+              <a:rPr sz="1400"/>
+              <a:t>vulnerabilities, </a:t>
+            </a:r>
+            <a:r>
+              <a:rPr sz="1400"/>
+              <a:t>and </a:t>
+            </a:r>
+            <a:r>
+              <a:rPr sz="1400"/>
+              <a:t>potentially </a:t>
+            </a:r>
+            <a:r>
+              <a:rPr sz="1400"/>
+              <a:t>modify </a:t>
+            </a:r>
+            <a:r>
+              <a:rPr sz="1400"/>
+              <a:t>their </a:t>
+            </a:r>
+            <a:r>
+              <a:rPr sz="1400"/>
+              <a:t>behavior. </a:t>
+            </a:r>
+            <a:r>
+              <a:rPr sz="1400"/>
+              <a:t>Get </a:t>
+            </a:r>
+            <a:r>
+              <a:rPr sz="1400"/>
+              <a:t>ready </a:t>
+            </a:r>
+            <a:r>
+              <a:rPr sz="1400"/>
+              <a:t>to </a:t>
+            </a:r>
+            <a:r>
+              <a:rPr sz="1400"/>
+              <a:t>unravel </a:t>
+            </a:r>
+            <a:r>
+              <a:rPr sz="1400"/>
+              <a:t>the </a:t>
+            </a:r>
+            <a:r>
+              <a:rPr sz="1400"/>
+              <a:t>secrets </a:t>
+            </a:r>
+            <a:r>
+              <a:rPr sz="1400"/>
+              <a:t>behind </a:t>
+            </a:r>
+            <a:r>
+              <a:rPr sz="1400"/>
+              <a:t>Android </a:t>
+            </a:r>
+            <a:r>
+              <a:rPr sz="1400"/>
+              <a:t>applications! </a:t>
+            </a:r>
+          </a:p>
+        </p:txBody>
+      </p:sp>
+    </p:spTree>
+  </p:cSld>
+  <p:clrMapOvr>
+    <a:masterClrMapping/>
+  </p:clrMapOvr>
+</p:sld>
+</file>
+
+<file path=ppt/slides/slide10.xml><?xml version="1.0" encoding="utf-8"?>
+<p:sld xmlns:a="http://schemas.openxmlformats.org/drawingml/2006/main" xmlns:p="http://schemas.openxmlformats.org/presentationml/2006/main" xmlns:r="http://schemas.openxmlformats.org/officeDocument/2006/relationships">
+  <p:cSld>
+    <p:spTree>
+      <p:nvGrpSpPr>
+        <p:cNvPr id="1" name=""/>
+        <p:cNvGrpSpPr/>
+        <p:nvPr/>
+      </p:nvGrpSpPr>
+      <p:grpSpPr/>
+      <p:sp>
+        <p:nvSpPr>
+          <p:cNvPr id="2" name="TextBox 1"/>
+          <p:cNvSpPr txBox="1"/>
+          <p:nvPr/>
+        </p:nvSpPr>
+        <p:spPr>
+          <a:xfrm>
+            <a:off x="228600" y="228600"/>
+            <a:ext cx="8229600" cy="457200"/>
+          </a:xfrm>
+          <a:prstGeom prst="rect">
+            <a:avLst/>
+          </a:prstGeom>
+          <a:noFill/>
+        </p:spPr>
+        <p:txBody>
+          <a:bodyPr wrap="square">
+            <a:spAutoFit/>
+          </a:bodyPr>
+          <a:lstStyle/>
+          <a:p>
+            <a:r>
+              <a:rPr sz="1400"/>
+              <a:t>What to look for?</a:t>
+            </a:r>
+          </a:p>
+        </p:txBody>
+      </p:sp>
+      <p:sp>
+        <p:nvSpPr>
+          <p:cNvPr id="3" name="TextBox 2"/>
+          <p:cNvSpPr txBox="1"/>
+          <p:nvPr/>
+        </p:nvSpPr>
+        <p:spPr>
+          <a:xfrm>
+            <a:off x="228600" y="685800"/>
+            <a:ext cx="8229600" cy="3657600"/>
+          </a:xfrm>
+          <a:prstGeom prst="rect">
+            <a:avLst/>
+          </a:prstGeom>
+          <a:noFill/>
+        </p:spPr>
+        <p:txBody>
+          <a:bodyPr wrap="square">
+            <a:spAutoFit/>
+          </a:bodyPr>
+          <a:lstStyle/>
+          <a:p/>
+          <a:p>
+            <a:pPr algn="l">
+              <a:defRPr sz="2000" b="1"/>
+            </a:pPr>
+            <a:r>
+              <a:rPr sz="1400"/>
+              <a:t>Exported Activities: A Potential Entry Point</a:t>
+            </a:r>
+          </a:p>
+          <a:p/>
+          <a:p>
+            <a:r>
+              <a:rPr sz="1400"/>
+              <a:t>Pay </a:t>
+            </a:r>
+            <a:r>
+              <a:rPr sz="1400"/>
+              <a:t>close </a:t>
+            </a:r>
+            <a:r>
+              <a:rPr sz="1400"/>
+              <a:t>attention </a:t>
+            </a:r>
+            <a:r>
+              <a:rPr sz="1400"/>
+              <a:t>to </a:t>
+            </a:r>
+            <a:r>
+              <a:rPr sz="1400"/>
+              <a:t>the </a:t>
+            </a:r>
+            <a:r>
+              <a:rPr sz="1400"/>
+              <a:t>`android:exported` </a:t>
+            </a:r>
+            <a:r>
+              <a:rPr sz="1400"/>
+              <a:t>attribute </a:t>
+            </a:r>
+            <a:r>
+              <a:rPr sz="1400"/>
+              <a:t>within </a:t>
+            </a:r>
+            <a:r>
+              <a:rPr sz="1400"/>
+              <a:t>activity </a:t>
+            </a:r>
+            <a:r>
+              <a:rPr sz="1400"/>
+              <a:t>declarations. </a:t>
+            </a:r>
+            <a:r>
+              <a:rPr sz="1400"/>
+              <a:t>If </a:t>
+            </a:r>
+            <a:r>
+              <a:rPr sz="1400"/>
+              <a:t>set </a:t>
+            </a:r>
+            <a:r>
+              <a:rPr sz="1400"/>
+              <a:t>to </a:t>
+            </a:r>
+            <a:r>
+              <a:rPr sz="1400"/>
+              <a:t>`true`, </a:t>
+            </a:r>
+            <a:r>
+              <a:rPr sz="1400"/>
+              <a:t>the </a:t>
+            </a:r>
+            <a:r>
+              <a:rPr sz="1400"/>
+              <a:t>activity </a:t>
+            </a:r>
+            <a:r>
+              <a:rPr sz="1400"/>
+              <a:t>can </a:t>
+            </a:r>
+            <a:r>
+              <a:rPr sz="1400"/>
+              <a:t>be </a:t>
+            </a:r>
+            <a:r>
+              <a:rPr sz="1400"/>
+              <a:t>launched </a:t>
+            </a:r>
+            <a:r>
+              <a:rPr sz="1400"/>
+              <a:t>from </a:t>
+            </a:r>
+            <a:r>
+              <a:rPr sz="1400"/>
+              <a:t>outside </a:t>
+            </a:r>
+            <a:r>
+              <a:rPr sz="1400"/>
+              <a:t>the </a:t>
+            </a:r>
+            <a:r>
+              <a:rPr sz="1400"/>
+              <a:t>app, </a:t>
+            </a:r>
+            <a:r>
+              <a:rPr sz="1400"/>
+              <a:t>potentially </a:t>
+            </a:r>
+            <a:r>
+              <a:rPr sz="1400"/>
+              <a:t>exposing </a:t>
+            </a:r>
+            <a:r>
+              <a:rPr sz="1400"/>
+              <a:t>sensitive </a:t>
+            </a:r>
+            <a:r>
+              <a:rPr sz="1400"/>
+              <a:t>functionality. </a:t>
+            </a:r>
+            <a:r>
+              <a:rPr sz="1400"/>
+              <a:t>Use </a:t>
+            </a:r>
+            <a:r>
+              <a:rPr sz="1400"/>
+              <a:t>tools </a:t>
+            </a:r>
+            <a:r>
+              <a:rPr sz="1400"/>
+              <a:t>like </a:t>
+            </a:r>
+            <a:r>
+              <a:rPr sz="1400"/>
+              <a:t>`adb </a:t>
+            </a:r>
+            <a:r>
+              <a:rPr sz="1400"/>
+              <a:t>shell` </a:t>
+            </a:r>
+            <a:r>
+              <a:rPr sz="1400"/>
+              <a:t>to </a:t>
+            </a:r>
+            <a:r>
+              <a:rPr sz="1400"/>
+              <a:t>explore </a:t>
+            </a:r>
+            <a:r>
+              <a:rPr sz="1400"/>
+              <a:t>and </a:t>
+            </a:r>
+            <a:r>
+              <a:rPr sz="1400"/>
+              <a:t>interact </a:t>
+            </a:r>
+            <a:r>
+              <a:rPr sz="1400"/>
+              <a:t>with </a:t>
+            </a:r>
+            <a:r>
+              <a:rPr sz="1400"/>
+              <a:t>such </a:t>
+            </a:r>
+            <a:r>
+              <a:rPr sz="1400"/>
+              <a:t>activities. </a:t>
+            </a:r>
+          </a:p>
+        </p:txBody>
+      </p:sp>
+    </p:spTree>
+  </p:cSld>
+  <p:clrMapOvr>
+    <a:masterClrMapping/>
+  </p:clrMapOvr>
+</p:sld>
+</file>
+
+<file path=ppt/slides/slide11.xml><?xml version="1.0" encoding="utf-8"?>
+<p:sld xmlns:a="http://schemas.openxmlformats.org/drawingml/2006/main" xmlns:p="http://schemas.openxmlformats.org/presentationml/2006/main" xmlns:r="http://schemas.openxmlformats.org/officeDocument/2006/relationships">
+  <p:cSld>
+    <p:spTree>
+      <p:nvGrpSpPr>
+        <p:cNvPr id="1" name=""/>
+        <p:cNvGrpSpPr/>
+        <p:nvPr/>
+      </p:nvGrpSpPr>
+      <p:grpSpPr/>
+      <p:sp>
+        <p:nvSpPr>
+          <p:cNvPr id="2" name="TextBox 1"/>
+          <p:cNvSpPr txBox="1"/>
+          <p:nvPr/>
+        </p:nvSpPr>
+        <p:spPr>
+          <a:xfrm>
+            <a:off x="228600" y="228600"/>
+            <a:ext cx="8229600" cy="457200"/>
+          </a:xfrm>
+          <a:prstGeom prst="rect">
+            <a:avLst/>
+          </a:prstGeom>
+          <a:noFill/>
+        </p:spPr>
+        <p:txBody>
+          <a:bodyPr wrap="square">
+            <a:spAutoFit/>
+          </a:bodyPr>
+          <a:lstStyle/>
+          <a:p>
+            <a:r>
+              <a:rPr sz="1400"/>
+              <a:t>Reverse Engineering</a:t>
+            </a:r>
+          </a:p>
+        </p:txBody>
+      </p:sp>
+      <p:sp>
+        <p:nvSpPr>
+          <p:cNvPr id="3" name="TextBox 2"/>
+          <p:cNvSpPr txBox="1"/>
+          <p:nvPr/>
+        </p:nvSpPr>
+        <p:spPr>
+          <a:xfrm>
+            <a:off x="228600" y="685800"/>
+            <a:ext cx="8229600" cy="3657600"/>
+          </a:xfrm>
+          <a:prstGeom prst="rect">
+            <a:avLst/>
+          </a:prstGeom>
+          <a:noFill/>
+        </p:spPr>
+        <p:txBody>
+          <a:bodyPr wrap="square">
+            <a:spAutoFit/>
+          </a:bodyPr>
+          <a:lstStyle/>
+          <a:p/>
+          <a:p>
+            <a:pPr algn="l">
+              <a:defRPr sz="2000" b="1"/>
+            </a:pPr>
+            <a:r>
+              <a:rPr sz="1400"/>
+              <a:t>Decoding the Code</a:t>
+            </a:r>
+          </a:p>
+          <a:p/>
+          <a:p>
+            <a:r>
+              <a:rPr sz="1400"/>
+              <a:t>Android </a:t>
+            </a:r>
+            <a:r>
+              <a:rPr sz="1400"/>
+              <a:t>apps </a:t>
+            </a:r>
+            <a:r>
+              <a:rPr sz="1400"/>
+              <a:t>typically </a:t>
+            </a:r>
+            <a:r>
+              <a:rPr sz="1400"/>
+              <a:t>use </a:t>
+            </a:r>
+            <a:r>
+              <a:rPr sz="1400"/>
+              <a:t>Java </a:t>
+            </a:r>
+            <a:r>
+              <a:rPr sz="1400"/>
+              <a:t>or </a:t>
+            </a:r>
+            <a:r>
+              <a:rPr sz="1400"/>
+              <a:t>Kotlin, </a:t>
+            </a:r>
+            <a:r>
+              <a:rPr sz="1400"/>
+              <a:t>which </a:t>
+            </a:r>
+            <a:r>
+              <a:rPr sz="1400"/>
+              <a:t>are </a:t>
+            </a:r>
+            <a:r>
+              <a:rPr sz="1400"/>
+              <a:t>compiled </a:t>
+            </a:r>
+            <a:r>
+              <a:rPr sz="1400"/>
+              <a:t>into </a:t>
+            </a:r>
+            <a:r>
+              <a:rPr sz="1400"/>
+              <a:t>DEX </a:t>
+            </a:r>
+            <a:r>
+              <a:rPr sz="1400"/>
+              <a:t>(Dalvik </a:t>
+            </a:r>
+            <a:r>
+              <a:rPr sz="1400"/>
+              <a:t>Executable) </a:t>
+            </a:r>
+            <a:r>
+              <a:rPr sz="1400"/>
+              <a:t>bytecode. </a:t>
+            </a:r>
+            <a:r>
+              <a:rPr sz="1400"/>
+              <a:t>Reverse </a:t>
+            </a:r>
+            <a:r>
+              <a:rPr sz="1400"/>
+              <a:t>engineering </a:t>
+            </a:r>
+            <a:r>
+              <a:rPr sz="1400"/>
+              <a:t>involves: </a:t>
+            </a:r>
+          </a:p>
+          <a:p/>
+          <a:p>
+            <a:r>
+              <a:rPr sz="1400"/>
+              <a:t>• </a:t>
+            </a:r>
+            <a:r>
+              <a:rPr b="1" sz="1400"/>
+              <a:t>Dex </a:t>
+            </a:r>
+            <a:r>
+              <a:rPr b="1" sz="1400"/>
+              <a:t>to </a:t>
+            </a:r>
+            <a:r>
+              <a:rPr b="1" sz="1400"/>
+              <a:t>Smali:</a:t>
+            </a:r>
+            <a:r>
+              <a:rPr sz="1400"/>
+              <a:t>Converting </a:t>
+            </a:r>
+            <a:r>
+              <a:rPr sz="1400"/>
+              <a:t>DEX </a:t>
+            </a:r>
+            <a:r>
+              <a:rPr sz="1400"/>
+              <a:t>into </a:t>
+            </a:r>
+            <a:r>
+              <a:rPr sz="1400"/>
+              <a:t>Smali, </a:t>
+            </a:r>
+            <a:r>
+              <a:rPr sz="1400"/>
+              <a:t>a </a:t>
+            </a:r>
+            <a:r>
+              <a:rPr sz="1400"/>
+              <a:t>human-readable </a:t>
+            </a:r>
+            <a:r>
+              <a:rPr sz="1400"/>
+              <a:t>intermediate </a:t>
+            </a:r>
+            <a:r>
+              <a:rPr sz="1400"/>
+              <a:t>language, </a:t>
+            </a:r>
+            <a:r>
+              <a:rPr sz="1400"/>
+              <a:t>using </a:t>
+            </a:r>
+            <a:r>
+              <a:rPr sz="1400"/>
+              <a:t>tools </a:t>
+            </a:r>
+            <a:r>
+              <a:rPr sz="1400"/>
+              <a:t>like </a:t>
+            </a:r>
+            <a:r>
+              <a:rPr sz="1400"/>
+              <a:t>apktool. </a:t>
+            </a:r>
+          </a:p>
+          <a:p>
+            <a:r>
+              <a:rPr sz="1400"/>
+              <a:t>• </a:t>
+            </a:r>
+            <a:r>
+              <a:rPr b="1" sz="1400"/>
+              <a:t>Native </a:t>
+            </a:r>
+            <a:r>
+              <a:rPr b="1" sz="1400"/>
+              <a:t>Code </a:t>
+            </a:r>
+            <a:r>
+              <a:rPr b="1" sz="1400"/>
+              <a:t>Analysis:</a:t>
+            </a:r>
+            <a:r>
+              <a:rPr sz="1400"/>
+              <a:t>If </a:t>
+            </a:r>
+            <a:r>
+              <a:rPr sz="1400"/>
+              <a:t>the </a:t>
+            </a:r>
+            <a:r>
+              <a:rPr sz="1400"/>
+              <a:t>app </a:t>
+            </a:r>
+            <a:r>
+              <a:rPr sz="1400"/>
+              <a:t>contains </a:t>
+            </a:r>
+            <a:r>
+              <a:rPr sz="1400"/>
+              <a:t>native </a:t>
+            </a:r>
+            <a:r>
+              <a:rPr sz="1400"/>
+              <a:t>code </a:t>
+            </a:r>
+            <a:r>
+              <a:rPr sz="1400"/>
+              <a:t>(C/C++), </a:t>
+            </a:r>
+            <a:r>
+              <a:rPr sz="1400"/>
+              <a:t>it </a:t>
+            </a:r>
+            <a:r>
+              <a:rPr sz="1400"/>
+              <a:t>needs </a:t>
+            </a:r>
+            <a:r>
+              <a:rPr sz="1400"/>
+              <a:t>to </a:t>
+            </a:r>
+            <a:r>
+              <a:rPr sz="1400"/>
+              <a:t>be </a:t>
+            </a:r>
+            <a:r>
+              <a:rPr sz="1400"/>
+              <a:t>analyzed </a:t>
+            </a:r>
+            <a:r>
+              <a:rPr sz="1400"/>
+              <a:t>at </a:t>
+            </a:r>
+            <a:r>
+              <a:rPr sz="1400"/>
+              <a:t>the </a:t>
+            </a:r>
+            <a:r>
+              <a:rPr sz="1400"/>
+              <a:t>assembly </a:t>
+            </a:r>
+            <a:r>
+              <a:rPr sz="1400"/>
+              <a:t>level </a:t>
+            </a:r>
+            <a:r>
+              <a:rPr sz="1400"/>
+              <a:t>using </a:t>
+            </a:r>
+            <a:r>
+              <a:rPr sz="1400"/>
+              <a:t>disassemblers </a:t>
+            </a:r>
+            <a:r>
+              <a:rPr sz="1400"/>
+              <a:t>and </a:t>
+            </a:r>
+            <a:r>
+              <a:rPr sz="1400"/>
+              <a:t>debuggers. </a:t>
+            </a:r>
+          </a:p>
+        </p:txBody>
+      </p:sp>
+    </p:spTree>
+  </p:cSld>
+  <p:clrMapOvr>
+    <a:masterClrMapping/>
+  </p:clrMapOvr>
+</p:sld>
+</file>
+
+<file path=ppt/slides/slide12.xml><?xml version="1.0" encoding="utf-8"?>
+<p:sld xmlns:a="http://schemas.openxmlformats.org/drawingml/2006/main" xmlns:p="http://schemas.openxmlformats.org/presentationml/2006/main" xmlns:r="http://schemas.openxmlformats.org/officeDocument/2006/relationships">
+  <p:cSld>
+    <p:spTree>
+      <p:nvGrpSpPr>
+        <p:cNvPr id="1" name=""/>
+        <p:cNvGrpSpPr/>
+        <p:nvPr/>
+      </p:nvGrpSpPr>
+      <p:grpSpPr/>
+      <p:sp>
+        <p:nvSpPr>
+          <p:cNvPr id="2" name="TextBox 1"/>
+          <p:cNvSpPr txBox="1"/>
+          <p:nvPr/>
+        </p:nvSpPr>
+        <p:spPr>
+          <a:xfrm>
+            <a:off x="228600" y="228600"/>
+            <a:ext cx="8229600" cy="457200"/>
+          </a:xfrm>
+          <a:prstGeom prst="rect">
+            <a:avLst/>
+          </a:prstGeom>
+          <a:noFill/>
+        </p:spPr>
+        <p:txBody>
+          <a:bodyPr wrap="square">
+            <a:spAutoFit/>
+          </a:bodyPr>
+          <a:lstStyle/>
+          <a:p>
+            <a:r>
+              <a:rPr sz="1400"/>
+              <a:t>Native Code Analysis</a:t>
+            </a:r>
+          </a:p>
+        </p:txBody>
+      </p:sp>
+      <p:sp>
+        <p:nvSpPr>
+          <p:cNvPr id="3" name="TextBox 2"/>
+          <p:cNvSpPr txBox="1"/>
+          <p:nvPr/>
+        </p:nvSpPr>
+        <p:spPr>
+          <a:xfrm>
+            <a:off x="228600" y="685800"/>
+            <a:ext cx="8229600" cy="3657600"/>
+          </a:xfrm>
+          <a:prstGeom prst="rect">
+            <a:avLst/>
+          </a:prstGeom>
+          <a:noFill/>
+        </p:spPr>
+        <p:txBody>
+          <a:bodyPr wrap="square">
+            <a:spAutoFit/>
+          </a:bodyPr>
+          <a:lstStyle/>
+          <a:p/>
+          <a:p>
+            <a:pPr algn="l">
+              <a:defRPr sz="2000" b="1"/>
+            </a:pPr>
+            <a:r>
+              <a:rPr sz="1400"/>
+              <a:t>Bridging the Gap</a:t>
+            </a:r>
+          </a:p>
+          <a:p/>
+          <a:p>
+            <a:r>
+              <a:rPr sz="1400"/>
+              <a:t>Native </a:t>
+            </a:r>
+            <a:r>
+              <a:rPr sz="1400"/>
+              <a:t>code </a:t>
+            </a:r>
+            <a:r>
+              <a:rPr sz="1400"/>
+              <a:t>is </a:t>
+            </a:r>
+            <a:r>
+              <a:rPr sz="1400"/>
+              <a:t>often </a:t>
+            </a:r>
+            <a:r>
+              <a:rPr sz="1400"/>
+              <a:t>found </a:t>
+            </a:r>
+            <a:r>
+              <a:rPr sz="1400"/>
+              <a:t>in </a:t>
+            </a:r>
+            <a:r>
+              <a:rPr sz="1400"/>
+              <a:t>libraries </a:t>
+            </a:r>
+            <a:r>
+              <a:rPr sz="1400"/>
+              <a:t>within </a:t>
+            </a:r>
+            <a:r>
+              <a:rPr sz="1400"/>
+              <a:t>the </a:t>
+            </a:r>
+            <a:r>
+              <a:rPr sz="1400"/>
+              <a:t>app's </a:t>
+            </a:r>
+            <a:r>
+              <a:rPr sz="1400"/>
+              <a:t>resources </a:t>
+            </a:r>
+            <a:r>
+              <a:rPr sz="1400"/>
+              <a:t>directory. </a:t>
+            </a:r>
+            <a:r>
+              <a:rPr sz="1400"/>
+              <a:t>To </a:t>
+            </a:r>
+            <a:r>
+              <a:rPr sz="1400"/>
+              <a:t>understand </a:t>
+            </a:r>
+            <a:r>
+              <a:rPr sz="1400"/>
+              <a:t>its </a:t>
+            </a:r>
+            <a:r>
+              <a:rPr sz="1400"/>
+              <a:t>interaction </a:t>
+            </a:r>
+            <a:r>
+              <a:rPr sz="1400"/>
+              <a:t>with </a:t>
+            </a:r>
+            <a:r>
+              <a:rPr sz="1400"/>
+              <a:t>the </a:t>
+            </a:r>
+            <a:r>
+              <a:rPr sz="1400"/>
+              <a:t>Java/Kotlin </a:t>
+            </a:r>
+            <a:r>
+              <a:rPr sz="1400"/>
+              <a:t>code, </a:t>
+            </a:r>
+            <a:r>
+              <a:rPr sz="1400"/>
+              <a:t>look </a:t>
+            </a:r>
+            <a:r>
+              <a:rPr sz="1400"/>
+              <a:t>for </a:t>
+            </a:r>
+            <a:r>
+              <a:rPr sz="1400"/>
+              <a:t>methods </a:t>
+            </a:r>
+            <a:r>
+              <a:rPr sz="1400"/>
+              <a:t>like </a:t>
+            </a:r>
+            <a:r>
+              <a:rPr sz="1400"/>
+              <a:t>`loadLibrary` </a:t>
+            </a:r>
+            <a:r>
+              <a:rPr sz="1400"/>
+              <a:t>or </a:t>
+            </a:r>
+            <a:r>
+              <a:rPr sz="1400"/>
+              <a:t>`load` </a:t>
+            </a:r>
+            <a:r>
+              <a:rPr sz="1400"/>
+              <a:t>that </a:t>
+            </a:r>
+            <a:r>
+              <a:rPr sz="1400"/>
+              <a:t>indicate </a:t>
+            </a:r>
+            <a:r>
+              <a:rPr sz="1400"/>
+              <a:t>native </a:t>
+            </a:r>
+            <a:r>
+              <a:rPr sz="1400"/>
+              <a:t>function </a:t>
+            </a:r>
+            <a:r>
+              <a:rPr sz="1400"/>
+              <a:t>calls. </a:t>
+            </a:r>
+            <a:r>
+              <a:rPr sz="1400"/>
+              <a:t>While </a:t>
+            </a:r>
+            <a:r>
+              <a:rPr sz="1400"/>
+              <a:t>the </a:t>
+            </a:r>
+            <a:r>
+              <a:rPr sz="1400"/>
+              <a:t>native </a:t>
+            </a:r>
+            <a:r>
+              <a:rPr sz="1400"/>
+              <a:t>code </a:t>
+            </a:r>
+            <a:r>
+              <a:rPr sz="1400"/>
+              <a:t>itself </a:t>
+            </a:r>
+            <a:r>
+              <a:rPr sz="1400"/>
+              <a:t>requires </a:t>
+            </a:r>
+            <a:r>
+              <a:rPr sz="1400"/>
+              <a:t>separate </a:t>
+            </a:r>
+            <a:r>
+              <a:rPr sz="1400"/>
+              <a:t>analysis, </a:t>
+            </a:r>
+            <a:r>
+              <a:rPr sz="1400"/>
+              <a:t>identifying </a:t>
+            </a:r>
+            <a:r>
+              <a:rPr sz="1400"/>
+              <a:t>these </a:t>
+            </a:r>
+            <a:r>
+              <a:rPr sz="1400"/>
+              <a:t>calls </a:t>
+            </a:r>
+            <a:r>
+              <a:rPr sz="1400"/>
+              <a:t>provides </a:t>
+            </a:r>
+            <a:r>
+              <a:rPr sz="1400"/>
+              <a:t>valuable </a:t>
+            </a:r>
+            <a:r>
+              <a:rPr sz="1400"/>
+              <a:t>insights. </a:t>
+            </a:r>
+          </a:p>
+        </p:txBody>
+      </p:sp>
+    </p:spTree>
+  </p:cSld>
+  <p:clrMapOvr>
+    <a:masterClrMapping/>
+  </p:clrMapOvr>
+</p:sld>
+</file>
+
+<file path=ppt/slides/slide13.xml><?xml version="1.0" encoding="utf-8"?>
+<p:sld xmlns:a="http://schemas.openxmlformats.org/drawingml/2006/main" xmlns:p="http://schemas.openxmlformats.org/presentationml/2006/main" xmlns:r="http://schemas.openxmlformats.org/officeDocument/2006/relationships">
+  <p:cSld>
+    <p:spTree>
+      <p:nvGrpSpPr>
+        <p:cNvPr id="1" name=""/>
+        <p:cNvGrpSpPr/>
+        <p:nvPr/>
+      </p:nvGrpSpPr>
+      <p:grpSpPr/>
+      <p:sp>
+        <p:nvSpPr>
+          <p:cNvPr id="2" name="TextBox 1"/>
+          <p:cNvSpPr txBox="1"/>
+          <p:nvPr/>
+        </p:nvSpPr>
+        <p:spPr>
+          <a:xfrm>
+            <a:off x="228600" y="228600"/>
+            <a:ext cx="8229600" cy="457200"/>
+          </a:xfrm>
+          <a:prstGeom prst="rect">
+            <a:avLst/>
+          </a:prstGeom>
+          <a:noFill/>
+        </p:spPr>
+        <p:txBody>
+          <a:bodyPr wrap="square">
+            <a:spAutoFit/>
+          </a:bodyPr>
+          <a:lstStyle/>
+          <a:p>
+            <a:r>
+              <a:rPr sz="1400"/>
+              <a:t>Understanding code logic (Dex to Java)</a:t>
+            </a:r>
+          </a:p>
+        </p:txBody>
+      </p:sp>
+      <p:sp>
+        <p:nvSpPr>
+          <p:cNvPr id="3" name="TextBox 2"/>
+          <p:cNvSpPr txBox="1"/>
+          <p:nvPr/>
+        </p:nvSpPr>
+        <p:spPr>
+          <a:xfrm>
+            <a:off x="228600" y="685800"/>
+            <a:ext cx="8229600" cy="3657600"/>
+          </a:xfrm>
+          <a:prstGeom prst="rect">
+            <a:avLst/>
+          </a:prstGeom>
+          <a:noFill/>
+        </p:spPr>
+        <p:txBody>
+          <a:bodyPr wrap="square">
+            <a:spAutoFit/>
+          </a:bodyPr>
+          <a:lstStyle/>
+          <a:p/>
+          <a:p>
+            <a:pPr algn="l">
+              <a:defRPr sz="2000" b="1"/>
+            </a:pPr>
+            <a:r>
+              <a:rPr sz="1400"/>
+              <a:t>Recreating the Source</a:t>
+            </a:r>
+          </a:p>
+          <a:p/>
+          <a:p>
+            <a:r>
+              <a:rPr sz="1400"/>
+              <a:t>Tools </a:t>
+            </a:r>
+            <a:r>
+              <a:rPr sz="1400"/>
+              <a:t>like </a:t>
+            </a:r>
+            <a:r>
+              <a:rPr sz="1400"/>
+              <a:t>JADX, </a:t>
+            </a:r>
+            <a:r>
+              <a:rPr sz="1400"/>
+              <a:t>dex2jar, </a:t>
+            </a:r>
+            <a:r>
+              <a:rPr sz="1400"/>
+              <a:t>and </a:t>
+            </a:r>
+            <a:r>
+              <a:rPr sz="1400"/>
+              <a:t>online </a:t>
+            </a:r>
+            <a:r>
+              <a:rPr sz="1400"/>
+              <a:t>services </a:t>
+            </a:r>
+            <a:r>
+              <a:rPr sz="1400"/>
+              <a:t>like </a:t>
+            </a:r>
+            <a:r>
+              <a:rPr sz="1400"/>
+              <a:t>https://decompiler.com </a:t>
+            </a:r>
+            <a:r>
+              <a:rPr sz="1400"/>
+              <a:t>can </a:t>
+            </a:r>
+            <a:r>
+              <a:rPr sz="1400"/>
+              <a:t>attempt </a:t>
+            </a:r>
+            <a:r>
+              <a:rPr sz="1400"/>
+              <a:t>to </a:t>
+            </a:r>
+            <a:r>
+              <a:rPr sz="1400"/>
+              <a:t>convert </a:t>
+            </a:r>
+            <a:r>
+              <a:rPr sz="1400"/>
+              <a:t>DEX </a:t>
+            </a:r>
+            <a:r>
+              <a:rPr sz="1400"/>
+              <a:t>bytecode </a:t>
+            </a:r>
+            <a:r>
+              <a:rPr sz="1400"/>
+              <a:t>back </a:t>
+            </a:r>
+            <a:r>
+              <a:rPr sz="1400"/>
+              <a:t>into </a:t>
+            </a:r>
+            <a:r>
+              <a:rPr sz="1400"/>
+              <a:t>Java </a:t>
+            </a:r>
+            <a:r>
+              <a:rPr sz="1400"/>
+              <a:t>source </a:t>
+            </a:r>
+            <a:r>
+              <a:rPr sz="1400"/>
+              <a:t>code. </a:t>
+            </a:r>
+            <a:r>
+              <a:rPr sz="1400"/>
+              <a:t>However, </a:t>
+            </a:r>
+            <a:r>
+              <a:rPr sz="1400"/>
+              <a:t>the </a:t>
+            </a:r>
+            <a:r>
+              <a:rPr sz="1400"/>
+              <a:t>process </a:t>
+            </a:r>
+            <a:r>
+              <a:rPr sz="1400"/>
+              <a:t>isn't </a:t>
+            </a:r>
+            <a:r>
+              <a:rPr sz="1400"/>
+              <a:t>perfect </a:t>
+            </a:r>
+            <a:r>
+              <a:rPr sz="1400"/>
+              <a:t>and </a:t>
+            </a:r>
+            <a:r>
+              <a:rPr sz="1400"/>
+              <a:t>may </a:t>
+            </a:r>
+            <a:r>
+              <a:rPr sz="1400"/>
+              <a:t>not </a:t>
+            </a:r>
+            <a:r>
+              <a:rPr sz="1400"/>
+              <a:t>always </a:t>
+            </a:r>
+            <a:r>
+              <a:rPr sz="1400"/>
+              <a:t>produce </a:t>
+            </a:r>
+            <a:r>
+              <a:rPr sz="1400"/>
+              <a:t>compilable </a:t>
+            </a:r>
+            <a:r>
+              <a:rPr sz="1400"/>
+              <a:t>code. </a:t>
+            </a:r>
+            <a:r>
+              <a:rPr sz="1400"/>
+              <a:t>Despite </a:t>
+            </a:r>
+            <a:r>
+              <a:rPr sz="1400"/>
+              <a:t>limitations, </a:t>
+            </a:r>
+            <a:r>
+              <a:rPr sz="1400"/>
+              <a:t>decompilation </a:t>
+            </a:r>
+            <a:r>
+              <a:rPr sz="1400"/>
+              <a:t>can </a:t>
+            </a:r>
+            <a:r>
+              <a:rPr sz="1400"/>
+              <a:t>provide </a:t>
+            </a:r>
+            <a:r>
+              <a:rPr sz="1400"/>
+              <a:t>valuable </a:t>
+            </a:r>
+            <a:r>
+              <a:rPr sz="1400"/>
+              <a:t>insights </a:t>
+            </a:r>
+            <a:r>
+              <a:rPr sz="1400"/>
+              <a:t>into </a:t>
+            </a:r>
+            <a:r>
+              <a:rPr sz="1400"/>
+              <a:t>the </a:t>
+            </a:r>
+            <a:r>
+              <a:rPr sz="1400"/>
+              <a:t>app's </a:t>
+            </a:r>
+            <a:r>
+              <a:rPr sz="1400"/>
+              <a:t>logic </a:t>
+            </a:r>
+            <a:r>
+              <a:rPr sz="1400"/>
+              <a:t>and </a:t>
+            </a:r>
+            <a:r>
+              <a:rPr sz="1400"/>
+              <a:t>algorithms. </a:t>
+            </a:r>
+          </a:p>
+          <a:p/>
+          <a:p>
+            <a:r>
+              <a:rPr sz="1400"/>
+              <a:t>For </a:t>
+            </a:r>
+            <a:r>
+              <a:rPr sz="1400"/>
+              <a:t>Kotlin-based </a:t>
+            </a:r>
+            <a:r>
+              <a:rPr sz="1400"/>
+              <a:t>apps, </a:t>
+            </a:r>
+            <a:r>
+              <a:rPr sz="1400"/>
+              <a:t>consider </a:t>
+            </a:r>
+            <a:r>
+              <a:rPr sz="1400"/>
+              <a:t>using </a:t>
+            </a:r>
+            <a:r>
+              <a:rPr sz="1400"/>
+              <a:t>Fernflower </a:t>
+            </a:r>
+            <a:r>
+              <a:rPr sz="1400"/>
+              <a:t>for </a:t>
+            </a:r>
+            <a:r>
+              <a:rPr sz="1400"/>
+              <a:t>decompilation. </a:t>
+            </a:r>
+          </a:p>
+        </p:txBody>
+      </p:sp>
+    </p:spTree>
+  </p:cSld>
+  <p:clrMapOvr>
+    <a:masterClrMapping/>
+  </p:clrMapOvr>
+</p:sld>
+</file>
+
+<file path=ppt/slides/slide14.xml><?xml version="1.0" encoding="utf-8"?>
+<p:sld xmlns:a="http://schemas.openxmlformats.org/drawingml/2006/main" xmlns:p="http://schemas.openxmlformats.org/presentationml/2006/main" xmlns:r="http://schemas.openxmlformats.org/officeDocument/2006/relationships">
+  <p:cSld>
+    <p:spTree>
+      <p:nvGrpSpPr>
+        <p:cNvPr id="1" name=""/>
+        <p:cNvGrpSpPr/>
+        <p:nvPr/>
+      </p:nvGrpSpPr>
+      <p:grpSpPr/>
+      <p:sp>
+        <p:nvSpPr>
+          <p:cNvPr id="2" name="TextBox 1"/>
+          <p:cNvSpPr txBox="1"/>
+          <p:nvPr/>
+        </p:nvSpPr>
+        <p:spPr>
+          <a:xfrm>
+            <a:off x="228600" y="228600"/>
+            <a:ext cx="8229600" cy="457200"/>
+          </a:xfrm>
+          <a:prstGeom prst="rect">
+            <a:avLst/>
+          </a:prstGeom>
+          <a:noFill/>
+        </p:spPr>
+        <p:txBody>
+          <a:bodyPr wrap="square">
+            <a:spAutoFit/>
+          </a:bodyPr>
+          <a:lstStyle/>
+          <a:p>
+            <a:r>
+              <a:rPr sz="1400"/>
+              <a:t>Modifying and Patching App</a:t>
+            </a:r>
+          </a:p>
+        </p:txBody>
+      </p:sp>
+      <p:sp>
+        <p:nvSpPr>
+          <p:cNvPr id="3" name="TextBox 2"/>
+          <p:cNvSpPr txBox="1"/>
+          <p:nvPr/>
+        </p:nvSpPr>
+        <p:spPr>
+          <a:xfrm>
+            <a:off x="228600" y="685800"/>
+            <a:ext cx="8229600" cy="3657600"/>
+          </a:xfrm>
+          <a:prstGeom prst="rect">
+            <a:avLst/>
+          </a:prstGeom>
+          <a:noFill/>
+        </p:spPr>
+        <p:txBody>
+          <a:bodyPr wrap="square">
+            <a:spAutoFit/>
+          </a:bodyPr>
+          <a:lstStyle/>
+          <a:p/>
+          <a:p>
+            <a:pPr algn="l">
+              <a:defRPr sz="2000" b="1"/>
+            </a:pPr>
+            <a:r>
+              <a:rPr sz="1400"/>
+              <a:t>App Modification: Tread Carefully</a:t>
+            </a:r>
+          </a:p>
+          <a:p/>
+          <a:p>
+            <a:r>
+              <a:rPr sz="1400"/>
+              <a:t>Modifying </a:t>
+            </a:r>
+            <a:r>
+              <a:rPr sz="1400"/>
+              <a:t>an </a:t>
+            </a:r>
+            <a:r>
+              <a:rPr sz="1400"/>
+              <a:t>app </a:t>
+            </a:r>
+            <a:r>
+              <a:rPr sz="1400"/>
+              <a:t>involves </a:t>
+            </a:r>
+            <a:r>
+              <a:rPr sz="1400"/>
+              <a:t>several </a:t>
+            </a:r>
+            <a:r>
+              <a:rPr sz="1400"/>
+              <a:t>steps: </a:t>
+            </a:r>
+          </a:p>
+          <a:p/>
+          <a:p>
+            <a:r>
+              <a:rPr sz="1400"/>
+              <a:t>1. </a:t>
+            </a:r>
+            <a:r>
+              <a:rPr b="1" sz="1400"/>
+              <a:t>Reverse </a:t>
+            </a:r>
+            <a:r>
+              <a:rPr sz="1400"/>
+              <a:t>to </a:t>
+            </a:r>
+            <a:r>
+              <a:rPr sz="1400"/>
+              <a:t>Smali:** </a:t>
+            </a:r>
+            <a:r>
+              <a:rPr sz="1400"/>
+              <a:t>Convert </a:t>
+            </a:r>
+            <a:r>
+              <a:rPr sz="1400"/>
+              <a:t>the </a:t>
+            </a:r>
+            <a:r>
+              <a:rPr sz="1400"/>
+              <a:t>DEX </a:t>
+            </a:r>
+            <a:r>
+              <a:rPr sz="1400"/>
+              <a:t>code </a:t>
+            </a:r>
+            <a:r>
+              <a:rPr sz="1400"/>
+              <a:t>into </a:t>
+            </a:r>
+            <a:r>
+              <a:rPr sz="1400"/>
+              <a:t>Smali </a:t>
+            </a:r>
+            <a:r>
+              <a:rPr sz="1400"/>
+              <a:t>format. </a:t>
+            </a:r>
+          </a:p>
+          <a:p>
+            <a:r>
+              <a:rPr sz="1400"/>
+              <a:t>2. </a:t>
+            </a:r>
+            <a:r>
+              <a:rPr b="1" sz="1400"/>
+              <a:t>Edit </a:t>
+            </a:r>
+            <a:r>
+              <a:rPr sz="1400"/>
+              <a:t>Smali </a:t>
+            </a:r>
+            <a:r>
+              <a:rPr sz="1400"/>
+              <a:t>Code:** </a:t>
+            </a:r>
+            <a:r>
+              <a:rPr sz="1400"/>
+              <a:t>Make </a:t>
+            </a:r>
+            <a:r>
+              <a:rPr sz="1400"/>
+              <a:t>the </a:t>
+            </a:r>
+            <a:r>
+              <a:rPr sz="1400"/>
+              <a:t>desired </a:t>
+            </a:r>
+            <a:r>
+              <a:rPr sz="1400"/>
+              <a:t>changes </a:t>
+            </a:r>
+            <a:r>
+              <a:rPr sz="1400"/>
+              <a:t>directly </a:t>
+            </a:r>
+            <a:r>
+              <a:rPr sz="1400"/>
+              <a:t>within </a:t>
+            </a:r>
+            <a:r>
+              <a:rPr sz="1400"/>
+              <a:t>the </a:t>
+            </a:r>
+            <a:r>
+              <a:rPr sz="1400"/>
+              <a:t>Smali </a:t>
+            </a:r>
+            <a:r>
+              <a:rPr sz="1400"/>
+              <a:t>files. </a:t>
+            </a:r>
+          </a:p>
+          <a:p>
+            <a:r>
+              <a:rPr sz="1400"/>
+              <a:t>3. </a:t>
+            </a:r>
+            <a:r>
+              <a:rPr b="1" sz="1400"/>
+              <a:t>Modify </a:t>
+            </a:r>
+            <a:r>
+              <a:rPr sz="1400"/>
+              <a:t>Resources </a:t>
+            </a:r>
+            <a:r>
+              <a:rPr sz="1400"/>
+              <a:t>(Optional):** </a:t>
+            </a:r>
+            <a:r>
+              <a:rPr sz="1400"/>
+              <a:t>Alter </a:t>
+            </a:r>
+            <a:r>
+              <a:rPr sz="1400"/>
+              <a:t>resources </a:t>
+            </a:r>
+            <a:r>
+              <a:rPr sz="1400"/>
+              <a:t>like </a:t>
+            </a:r>
+            <a:r>
+              <a:rPr sz="1400"/>
+              <a:t>images </a:t>
+            </a:r>
+            <a:r>
+              <a:rPr sz="1400"/>
+              <a:t>or </a:t>
+            </a:r>
+            <a:r>
+              <a:rPr sz="1400"/>
+              <a:t>layouts </a:t>
+            </a:r>
+            <a:r>
+              <a:rPr sz="1400"/>
+              <a:t>as </a:t>
+            </a:r>
+            <a:r>
+              <a:rPr sz="1400"/>
+              <a:t>needed. </a:t>
+            </a:r>
+          </a:p>
+          <a:p>
+            <a:r>
+              <a:rPr sz="1400"/>
+              <a:t>4. </a:t>
+            </a:r>
+            <a:r>
+              <a:rPr b="1" sz="1400"/>
+              <a:t>Recompile </a:t>
+            </a:r>
+            <a:r>
+              <a:rPr sz="1400"/>
+              <a:t>and </a:t>
+            </a:r>
+            <a:r>
+              <a:rPr sz="1400"/>
+              <a:t>Re-sign:** </a:t>
+            </a:r>
+            <a:r>
+              <a:rPr sz="1400"/>
+              <a:t>Rebuild </a:t>
+            </a:r>
+            <a:r>
+              <a:rPr sz="1400"/>
+              <a:t>the </a:t>
+            </a:r>
+            <a:r>
+              <a:rPr sz="1400"/>
+              <a:t>APK </a:t>
+            </a:r>
+            <a:r>
+              <a:rPr sz="1400"/>
+              <a:t>and </a:t>
+            </a:r>
+            <a:r>
+              <a:rPr sz="1400"/>
+              <a:t>sign </a:t>
+            </a:r>
+            <a:r>
+              <a:rPr sz="1400"/>
+              <a:t>it </a:t>
+            </a:r>
+            <a:r>
+              <a:rPr sz="1400"/>
+              <a:t>with </a:t>
+            </a:r>
+            <a:r>
+              <a:rPr sz="1400"/>
+              <a:t>a </a:t>
+            </a:r>
+            <a:r>
+              <a:rPr sz="1400"/>
+              <a:t>valid </a:t>
+            </a:r>
+            <a:r>
+              <a:rPr sz="1400"/>
+              <a:t>certificate. </a:t>
+            </a:r>
+          </a:p>
+          <a:p/>
+          <a:p>
+            <a:r>
+              <a:rPr b="1" sz="1400"/>
+              <a:t>Important: </a:t>
+            </a:r>
+            <a:r>
+              <a:rPr sz="1400"/>
+              <a:t>Always </a:t>
+            </a:r>
+            <a:r>
+              <a:rPr sz="1400"/>
+              <a:t>respect </a:t>
+            </a:r>
+            <a:r>
+              <a:rPr sz="1400"/>
+              <a:t>the </a:t>
+            </a:r>
+            <a:r>
+              <a:rPr sz="1400"/>
+              <a:t>app's </a:t>
+            </a:r>
+            <a:r>
+              <a:rPr sz="1400"/>
+              <a:t>End </a:t>
+            </a:r>
+            <a:r>
+              <a:rPr sz="1400"/>
+              <a:t>User </a:t>
+            </a:r>
+            <a:r>
+              <a:rPr sz="1400"/>
+              <a:t>License </a:t>
+            </a:r>
+            <a:r>
+              <a:rPr sz="1400"/>
+              <a:t>Agreement </a:t>
+            </a:r>
+            <a:r>
+              <a:rPr sz="1400"/>
+              <a:t>(EULA) </a:t>
+            </a:r>
+            <a:r>
+              <a:rPr sz="1400"/>
+              <a:t>and </a:t>
+            </a:r>
+            <a:r>
+              <a:rPr sz="1400"/>
+              <a:t>copyright </a:t>
+            </a:r>
+            <a:r>
+              <a:rPr sz="1400"/>
+              <a:t>laws. </a:t>
+            </a:r>
+            <a:r>
+              <a:rPr sz="1400"/>
+              <a:t>Modifying </a:t>
+            </a:r>
+            <a:r>
+              <a:rPr sz="1400"/>
+              <a:t>apps </a:t>
+            </a:r>
+            <a:r>
+              <a:rPr sz="1400"/>
+              <a:t>without </a:t>
+            </a:r>
+            <a:r>
+              <a:rPr sz="1400"/>
+              <a:t>permission </a:t>
+            </a:r>
+            <a:r>
+              <a:rPr sz="1400"/>
+              <a:t>can </a:t>
+            </a:r>
+            <a:r>
+              <a:rPr sz="1400"/>
+              <a:t>have </a:t>
+            </a:r>
+            <a:r>
+              <a:rPr sz="1400"/>
+              <a:t>legal </a:t>
+            </a:r>
+            <a:r>
+              <a:rPr sz="1400"/>
+              <a:t>consequences. </a:t>
+            </a:r>
+          </a:p>
+        </p:txBody>
+      </p:sp>
+    </p:spTree>
+  </p:cSld>
+  <p:clrMapOvr>
+    <a:masterClrMapping/>
+  </p:clrMapOvr>
+</p:sld>
+</file>
+
+<file path=ppt/slides/slide15.xml><?xml version="1.0" encoding="utf-8"?>
+<p:sld xmlns:a="http://schemas.openxmlformats.org/drawingml/2006/main" xmlns:p="http://schemas.openxmlformats.org/presentationml/2006/main" xmlns:r="http://schemas.openxmlformats.org/officeDocument/2006/relationships">
+  <p:cSld>
+    <p:spTree>
+      <p:nvGrpSpPr>
+        <p:cNvPr id="1" name=""/>
+        <p:cNvGrpSpPr/>
+        <p:nvPr/>
+      </p:nvGrpSpPr>
+      <p:grpSpPr/>
+      <p:sp>
+        <p:nvSpPr>
+          <p:cNvPr id="2" name="TextBox 1"/>
+          <p:cNvSpPr txBox="1"/>
+          <p:nvPr/>
+        </p:nvSpPr>
+        <p:spPr>
+          <a:xfrm>
+            <a:off x="228600" y="228600"/>
+            <a:ext cx="8229600" cy="457200"/>
+          </a:xfrm>
+          <a:prstGeom prst="rect">
+            <a:avLst/>
+          </a:prstGeom>
+          <a:noFill/>
+        </p:spPr>
+        <p:txBody>
+          <a:bodyPr wrap="square">
+            <a:spAutoFit/>
+          </a:bodyPr>
+          <a:lstStyle/>
+          <a:p>
+            <a:r>
+              <a:rPr sz="1400"/>
+              <a:t>Crash Course on Programming Language</a:t>
+            </a:r>
+          </a:p>
+        </p:txBody>
+      </p:sp>
+      <p:sp>
+        <p:nvSpPr>
+          <p:cNvPr id="3" name="TextBox 2"/>
+          <p:cNvSpPr txBox="1"/>
+          <p:nvPr/>
+        </p:nvSpPr>
+        <p:spPr>
+          <a:xfrm>
+            <a:off x="228600" y="685800"/>
+            <a:ext cx="8229600" cy="3657600"/>
+          </a:xfrm>
+          <a:prstGeom prst="rect">
+            <a:avLst/>
+          </a:prstGeom>
+          <a:noFill/>
+        </p:spPr>
+        <p:txBody>
+          <a:bodyPr wrap="square">
+            <a:spAutoFit/>
+          </a:bodyPr>
+          <a:lstStyle/>
+          <a:p/>
+          <a:p>
+            <a:pPr algn="l">
+              <a:defRPr sz="2000" b="1"/>
+            </a:pPr>
+            <a:r>
+              <a:rPr sz="1400"/>
+              <a:t>Building Blocks of Code</a:t>
+            </a:r>
+          </a:p>
+          <a:p/>
+          <a:p>
+            <a:r>
+              <a:rPr sz="1400"/>
+              <a:t>To </a:t>
+            </a:r>
+            <a:r>
+              <a:rPr sz="1400"/>
+              <a:t>solidify </a:t>
+            </a:r>
+            <a:r>
+              <a:rPr sz="1400"/>
+              <a:t>your </a:t>
+            </a:r>
+            <a:r>
+              <a:rPr sz="1400"/>
+              <a:t>understanding </a:t>
+            </a:r>
+            <a:r>
+              <a:rPr sz="1400"/>
+              <a:t>of </a:t>
+            </a:r>
+            <a:r>
+              <a:rPr sz="1400"/>
+              <a:t>low-level </a:t>
+            </a:r>
+            <a:r>
+              <a:rPr sz="1400"/>
+              <a:t>code </a:t>
+            </a:r>
+            <a:r>
+              <a:rPr sz="1400"/>
+              <a:t>and </a:t>
+            </a:r>
+            <a:r>
+              <a:rPr sz="1400"/>
+              <a:t>assembly </a:t>
+            </a:r>
+            <a:r>
+              <a:rPr sz="1400"/>
+              <a:t>language, </a:t>
+            </a:r>
+            <a:r>
+              <a:rPr sz="1400"/>
+              <a:t>we'll </a:t>
+            </a:r>
+            <a:r>
+              <a:rPr sz="1400"/>
+              <a:t>embark </a:t>
+            </a:r>
+            <a:r>
+              <a:rPr sz="1400"/>
+              <a:t>on </a:t>
+            </a:r>
+            <a:r>
+              <a:rPr sz="1400"/>
+              <a:t>a </a:t>
+            </a:r>
+            <a:r>
+              <a:rPr sz="1400"/>
+              <a:t>practical </a:t>
+            </a:r>
+            <a:r>
+              <a:rPr sz="1400"/>
+              <a:t>journey: </a:t>
+            </a:r>
+          </a:p>
+          <a:p/>
+          <a:p>
+            <a:r>
+              <a:rPr sz="1400"/>
+              <a:t>• </a:t>
+            </a:r>
+            <a:r>
+              <a:rPr b="1" sz="1400"/>
+              <a:t>Designing </a:t>
+            </a:r>
+            <a:r>
+              <a:rPr b="1" sz="1400"/>
+              <a:t>a </a:t>
+            </a:r>
+            <a:r>
+              <a:rPr b="1" sz="1400"/>
+              <a:t>Dummy </a:t>
+            </a:r>
+            <a:r>
+              <a:rPr b="1" sz="1400"/>
+              <a:t>Assembly </a:t>
+            </a:r>
+            <a:r>
+              <a:rPr b="1" sz="1400"/>
+              <a:t>Language:</a:t>
+            </a:r>
+            <a:r>
+              <a:rPr sz="1400"/>
+              <a:t>We'll </a:t>
+            </a:r>
+            <a:r>
+              <a:rPr sz="1400"/>
+              <a:t>create </a:t>
+            </a:r>
+            <a:r>
+              <a:rPr sz="1400"/>
+              <a:t>a </a:t>
+            </a:r>
+            <a:r>
+              <a:rPr sz="1400"/>
+              <a:t>simplified </a:t>
+            </a:r>
+            <a:r>
+              <a:rPr sz="1400"/>
+              <a:t>assembly </a:t>
+            </a:r>
+            <a:r>
+              <a:rPr sz="1400"/>
+              <a:t>language </a:t>
+            </a:r>
+            <a:r>
+              <a:rPr sz="1400"/>
+              <a:t>with </a:t>
+            </a:r>
+            <a:r>
+              <a:rPr sz="1400"/>
+              <a:t>its </a:t>
+            </a:r>
+            <a:r>
+              <a:rPr sz="1400"/>
+              <a:t>own </a:t>
+            </a:r>
+            <a:r>
+              <a:rPr sz="1400"/>
+              <a:t>set </a:t>
+            </a:r>
+            <a:r>
+              <a:rPr sz="1400"/>
+              <a:t>of </a:t>
+            </a:r>
+            <a:r>
+              <a:rPr sz="1400"/>
+              <a:t>instructions. </a:t>
+            </a:r>
+          </a:p>
+          <a:p>
+            <a:r>
+              <a:rPr sz="1400"/>
+              <a:t>• </a:t>
+            </a:r>
+            <a:r>
+              <a:rPr b="1" sz="1400"/>
+              <a:t>Binary </a:t>
+            </a:r>
+            <a:r>
+              <a:rPr b="1" sz="1400"/>
+              <a:t>Code </a:t>
+            </a:r>
+            <a:r>
+              <a:rPr b="1" sz="1400"/>
+              <a:t>Representation:</a:t>
+            </a:r>
+            <a:r>
+              <a:rPr sz="1400"/>
+              <a:t>We'll </a:t>
+            </a:r>
+            <a:r>
+              <a:rPr sz="1400"/>
+              <a:t>define </a:t>
+            </a:r>
+            <a:r>
+              <a:rPr sz="1400"/>
+              <a:t>how </a:t>
+            </a:r>
+            <a:r>
+              <a:rPr sz="1400"/>
+              <a:t>these </a:t>
+            </a:r>
+            <a:r>
+              <a:rPr sz="1400"/>
+              <a:t>instructions </a:t>
+            </a:r>
+            <a:r>
+              <a:rPr sz="1400"/>
+              <a:t>are </a:t>
+            </a:r>
+            <a:r>
+              <a:rPr sz="1400"/>
+              <a:t>represented </a:t>
+            </a:r>
+            <a:r>
+              <a:rPr sz="1400"/>
+              <a:t>in </a:t>
+            </a:r>
+            <a:r>
+              <a:rPr sz="1400"/>
+              <a:t>binary </a:t>
+            </a:r>
+            <a:r>
+              <a:rPr sz="1400"/>
+              <a:t>form. </a:t>
+            </a:r>
+          </a:p>
+          <a:p>
+            <a:r>
+              <a:rPr sz="1400"/>
+              <a:t>• </a:t>
+            </a:r>
+            <a:r>
+              <a:rPr b="1" sz="1400"/>
+              <a:t>Assembly </a:t>
+            </a:r>
+            <a:r>
+              <a:rPr b="1" sz="1400"/>
+              <a:t>to </a:t>
+            </a:r>
+            <a:r>
+              <a:rPr b="1" sz="1400"/>
+              <a:t>Binary </a:t>
+            </a:r>
+            <a:r>
+              <a:rPr b="1" sz="1400"/>
+              <a:t>Conversion:</a:t>
+            </a:r>
+            <a:r>
+              <a:rPr sz="1400"/>
+              <a:t>Learn </a:t>
+            </a:r>
+            <a:r>
+              <a:rPr sz="1400"/>
+              <a:t>how </a:t>
+            </a:r>
+            <a:r>
+              <a:rPr sz="1400"/>
+              <a:t>to </a:t>
+            </a:r>
+            <a:r>
+              <a:rPr sz="1400"/>
+              <a:t>convert </a:t>
+            </a:r>
+            <a:r>
+              <a:rPr sz="1400"/>
+              <a:t>assembly </a:t>
+            </a:r>
+            <a:r>
+              <a:rPr sz="1400"/>
+              <a:t>code </a:t>
+            </a:r>
+            <a:r>
+              <a:rPr sz="1400"/>
+              <a:t>into </a:t>
+            </a:r>
+            <a:r>
+              <a:rPr sz="1400"/>
+              <a:t>its </a:t>
+            </a:r>
+            <a:r>
+              <a:rPr sz="1400"/>
+              <a:t>corresponding </a:t>
+            </a:r>
+            <a:r>
+              <a:rPr sz="1400"/>
+              <a:t>binary </a:t>
+            </a:r>
+            <a:r>
+              <a:rPr sz="1400"/>
+              <a:t>representation. </a:t>
+            </a:r>
+          </a:p>
+        </p:txBody>
+      </p:sp>
+    </p:spTree>
+  </p:cSld>
+  <p:clrMapOvr>
+    <a:masterClrMapping/>
+  </p:clrMapOvr>
+</p:sld>
+</file>
+
+<file path=ppt/slides/slide2.xml><?xml version="1.0" encoding="utf-8"?>
+<p:sld xmlns:a="http://schemas.openxmlformats.org/drawingml/2006/main" xmlns:p="http://schemas.openxmlformats.org/presentationml/2006/main" xmlns:r="http://schemas.openxmlformats.org/officeDocument/2006/relationships">
+  <p:cSld>
+    <p:spTree>
+      <p:nvGrpSpPr>
+        <p:cNvPr id="1" name=""/>
+        <p:cNvGrpSpPr/>
+        <p:nvPr/>
+      </p:nvGrpSpPr>
+      <p:grpSpPr/>
+      <p:sp>
+        <p:nvSpPr>
+          <p:cNvPr id="2" name="TextBox 1"/>
+          <p:cNvSpPr txBox="1"/>
+          <p:nvPr/>
+        </p:nvSpPr>
+        <p:spPr>
+          <a:xfrm>
+            <a:off x="228600" y="228600"/>
+            <a:ext cx="8229600" cy="457200"/>
+          </a:xfrm>
+          <a:prstGeom prst="rect">
+            <a:avLst/>
+          </a:prstGeom>
+          <a:noFill/>
+        </p:spPr>
+        <p:txBody>
+          <a:bodyPr wrap="square">
+            <a:spAutoFit/>
+          </a:bodyPr>
+          <a:lstStyle/>
+          <a:p>
+            <a:r>
+              <a:rPr sz="1400"/>
+              <a:t>Overview</a:t>
+            </a:r>
+          </a:p>
+        </p:txBody>
+      </p:sp>
+      <p:sp>
+        <p:nvSpPr>
+          <p:cNvPr id="3" name="TextBox 2"/>
+          <p:cNvSpPr txBox="1"/>
+          <p:nvPr/>
+        </p:nvSpPr>
+        <p:spPr>
+          <a:xfrm>
+            <a:off x="228600" y="685800"/>
+            <a:ext cx="8229600" cy="3657600"/>
+          </a:xfrm>
+          <a:prstGeom prst="rect">
+            <a:avLst/>
+          </a:prstGeom>
+          <a:noFill/>
+        </p:spPr>
+        <p:txBody>
+          <a:bodyPr wrap="square">
+            <a:spAutoFit/>
+          </a:bodyPr>
+          <a:lstStyle/>
+          <a:p/>
+          <a:p>
+            <a:pPr algn="l">
+              <a:defRPr sz="2000" b="1"/>
+            </a:pPr>
+            <a:r>
+              <a:rPr sz="1400"/>
+              <a:t>Course Roadmap</a:t>
+            </a:r>
+          </a:p>
+          <a:p/>
+          <a:p>
+            <a:r>
+              <a:rPr sz="1400"/>
+              <a:t>• </a:t>
+            </a:r>
+            <a:r>
+              <a:rPr b="1" sz="1400"/>
+              <a:t>Android </a:t>
+            </a:r>
+            <a:r>
+              <a:rPr b="1" sz="1400"/>
+              <a:t>Reverse </a:t>
+            </a:r>
+            <a:r>
+              <a:rPr b="1" sz="1400"/>
+              <a:t>Engineering:</a:t>
+            </a:r>
+            <a:r>
+              <a:rPr sz="1400"/>
+              <a:t>Understanding </a:t>
+            </a:r>
+            <a:r>
+              <a:rPr sz="1400"/>
+              <a:t>the </a:t>
+            </a:r>
+            <a:r>
+              <a:rPr sz="1400"/>
+              <a:t>core </a:t>
+            </a:r>
+            <a:r>
+              <a:rPr sz="1400"/>
+              <a:t>principles </a:t>
+            </a:r>
+            <a:r>
+              <a:rPr sz="1400"/>
+              <a:t>and </a:t>
+            </a:r>
+            <a:r>
+              <a:rPr sz="1400"/>
+              <a:t>methodologies. </a:t>
+            </a:r>
+          </a:p>
+          <a:p>
+            <a:r>
+              <a:rPr sz="1400"/>
+              <a:t>• </a:t>
+            </a:r>
+            <a:r>
+              <a:rPr b="1" sz="1400"/>
+              <a:t>Android </a:t>
+            </a:r>
+            <a:r>
+              <a:rPr b="1" sz="1400"/>
+              <a:t>Code </a:t>
+            </a:r>
+            <a:r>
+              <a:rPr b="1" sz="1400"/>
+              <a:t>Structure:</a:t>
+            </a:r>
+            <a:r>
+              <a:rPr sz="1400"/>
+              <a:t>Exploring </a:t>
+            </a:r>
+            <a:r>
+              <a:rPr sz="1400"/>
+              <a:t>the </a:t>
+            </a:r>
+            <a:r>
+              <a:rPr sz="1400"/>
+              <a:t>organization </a:t>
+            </a:r>
+            <a:r>
+              <a:rPr sz="1400"/>
+              <a:t>of </a:t>
+            </a:r>
+            <a:r>
+              <a:rPr sz="1400"/>
+              <a:t>an </a:t>
+            </a:r>
+            <a:r>
+              <a:rPr sz="1400"/>
+              <a:t>Android </a:t>
+            </a:r>
+            <a:r>
+              <a:rPr sz="1400"/>
+              <a:t>app's </a:t>
+            </a:r>
+            <a:r>
+              <a:rPr sz="1400"/>
+              <a:t>codebase. </a:t>
+            </a:r>
+          </a:p>
+          <a:p>
+            <a:r>
+              <a:rPr sz="1400"/>
+              <a:t>• </a:t>
+            </a:r>
+            <a:r>
+              <a:rPr b="1" sz="1400"/>
+              <a:t>Components </a:t>
+            </a:r>
+            <a:r>
+              <a:rPr b="1" sz="1400"/>
+              <a:t>in </a:t>
+            </a:r>
+            <a:r>
+              <a:rPr b="1" sz="1400"/>
+              <a:t>Manifest </a:t>
+            </a:r>
+            <a:r>
+              <a:rPr b="1" sz="1400"/>
+              <a:t>file:</a:t>
+            </a:r>
+            <a:r>
+              <a:rPr sz="1400"/>
+              <a:t>Decoding </a:t>
+            </a:r>
+            <a:r>
+              <a:rPr sz="1400"/>
+              <a:t>the </a:t>
+            </a:r>
+            <a:r>
+              <a:rPr sz="1400"/>
+              <a:t>essential </a:t>
+            </a:r>
+            <a:r>
+              <a:rPr sz="1400"/>
+              <a:t>app </a:t>
+            </a:r>
+            <a:r>
+              <a:rPr sz="1400"/>
+              <a:t>metadata </a:t>
+            </a:r>
+            <a:r>
+              <a:rPr sz="1400"/>
+              <a:t>within </a:t>
+            </a:r>
+            <a:r>
+              <a:rPr sz="1400"/>
+              <a:t>the </a:t>
+            </a:r>
+            <a:r>
+              <a:rPr sz="1400"/>
+              <a:t>manifest. </a:t>
+            </a:r>
+          </a:p>
+          <a:p>
+            <a:r>
+              <a:rPr sz="1400"/>
+              <a:t>• </a:t>
+            </a:r>
+            <a:r>
+              <a:rPr b="1" sz="1400"/>
+              <a:t>Dex </a:t>
+            </a:r>
+            <a:r>
+              <a:rPr b="1" sz="1400"/>
+              <a:t>to </a:t>
+            </a:r>
+            <a:r>
+              <a:rPr b="1" sz="1400"/>
+              <a:t>Smali:</a:t>
+            </a:r>
+            <a:r>
+              <a:rPr sz="1400"/>
+              <a:t>Disassembling </a:t>
+            </a:r>
+            <a:r>
+              <a:rPr sz="1400"/>
+              <a:t>DEX </a:t>
+            </a:r>
+            <a:r>
+              <a:rPr sz="1400"/>
+              <a:t>bytecode </a:t>
+            </a:r>
+            <a:r>
+              <a:rPr sz="1400"/>
+              <a:t>into </a:t>
+            </a:r>
+            <a:r>
+              <a:rPr sz="1400"/>
+              <a:t>human-readable </a:t>
+            </a:r>
+            <a:r>
+              <a:rPr sz="1400"/>
+              <a:t>Smali </a:t>
+            </a:r>
+            <a:r>
+              <a:rPr sz="1400"/>
+              <a:t>code. </a:t>
+            </a:r>
+          </a:p>
+          <a:p>
+            <a:r>
+              <a:rPr sz="1400"/>
+              <a:t>• </a:t>
+            </a:r>
+            <a:r>
+              <a:rPr b="1" sz="1400"/>
+              <a:t>Dex </a:t>
+            </a:r>
+            <a:r>
+              <a:rPr b="1" sz="1400"/>
+              <a:t>to </a:t>
+            </a:r>
+            <a:r>
+              <a:rPr b="1" sz="1400"/>
+              <a:t>Source </a:t>
+            </a:r>
+            <a:r>
+              <a:rPr b="1" sz="1400"/>
+              <a:t>code:</a:t>
+            </a:r>
+            <a:r>
+              <a:rPr sz="1400"/>
+              <a:t>Converting </a:t>
+            </a:r>
+            <a:r>
+              <a:rPr sz="1400"/>
+              <a:t>DEX </a:t>
+            </a:r>
+            <a:r>
+              <a:rPr sz="1400"/>
+              <a:t>bytecode </a:t>
+            </a:r>
+            <a:r>
+              <a:rPr sz="1400"/>
+              <a:t>back </a:t>
+            </a:r>
+            <a:r>
+              <a:rPr sz="1400"/>
+              <a:t>into </a:t>
+            </a:r>
+            <a:r>
+              <a:rPr sz="1400"/>
+              <a:t>Java </a:t>
+            </a:r>
+            <a:r>
+              <a:rPr sz="1400"/>
+              <a:t>or </a:t>
+            </a:r>
+            <a:r>
+              <a:rPr sz="1400"/>
+              <a:t>Kotlin </a:t>
+            </a:r>
+            <a:r>
+              <a:rPr sz="1400"/>
+              <a:t>source </a:t>
+            </a:r>
+            <a:r>
+              <a:rPr sz="1400"/>
+              <a:t>code. </a:t>
+            </a:r>
+          </a:p>
+          <a:p>
+            <a:r>
+              <a:rPr sz="1400"/>
+              <a:t>• </a:t>
+            </a:r>
+            <a:r>
+              <a:rPr b="1" sz="1400"/>
+              <a:t>Native </a:t>
+            </a:r>
+            <a:r>
+              <a:rPr b="1" sz="1400"/>
+              <a:t>code </a:t>
+            </a:r>
+            <a:r>
+              <a:rPr b="1" sz="1400"/>
+              <a:t>analysis:</a:t>
+            </a:r>
+            <a:r>
+              <a:rPr sz="1400"/>
+              <a:t>Examining </a:t>
+            </a:r>
+            <a:r>
+              <a:rPr sz="1400"/>
+              <a:t>native </a:t>
+            </a:r>
+            <a:r>
+              <a:rPr sz="1400"/>
+              <a:t>code </a:t>
+            </a:r>
+            <a:r>
+              <a:rPr sz="1400"/>
+              <a:t>components </a:t>
+            </a:r>
+            <a:r>
+              <a:rPr sz="1400"/>
+              <a:t>written </a:t>
+            </a:r>
+            <a:r>
+              <a:rPr sz="1400"/>
+              <a:t>in </a:t>
+            </a:r>
+            <a:r>
+              <a:rPr sz="1400"/>
+              <a:t>languages </a:t>
+            </a:r>
+            <a:r>
+              <a:rPr sz="1400"/>
+              <a:t>like </a:t>
+            </a:r>
+            <a:r>
+              <a:rPr sz="1400"/>
+              <a:t>C. </a:t>
+            </a:r>
+          </a:p>
+          <a:p>
+            <a:r>
+              <a:rPr sz="1400"/>
+              <a:t>• </a:t>
+            </a:r>
+            <a:r>
+              <a:rPr b="1" sz="1400"/>
+              <a:t>Design </a:t>
+            </a:r>
+            <a:r>
+              <a:rPr b="1" sz="1400"/>
+              <a:t>a </a:t>
+            </a:r>
+            <a:r>
+              <a:rPr b="1" sz="1400"/>
+              <a:t>dummy </a:t>
+            </a:r>
+            <a:r>
+              <a:rPr b="1" sz="1400"/>
+              <a:t>machine </a:t>
+            </a:r>
+            <a:r>
+              <a:rPr b="1" sz="1400"/>
+              <a:t>language:</a:t>
+            </a:r>
+            <a:r>
+              <a:rPr sz="1400"/>
+              <a:t>A </a:t>
+            </a:r>
+            <a:r>
+              <a:rPr sz="1400"/>
+              <a:t>practical </a:t>
+            </a:r>
+            <a:r>
+              <a:rPr sz="1400"/>
+              <a:t>exercise </a:t>
+            </a:r>
+            <a:r>
+              <a:rPr sz="1400"/>
+              <a:t>to </a:t>
+            </a:r>
+            <a:r>
+              <a:rPr sz="1400"/>
+              <a:t>solidify </a:t>
+            </a:r>
+            <a:r>
+              <a:rPr sz="1400"/>
+              <a:t>your </a:t>
+            </a:r>
+            <a:r>
+              <a:rPr sz="1400"/>
+              <a:t>understanding </a:t>
+            </a:r>
+            <a:r>
+              <a:rPr sz="1400"/>
+              <a:t>of </a:t>
+            </a:r>
+            <a:r>
+              <a:rPr sz="1400"/>
+              <a:t>low-level </a:t>
+            </a:r>
+            <a:r>
+              <a:rPr sz="1400"/>
+              <a:t>code </a:t>
+            </a:r>
+            <a:r>
+              <a:rPr sz="1400"/>
+              <a:t>and </a:t>
+            </a:r>
+            <a:r>
+              <a:rPr sz="1400"/>
+              <a:t>assembly </a:t>
+            </a:r>
+            <a:r>
+              <a:rPr sz="1400"/>
+              <a:t>language. </a:t>
+            </a:r>
+          </a:p>
+        </p:txBody>
+      </p:sp>
+    </p:spTree>
+  </p:cSld>
+  <p:clrMapOvr>
+    <a:masterClrMapping/>
+  </p:clrMapOvr>
+</p:sld>
+</file>
+
+<file path=ppt/slides/slide3.xml><?xml version="1.0" encoding="utf-8"?>
+<p:sld xmlns:a="http://schemas.openxmlformats.org/drawingml/2006/main" xmlns:p="http://schemas.openxmlformats.org/presentationml/2006/main" xmlns:r="http://schemas.openxmlformats.org/officeDocument/2006/relationships">
+  <p:cSld>
+    <p:spTree>
+      <p:nvGrpSpPr>
+        <p:cNvPr id="1" name=""/>
+        <p:cNvGrpSpPr/>
+        <p:nvPr/>
+      </p:nvGrpSpPr>
+      <p:grpSpPr/>
+      <p:sp>
+        <p:nvSpPr>
+          <p:cNvPr id="2" name="TextBox 1"/>
+          <p:cNvSpPr txBox="1"/>
+          <p:nvPr/>
+        </p:nvSpPr>
+        <p:spPr>
+          <a:xfrm>
+            <a:off x="228600" y="228600"/>
+            <a:ext cx="8229600" cy="457200"/>
+          </a:xfrm>
+          <a:prstGeom prst="rect">
+            <a:avLst/>
+          </a:prstGeom>
+          <a:noFill/>
+        </p:spPr>
+        <p:txBody>
+          <a:bodyPr wrap="square">
+            <a:spAutoFit/>
+          </a:bodyPr>
+          <a:lstStyle/>
+          <a:p>
+            <a:r>
+              <a:rPr sz="1400"/>
+              <a:t>Administrative Matters</a:t>
+            </a:r>
+          </a:p>
+        </p:txBody>
+      </p:sp>
+      <p:sp>
+        <p:nvSpPr>
+          <p:cNvPr id="3" name="TextBox 2"/>
+          <p:cNvSpPr txBox="1"/>
+          <p:nvPr/>
+        </p:nvSpPr>
+        <p:spPr>
+          <a:xfrm>
+            <a:off x="228600" y="685800"/>
+            <a:ext cx="8229600" cy="3657600"/>
+          </a:xfrm>
+          <a:prstGeom prst="rect">
+            <a:avLst/>
+          </a:prstGeom>
+          <a:noFill/>
+        </p:spPr>
+        <p:txBody>
+          <a:bodyPr wrap="square">
+            <a:spAutoFit/>
+          </a:bodyPr>
+          <a:lstStyle/>
+          <a:p/>
+          <a:p>
+            <a:pPr algn="l">
+              <a:defRPr sz="2000" b="1"/>
+            </a:pPr>
+            <a:r>
+              <a:rPr sz="1400"/>
+              <a:t>Mark Your Calendars!</a:t>
+            </a:r>
+          </a:p>
+          <a:p/>
+          <a:p>
+            <a:r>
+              <a:rPr sz="1400"/>
+              <a:t>• </a:t>
+            </a:r>
+            <a:r>
+              <a:rPr b="1" sz="1400"/>
+              <a:t>Guest </a:t>
+            </a:r>
+            <a:r>
+              <a:rPr b="1" sz="1400"/>
+              <a:t>Lecture:</a:t>
+            </a:r>
+            <a:r>
+              <a:rPr sz="1400"/>
+              <a:t>We'll </a:t>
+            </a:r>
+            <a:r>
+              <a:rPr sz="1400"/>
+              <a:t>have </a:t>
+            </a:r>
+            <a:r>
+              <a:rPr sz="1400"/>
+              <a:t>a </a:t>
+            </a:r>
+            <a:r>
+              <a:rPr sz="1400"/>
+              <a:t>special </a:t>
+            </a:r>
+            <a:r>
+              <a:rPr sz="1400"/>
+              <a:t>session </a:t>
+            </a:r>
+            <a:r>
+              <a:rPr sz="1400"/>
+              <a:t>led </a:t>
+            </a:r>
+            <a:r>
+              <a:rPr sz="1400"/>
+              <a:t>by </a:t>
+            </a:r>
+            <a:r>
+              <a:rPr sz="1400"/>
+              <a:t>DarkNavy, </a:t>
+            </a:r>
+            <a:r>
+              <a:rPr sz="1400"/>
+              <a:t>a </a:t>
+            </a:r>
+            <a:r>
+              <a:rPr sz="1400"/>
+              <a:t>renowned </a:t>
+            </a:r>
+            <a:r>
+              <a:rPr sz="1400"/>
+              <a:t>security </a:t>
+            </a:r>
+            <a:r>
+              <a:rPr sz="1400"/>
+              <a:t>expert </a:t>
+            </a:r>
+            <a:r>
+              <a:rPr sz="1400"/>
+              <a:t>from </a:t>
+            </a:r>
+            <a:r>
+              <a:rPr sz="1400"/>
+              <a:t>China. </a:t>
+            </a:r>
+          </a:p>
+          <a:p>
+            <a:r>
+              <a:rPr sz="1400"/>
+              <a:t>• </a:t>
+            </a:r>
+            <a:r>
+              <a:rPr b="1" sz="1400"/>
+              <a:t>Date </a:t>
+            </a:r>
+            <a:r>
+              <a:rPr b="1" sz="1400"/>
+              <a:t>&amp; </a:t>
+            </a:r>
+            <a:r>
+              <a:rPr b="1" sz="1400"/>
+              <a:t>Time:</a:t>
+            </a:r>
+            <a:r>
+              <a:rPr sz="1400"/>
+              <a:t>19th </a:t>
+            </a:r>
+            <a:r>
+              <a:rPr sz="1400"/>
+              <a:t>March </a:t>
+            </a:r>
+            <a:r>
+              <a:rPr sz="1400"/>
+              <a:t>2024, </a:t>
+            </a:r>
+            <a:r>
+              <a:rPr sz="1400"/>
+              <a:t>9 </a:t>
+            </a:r>
+            <a:r>
+              <a:rPr sz="1400"/>
+              <a:t>AM </a:t>
+            </a:r>
+            <a:r>
+              <a:rPr sz="1400"/>
+              <a:t>– </a:t>
+            </a:r>
+            <a:r>
+              <a:rPr sz="1400"/>
+              <a:t>11 </a:t>
+            </a:r>
+            <a:r>
+              <a:rPr sz="1400"/>
+              <a:t>AM </a:t>
+            </a:r>
+          </a:p>
+          <a:p>
+            <a:r>
+              <a:rPr sz="1400"/>
+              <a:t>• </a:t>
+            </a:r>
+            <a:r>
+              <a:rPr b="1" sz="1400"/>
+              <a:t>Format: </a:t>
+            </a:r>
+            <a:r>
+              <a:rPr sz="1400"/>
+              <a:t>Hybrid </a:t>
+            </a:r>
             <a:r>
               <a:rPr sz="1400"/>
               <a:t>- </a:t>
             </a:r>
             <a:r>
-              <a:rPr b="1" sz="1400"/>
+              <a:rPr sz="1400"/>
+              <a:t>Attend </a:t>
+            </a:r>
+            <a:r>
+              <a:rPr sz="1400"/>
+              <a:t>in </a:t>
+            </a:r>
+            <a:r>
+              <a:rPr sz="1400"/>
+              <a:t>person </a:t>
+            </a:r>
+            <a:r>
+              <a:rPr sz="1400"/>
+              <a:t>or </a:t>
+            </a:r>
+            <a:r>
+              <a:rPr sz="1400"/>
+              <a:t>join </a:t>
+            </a:r>
+            <a:r>
+              <a:rPr sz="1400"/>
+              <a:t>via </a:t>
+            </a:r>
+            <a:r>
+              <a:rPr sz="1400"/>
+              <a:t>Zoom </a:t>
+            </a:r>
+            <a:r>
+              <a:rPr sz="1400"/>
+              <a:t>(classroom </a:t>
+            </a:r>
+            <a:r>
+              <a:rPr sz="1400"/>
+              <a:t>details </a:t>
+            </a:r>
+            <a:r>
+              <a:rPr sz="1400"/>
+              <a:t>will </a:t>
+            </a:r>
+            <a:r>
+              <a:rPr sz="1400"/>
+              <a:t>be </a:t>
+            </a:r>
+            <a:r>
+              <a:rPr sz="1400"/>
+              <a:t>on </a:t>
+            </a:r>
+            <a:r>
+              <a:rPr sz="1400"/>
+              <a:t>LMS). </a:t>
+            </a:r>
+          </a:p>
+          <a:p>
+            <a:r>
+              <a:rPr sz="1400"/>
+              <a:t>• </a:t>
+            </a:r>
+            <a:r>
+              <a:rPr b="1" sz="1400"/>
+              <a:t>CTF </a:t>
+            </a:r>
+            <a:r>
+              <a:rPr b="1" sz="1400"/>
+              <a:t>Session:</a:t>
+            </a:r>
+            <a:r>
+              <a:rPr sz="1400"/>
+              <a:t>Get </a:t>
+            </a:r>
+            <a:r>
+              <a:rPr sz="1400"/>
+              <a:t>hands-on </a:t>
+            </a:r>
+            <a:r>
+              <a:rPr sz="1400"/>
+              <a:t>experience </a:t>
+            </a:r>
+            <a:r>
+              <a:rPr sz="1400"/>
+              <a:t>with </a:t>
+            </a:r>
+            <a:r>
+              <a:rPr sz="1400"/>
+              <a:t>a </a:t>
+            </a:r>
+            <a:r>
+              <a:rPr sz="1400"/>
+              <a:t>Capture </a:t>
+            </a:r>
+            <a:r>
+              <a:rPr sz="1400"/>
+              <a:t>the </a:t>
+            </a:r>
+            <a:r>
+              <a:rPr sz="1400"/>
+              <a:t>Flag </a:t>
+            </a:r>
+            <a:r>
+              <a:rPr sz="1400"/>
+              <a:t>challenge </a:t>
+            </a:r>
+            <a:r>
+              <a:rPr sz="1400"/>
+              <a:t>to </a:t>
+            </a:r>
+            <a:r>
+              <a:rPr sz="1400"/>
+              <a:t>hone </a:t>
+            </a:r>
+            <a:r>
+              <a:rPr sz="1400"/>
+              <a:t>your </a:t>
+            </a:r>
+            <a:r>
+              <a:rPr sz="1400"/>
+              <a:t>skills </a:t>
+            </a:r>
+            <a:r>
+              <a:rPr sz="1400"/>
+              <a:t>and </a:t>
+            </a:r>
+            <a:r>
+              <a:rPr sz="1400"/>
+              <a:t>identify </a:t>
+            </a:r>
+            <a:r>
+              <a:rPr sz="1400"/>
+              <a:t>your </a:t>
+            </a:r>
+            <a:r>
+              <a:rPr sz="1400"/>
+              <a:t>strengths. </a:t>
+            </a:r>
+          </a:p>
+        </p:txBody>
+      </p:sp>
+    </p:spTree>
+  </p:cSld>
+  <p:clrMapOvr>
+    <a:masterClrMapping/>
+  </p:clrMapOvr>
+</p:sld>
+</file>
+
+<file path=ppt/slides/slide4.xml><?xml version="1.0" encoding="utf-8"?>
+<p:sld xmlns:a="http://schemas.openxmlformats.org/drawingml/2006/main" xmlns:p="http://schemas.openxmlformats.org/presentationml/2006/main" xmlns:r="http://schemas.openxmlformats.org/officeDocument/2006/relationships">
+  <p:cSld>
+    <p:spTree>
+      <p:nvGrpSpPr>
+        <p:cNvPr id="1" name=""/>
+        <p:cNvGrpSpPr/>
+        <p:nvPr/>
+      </p:nvGrpSpPr>
+      <p:grpSpPr/>
+      <p:sp>
+        <p:nvSpPr>
+          <p:cNvPr id="2" name="TextBox 1"/>
+          <p:cNvSpPr txBox="1"/>
+          <p:nvPr/>
+        </p:nvSpPr>
+        <p:spPr>
+          <a:xfrm>
+            <a:off x="228600" y="228600"/>
+            <a:ext cx="8229600" cy="457200"/>
+          </a:xfrm>
+          <a:prstGeom prst="rect">
+            <a:avLst/>
+          </a:prstGeom>
+          <a:noFill/>
+        </p:spPr>
+        <p:txBody>
+          <a:bodyPr wrap="square">
+            <a:spAutoFit/>
+          </a:bodyPr>
+          <a:lstStyle/>
+          <a:p>
+            <a:r>
+              <a:rPr sz="1400"/>
+              <a:t>Introduction to Android Reverse Engineering</a:t>
+            </a:r>
+          </a:p>
+        </p:txBody>
+      </p:sp>
+      <p:sp>
+        <p:nvSpPr>
+          <p:cNvPr id="3" name="TextBox 2"/>
+          <p:cNvSpPr txBox="1"/>
+          <p:nvPr/>
+        </p:nvSpPr>
+        <p:spPr>
+          <a:xfrm>
+            <a:off x="228600" y="685800"/>
+            <a:ext cx="8229600" cy="3657600"/>
+          </a:xfrm>
+          <a:prstGeom prst="rect">
+            <a:avLst/>
+          </a:prstGeom>
+          <a:noFill/>
+        </p:spPr>
+        <p:txBody>
+          <a:bodyPr wrap="square">
+            <a:spAutoFit/>
+          </a:bodyPr>
+          <a:lstStyle/>
+          <a:p/>
+          <a:p>
+            <a:pPr algn="l">
+              <a:defRPr sz="2000" b="1"/>
+            </a:pPr>
+            <a:r>
+              <a:rPr sz="1400"/>
+              <a:t>Demystifying Android Apps</a:t>
+            </a:r>
+          </a:p>
+          <a:p/>
+          <a:p>
+            <a:r>
+              <a:rPr sz="1400"/>
               <a:t>Reverse </a:t>
             </a:r>
             <a:r>
-              <a:rPr b="1" sz="1400"/>
-              <a:t>engineering** </a:t>
-            </a:r>
-            <a:r>
-              <a:rPr b="1" sz="1400"/>
-              <a:t>in </a:t>
-            </a:r>
-            <a:r>
-              <a:rPr b="1" sz="1400"/>
-              <a:t>software </a:t>
-            </a:r>
-            <a:r>
-              <a:rPr b="1" sz="1400"/>
+              <a:rPr sz="1400"/>
+              <a:t>engineering </a:t>
+            </a:r>
+            <a:r>
+              <a:rPr sz="1400"/>
+              <a:t>is </a:t>
+            </a:r>
+            <a:r>
+              <a:rPr sz="1400"/>
+              <a:t>like </a:t>
+            </a:r>
+            <a:r>
+              <a:rPr sz="1400"/>
+              <a:t>taking </a:t>
+            </a:r>
+            <a:r>
+              <a:rPr sz="1400"/>
+              <a:t>apart </a:t>
+            </a:r>
+            <a:r>
+              <a:rPr sz="1400"/>
+              <a:t>a </a:t>
+            </a:r>
+            <a:r>
+              <a:rPr sz="1400"/>
+              <a:t>complex </a:t>
+            </a:r>
+            <a:r>
+              <a:rPr sz="1400"/>
+              <a:t>machine </a:t>
+            </a:r>
+            <a:r>
+              <a:rPr sz="1400"/>
+              <a:t>to </a:t>
+            </a:r>
+            <a:r>
+              <a:rPr sz="1400"/>
+              <a:t>understand </a:t>
+            </a:r>
+            <a:r>
+              <a:rPr sz="1400"/>
+              <a:t>its </a:t>
+            </a:r>
+            <a:r>
+              <a:rPr sz="1400"/>
+              <a:t>inner </a:t>
+            </a:r>
+            <a:r>
+              <a:rPr sz="1400"/>
+              <a:t>workings. </a:t>
+            </a:r>
+            <a:r>
+              <a:rPr sz="1400"/>
+              <a:t>In </a:t>
+            </a:r>
+            <a:r>
+              <a:rPr sz="1400"/>
+              <a:t>the </a:t>
+            </a:r>
+            <a:r>
+              <a:rPr sz="1400"/>
+              <a:t>context </a:t>
+            </a:r>
+            <a:r>
+              <a:rPr sz="1400"/>
+              <a:t>of </a:t>
+            </a:r>
+            <a:r>
+              <a:rPr sz="1400"/>
+              <a:t>Android </a:t>
+            </a:r>
+            <a:r>
+              <a:rPr sz="1400"/>
+              <a:t>apps, </a:t>
+            </a:r>
+            <a:r>
+              <a:rPr sz="1400"/>
+              <a:t>it </a:t>
+            </a:r>
+            <a:r>
+              <a:rPr sz="1400"/>
               <a:t>involves </a:t>
             </a:r>
             <a:r>
-              <a:rPr b="1" sz="1400"/>
-              <a:t>dissecting </a:t>
-            </a:r>
-            <a:r>
-              <a:rPr b="1" sz="1400"/>
+              <a:rPr sz="1400"/>
+              <a:t>analyzing </a:t>
+            </a:r>
+            <a:r>
+              <a:rPr sz="1400"/>
+              <a:t>the </a:t>
+            </a:r>
+            <a:r>
+              <a:rPr sz="1400"/>
+              <a:t>compiled </a:t>
+            </a:r>
+            <a:r>
+              <a:rPr sz="1400"/>
+              <a:t>code </a:t>
+            </a:r>
+            <a:r>
+              <a:rPr sz="1400"/>
+              <a:t>and </a:t>
+            </a:r>
+            <a:r>
+              <a:rPr sz="1400"/>
+              <a:t>resources </a:t>
+            </a:r>
+            <a:r>
+              <a:rPr sz="1400"/>
+              <a:t>to: </a:t>
+            </a:r>
+          </a:p>
+          <a:p/>
+          <a:p>
+            <a:r>
+              <a:rPr sz="1400"/>
+              <a:t>• </a:t>
+            </a:r>
+            <a:r>
+              <a:rPr b="1" sz="1400"/>
+              <a:t>Comprehend </a:t>
+            </a:r>
+            <a:r>
+              <a:rPr b="1" sz="1400"/>
+              <a:t>App </a:t>
+            </a:r>
+            <a:r>
+              <a:rPr b="1" sz="1400"/>
+              <a:t>Behavior:</a:t>
+            </a:r>
+            <a:r>
+              <a:rPr sz="1400"/>
+              <a:t>Discover </a:t>
+            </a:r>
+            <a:r>
+              <a:rPr sz="1400"/>
+              <a:t>how </a:t>
+            </a:r>
+            <a:r>
+              <a:rPr sz="1400"/>
+              <a:t>the </a:t>
+            </a:r>
+            <a:r>
+              <a:rPr sz="1400"/>
+              <a:t>app </a:t>
+            </a:r>
+            <a:r>
+              <a:rPr sz="1400"/>
+              <a:t>functions </a:t>
+            </a:r>
+            <a:r>
+              <a:rPr sz="1400"/>
+              <a:t>at </a:t>
+            </a:r>
+            <a:r>
+              <a:rPr sz="1400"/>
               <a:t>a </a:t>
             </a:r>
             <a:r>
-              <a:rPr b="1" sz="1400"/>
-              <a:t>program </a:t>
-            </a:r>
-            <a:r>
-              <a:rPr b="1" sz="1400"/>
+              <a:rPr sz="1400"/>
+              <a:t>deeper </a:t>
+            </a:r>
+            <a:r>
+              <a:rPr sz="1400"/>
+              <a:t>level. </a:t>
+            </a:r>
+          </a:p>
+          <a:p>
+            <a:r>
+              <a:rPr sz="1400"/>
+              <a:t>• </a:t>
+            </a:r>
+            <a:r>
+              <a:rPr b="1" sz="1400"/>
+              <a:t>Identify </a:t>
+            </a:r>
+            <a:r>
+              <a:rPr b="1" sz="1400"/>
+              <a:t>Security </a:t>
+            </a:r>
+            <a:r>
+              <a:rPr b="1" sz="1400"/>
+              <a:t>Flaws:</a:t>
+            </a:r>
+            <a:r>
+              <a:rPr sz="1400"/>
+              <a:t>Uncover </a:t>
+            </a:r>
+            <a:r>
+              <a:rPr sz="1400"/>
+              <a:t>vulnerabilities </a:t>
+            </a:r>
+            <a:r>
+              <a:rPr sz="1400"/>
+              <a:t>that </a:t>
+            </a:r>
+            <a:r>
+              <a:rPr sz="1400"/>
+              <a:t>could </a:t>
+            </a:r>
+            <a:r>
+              <a:rPr sz="1400"/>
+              <a:t>be </a:t>
+            </a:r>
+            <a:r>
+              <a:rPr sz="1400"/>
+              <a:t>exploited </a:t>
+            </a:r>
+            <a:r>
+              <a:rPr sz="1400"/>
+              <a:t>by </a:t>
+            </a:r>
+            <a:r>
+              <a:rPr sz="1400"/>
+              <a:t>malicious </a:t>
+            </a:r>
+            <a:r>
+              <a:rPr sz="1400"/>
+              <a:t>actors. </a:t>
+            </a:r>
+          </a:p>
+          <a:p>
+            <a:r>
+              <a:rPr sz="1400"/>
+              <a:t>• </a:t>
+            </a:r>
+            <a:r>
+              <a:rPr b="1" sz="1400"/>
+              <a:t>Customize </a:t>
+            </a:r>
+            <a:r>
+              <a:rPr b="1" sz="1400"/>
+              <a:t>and </a:t>
+            </a:r>
+            <a:r>
+              <a:rPr b="1" sz="1400"/>
+              <a:t>Modify:</a:t>
+            </a:r>
+            <a:r>
+              <a:rPr sz="1400"/>
+              <a:t>Potentially </a:t>
+            </a:r>
+            <a:r>
+              <a:rPr sz="1400"/>
+              <a:t>create </a:t>
+            </a:r>
+            <a:r>
+              <a:rPr sz="1400"/>
+              <a:t>modifications </a:t>
+            </a:r>
+            <a:r>
+              <a:rPr sz="1400"/>
+              <a:t>or </a:t>
+            </a:r>
+            <a:r>
+              <a:rPr sz="1400"/>
+              <a:t>enhancements </a:t>
+            </a:r>
+            <a:r>
+              <a:rPr sz="1400"/>
               <a:t>to </a:t>
             </a:r>
             <a:r>
-              <a:rPr b="1" sz="1400"/>
-              <a:t>understand </a:t>
-            </a:r>
-            <a:r>
-              <a:rPr b="1" sz="1400"/>
+              <a:rPr sz="1400"/>
+              <a:t>the </a:t>
+            </a:r>
+            <a:r>
+              <a:rPr sz="1400"/>
+              <a:t>app </a:t>
+            </a:r>
+            <a:r>
+              <a:rPr sz="1400"/>
+              <a:t>(always </a:t>
+            </a:r>
+            <a:r>
+              <a:rPr sz="1400"/>
+              <a:t>respecting </a:t>
+            </a:r>
+            <a:r>
+              <a:rPr sz="1400"/>
+              <a:t>ethical </a:t>
+            </a:r>
+            <a:r>
+              <a:rPr sz="1400"/>
+              <a:t>and </a:t>
+            </a:r>
+            <a:r>
+              <a:rPr sz="1400"/>
+              <a:t>legal </a:t>
+            </a:r>
+            <a:r>
+              <a:rPr sz="1400"/>
+              <a:t>boundaries). </a:t>
+            </a:r>
+          </a:p>
+        </p:txBody>
+      </p:sp>
+    </p:spTree>
+  </p:cSld>
+  <p:clrMapOvr>
+    <a:masterClrMapping/>
+  </p:clrMapOvr>
+</p:sld>
+</file>
+
+<file path=ppt/slides/slide5.xml><?xml version="1.0" encoding="utf-8"?>
+<p:sld xmlns:a="http://schemas.openxmlformats.org/drawingml/2006/main" xmlns:p="http://schemas.openxmlformats.org/presentationml/2006/main" xmlns:r="http://schemas.openxmlformats.org/officeDocument/2006/relationships">
+  <p:cSld>
+    <p:spTree>
+      <p:nvGrpSpPr>
+        <p:cNvPr id="1" name=""/>
+        <p:cNvGrpSpPr/>
+        <p:nvPr/>
+      </p:nvGrpSpPr>
+      <p:grpSpPr/>
+      <p:sp>
+        <p:nvSpPr>
+          <p:cNvPr id="2" name="TextBox 1"/>
+          <p:cNvSpPr txBox="1"/>
+          <p:nvPr/>
+        </p:nvSpPr>
+        <p:spPr>
+          <a:xfrm>
+            <a:off x="228600" y="228600"/>
+            <a:ext cx="8229600" cy="457200"/>
+          </a:xfrm>
+          <a:prstGeom prst="rect">
+            <a:avLst/>
+          </a:prstGeom>
+          <a:noFill/>
+        </p:spPr>
+        <p:txBody>
+          <a:bodyPr wrap="square">
+            <a:spAutoFit/>
+          </a:bodyPr>
+          <a:lstStyle/>
+          <a:p>
+            <a:r>
+              <a:rPr sz="1400"/>
+              <a:t>Android App Structure</a:t>
+            </a:r>
+          </a:p>
+        </p:txBody>
+      </p:sp>
+      <p:sp>
+        <p:nvSpPr>
+          <p:cNvPr id="3" name="TextBox 2"/>
+          <p:cNvSpPr txBox="1"/>
+          <p:nvPr/>
+        </p:nvSpPr>
+        <p:spPr>
+          <a:xfrm>
+            <a:off x="228600" y="685800"/>
+            <a:ext cx="8229600" cy="3657600"/>
+          </a:xfrm>
+          <a:prstGeom prst="rect">
+            <a:avLst/>
+          </a:prstGeom>
+          <a:noFill/>
+        </p:spPr>
+        <p:txBody>
+          <a:bodyPr wrap="square">
+            <a:spAutoFit/>
+          </a:bodyPr>
+          <a:lstStyle/>
+          <a:p/>
+          <a:p>
+            <a:pPr algn="l">
+              <a:defRPr sz="2000" b="1"/>
+            </a:pPr>
+            <a:r>
+              <a:rPr sz="1400"/>
+              <a:t>Inside the APK</a:t>
+            </a:r>
+          </a:p>
+          <a:p/>
+          <a:p>
+            <a:r>
+              <a:rPr sz="1400"/>
+              <a:t>Android </a:t>
+            </a:r>
+            <a:r>
+              <a:rPr sz="1400"/>
+              <a:t>apps </a:t>
+            </a:r>
+            <a:r>
+              <a:rPr sz="1400"/>
+              <a:t>are </a:t>
+            </a:r>
+            <a:r>
+              <a:rPr sz="1400"/>
+              <a:t>packaged </a:t>
+            </a:r>
+            <a:r>
+              <a:rPr sz="1400"/>
+              <a:t>as </a:t>
+            </a:r>
+            <a:r>
+              <a:rPr sz="1400"/>
+              <a:t>APK </a:t>
+            </a:r>
+            <a:r>
+              <a:rPr sz="1400"/>
+              <a:t>(Android </a:t>
+            </a:r>
+            <a:r>
+              <a:rPr sz="1400"/>
+              <a:t>Package) </a:t>
+            </a:r>
+            <a:r>
+              <a:rPr sz="1400"/>
+              <a:t>files, </a:t>
+            </a:r>
+            <a:r>
+              <a:rPr sz="1400"/>
+              <a:t>which </a:t>
+            </a:r>
+            <a:r>
+              <a:rPr sz="1400"/>
+              <a:t>are </a:t>
+            </a:r>
+            <a:r>
+              <a:rPr sz="1400"/>
+              <a:t>essentially </a:t>
+            </a:r>
+            <a:r>
+              <a:rPr sz="1400"/>
+              <a:t>zip </a:t>
+            </a:r>
+            <a:r>
+              <a:rPr sz="1400"/>
+              <a:t>archives </a:t>
+            </a:r>
+            <a:r>
+              <a:rPr sz="1400"/>
+              <a:t>containing </a:t>
+            </a:r>
+            <a:r>
+              <a:rPr sz="1400"/>
+              <a:t>everything </a:t>
+            </a:r>
+            <a:r>
+              <a:rPr sz="1400"/>
+              <a:t>needed </a:t>
+            </a:r>
+            <a:r>
+              <a:rPr sz="1400"/>
+              <a:t>to </a:t>
+            </a:r>
+            <a:r>
+              <a:rPr sz="1400"/>
+              <a:t>run </a:t>
+            </a:r>
+            <a:r>
+              <a:rPr sz="1400"/>
+              <a:t>the </a:t>
+            </a:r>
+            <a:r>
+              <a:rPr sz="1400"/>
+              <a:t>app. </a:t>
+            </a:r>
+            <a:r>
+              <a:rPr sz="1400"/>
+              <a:t>Key </a:t>
+            </a:r>
+            <a:r>
+              <a:rPr sz="1400"/>
+              <a:t>components </a:t>
+            </a:r>
+            <a:r>
+              <a:rPr sz="1400"/>
+              <a:t>include: </a:t>
+            </a:r>
+          </a:p>
+          <a:p/>
+          <a:p>
+            <a:r>
+              <a:rPr sz="1400"/>
+              <a:t>• </a:t>
+            </a:r>
+            <a:r>
+              <a:rPr b="1" sz="1400"/>
+              <a:t>AndroidManifest.xml: </a:t>
+            </a:r>
+            <a:r>
+              <a:rPr sz="1400"/>
+              <a:t>Defines </a:t>
+            </a:r>
+            <a:r>
+              <a:rPr sz="1400"/>
+              <a:t>the </a:t>
+            </a:r>
+            <a:r>
+              <a:rPr sz="1400"/>
+              <a:t>app's </a:t>
+            </a:r>
+            <a:r>
+              <a:rPr sz="1400"/>
+              <a:t>structure, </a:t>
+            </a:r>
+            <a:r>
+              <a:rPr sz="1400"/>
+              <a:t>components, </a:t>
+            </a:r>
+            <a:r>
+              <a:rPr sz="1400"/>
+              <a:t>permissions, </a:t>
+            </a:r>
+            <a:r>
+              <a:rPr sz="1400"/>
+              <a:t>and </a:t>
+            </a:r>
+            <a:r>
+              <a:rPr sz="1400"/>
+              <a:t>other </a:t>
+            </a:r>
+            <a:r>
+              <a:rPr sz="1400"/>
+              <a:t>essential </a:t>
+            </a:r>
+            <a:r>
+              <a:rPr sz="1400"/>
+              <a:t>information. </a:t>
+            </a:r>
+          </a:p>
+          <a:p>
+            <a:r>
+              <a:rPr sz="1400"/>
+              <a:t>• </a:t>
+            </a:r>
+            <a:r>
+              <a:rPr b="1" sz="1400"/>
+              <a:t>res/ </a:t>
+            </a:r>
+            <a:r>
+              <a:rPr b="1" sz="1400"/>
+              <a:t>(Resources):</a:t>
+            </a:r>
+            <a:r>
+              <a:rPr sz="1400"/>
+              <a:t>Stores </a:t>
+            </a:r>
+            <a:r>
+              <a:rPr sz="1400"/>
+              <a:t>images, </a:t>
+            </a:r>
+            <a:r>
+              <a:rPr sz="1400"/>
+              <a:t>layouts, </a:t>
+            </a:r>
+            <a:r>
+              <a:rPr sz="1400"/>
+              <a:t>strings, </a:t>
+            </a:r>
+            <a:r>
+              <a:rPr sz="1400"/>
+              <a:t>and </a:t>
+            </a:r>
+            <a:r>
+              <a:rPr sz="1400"/>
+              <a:t>other </a:t>
+            </a:r>
+            <a:r>
+              <a:rPr sz="1400"/>
+              <a:t>resources </a:t>
+            </a:r>
+            <a:r>
+              <a:rPr sz="1400"/>
+              <a:t>used </a:t>
+            </a:r>
+            <a:r>
+              <a:rPr sz="1400"/>
+              <a:t>by </a:t>
+            </a:r>
+            <a:r>
+              <a:rPr sz="1400"/>
+              <a:t>the </a:t>
+            </a:r>
+            <a:r>
+              <a:rPr sz="1400"/>
+              <a:t>app. </a:t>
+            </a:r>
+          </a:p>
+          <a:p>
+            <a:r>
+              <a:rPr sz="1400"/>
+              <a:t>• </a:t>
+            </a:r>
+            <a:r>
+              <a:rPr b="1" sz="1400"/>
+              <a:t>assets/ </a:t>
+            </a:r>
+            <a:r>
+              <a:rPr b="1" sz="1400"/>
+              <a:t>(Assets):</a:t>
+            </a:r>
+            <a:r>
+              <a:rPr sz="1400"/>
+              <a:t>Contains </a:t>
+            </a:r>
+            <a:r>
+              <a:rPr sz="1400"/>
+              <a:t>raw </a:t>
+            </a:r>
+            <a:r>
+              <a:rPr sz="1400"/>
+              <a:t>asset </a:t>
+            </a:r>
+            <a:r>
+              <a:rPr sz="1400"/>
+              <a:t>files, </a:t>
+            </a:r>
+            <a:r>
+              <a:rPr sz="1400"/>
+              <a:t>such </a:t>
+            </a:r>
+            <a:r>
+              <a:rPr sz="1400"/>
+              <a:t>as </a:t>
+            </a:r>
+            <a:r>
+              <a:rPr sz="1400"/>
+              <a:t>fonts </a:t>
+            </a:r>
+            <a:r>
+              <a:rPr sz="1400"/>
+              <a:t>or </a:t>
+            </a:r>
+            <a:r>
+              <a:rPr sz="1400"/>
+              <a:t>game </a:t>
+            </a:r>
+            <a:r>
+              <a:rPr sz="1400"/>
+              <a:t>data. </a:t>
+            </a:r>
+          </a:p>
+          <a:p>
+            <a:r>
+              <a:rPr sz="1400"/>
+              <a:t>• </a:t>
+            </a:r>
+            <a:r>
+              <a:rPr b="1" sz="1400"/>
+              <a:t>DEX </a:t>
+            </a:r>
+            <a:r>
+              <a:rPr b="1" sz="1400"/>
+              <a:t>files:</a:t>
+            </a:r>
+            <a:r>
+              <a:rPr sz="1400"/>
+              <a:t>Holds </a:t>
+            </a:r>
+            <a:r>
+              <a:rPr sz="1400"/>
+              <a:t>the </a:t>
+            </a:r>
+            <a:r>
+              <a:rPr sz="1400"/>
+              <a:t>compiled </a:t>
+            </a:r>
+            <a:r>
+              <a:rPr sz="1400"/>
+              <a:t>Java/Kotlin </a:t>
+            </a:r>
+            <a:r>
+              <a:rPr sz="1400"/>
+              <a:t>code </a:t>
+            </a:r>
+            <a:r>
+              <a:rPr sz="1400"/>
+              <a:t>(Dalvik </a:t>
+            </a:r>
+            <a:r>
+              <a:rPr sz="1400"/>
+              <a:t>Executable </a:t>
+            </a:r>
+            <a:r>
+              <a:rPr sz="1400"/>
+              <a:t>format). </a:t>
+            </a:r>
+          </a:p>
+        </p:txBody>
+      </p:sp>
+    </p:spTree>
+  </p:cSld>
+  <p:clrMapOvr>
+    <a:masterClrMapping/>
+  </p:clrMapOvr>
+</p:sld>
+</file>
+
+<file path=ppt/slides/slide6.xml><?xml version="1.0" encoding="utf-8"?>
+<p:sld xmlns:a="http://schemas.openxmlformats.org/drawingml/2006/main" xmlns:p="http://schemas.openxmlformats.org/presentationml/2006/main" xmlns:r="http://schemas.openxmlformats.org/officeDocument/2006/relationships">
+  <p:cSld>
+    <p:spTree>
+      <p:nvGrpSpPr>
+        <p:cNvPr id="1" name=""/>
+        <p:cNvGrpSpPr/>
+        <p:nvPr/>
+      </p:nvGrpSpPr>
+      <p:grpSpPr/>
+      <p:sp>
+        <p:nvSpPr>
+          <p:cNvPr id="2" name="TextBox 1"/>
+          <p:cNvSpPr txBox="1"/>
+          <p:nvPr/>
+        </p:nvSpPr>
+        <p:spPr>
+          <a:xfrm>
+            <a:off x="228600" y="228600"/>
+            <a:ext cx="8229600" cy="457200"/>
+          </a:xfrm>
+          <a:prstGeom prst="rect">
+            <a:avLst/>
+          </a:prstGeom>
+          <a:noFill/>
+        </p:spPr>
+        <p:txBody>
+          <a:bodyPr wrap="square">
+            <a:spAutoFit/>
+          </a:bodyPr>
+          <a:lstStyle/>
+          <a:p>
+            <a:r>
+              <a:rPr sz="1400"/>
+              <a:t>Android Manifest</a:t>
+            </a:r>
+          </a:p>
+        </p:txBody>
+      </p:sp>
+      <p:sp>
+        <p:nvSpPr>
+          <p:cNvPr id="3" name="TextBox 2"/>
+          <p:cNvSpPr txBox="1"/>
+          <p:nvPr/>
+        </p:nvSpPr>
+        <p:spPr>
+          <a:xfrm>
+            <a:off x="228600" y="685800"/>
+            <a:ext cx="8229600" cy="3657600"/>
+          </a:xfrm>
+          <a:prstGeom prst="rect">
+            <a:avLst/>
+          </a:prstGeom>
+          <a:noFill/>
+        </p:spPr>
+        <p:txBody>
+          <a:bodyPr wrap="square">
+            <a:spAutoFit/>
+          </a:bodyPr>
+          <a:lstStyle/>
+          <a:p/>
+          <a:p>
+            <a:pPr algn="l">
+              <a:defRPr sz="2000" b="1"/>
+            </a:pPr>
+            <a:r>
+              <a:rPr sz="1400"/>
+              <a:t>The App Blueprint</a:t>
+            </a:r>
+          </a:p>
+          <a:p/>
+          <a:p>
+            <a:r>
+              <a:rPr sz="1400"/>
+              <a:t>The </a:t>
+            </a:r>
+            <a:r>
+              <a:rPr sz="1400"/>
+              <a:t>AndroidManifest.xml </a:t>
+            </a:r>
+            <a:r>
+              <a:rPr sz="1400"/>
+              <a:t>file </a:t>
+            </a:r>
+            <a:r>
+              <a:rPr sz="1400"/>
+              <a:t>serves </a:t>
+            </a:r>
+            <a:r>
+              <a:rPr sz="1400"/>
+              <a:t>as </a:t>
+            </a:r>
+            <a:r>
+              <a:rPr sz="1400"/>
+              <a:t>the </a:t>
+            </a:r>
+            <a:r>
+              <a:rPr sz="1400"/>
+              <a:t>app's </a:t>
+            </a:r>
+            <a:r>
+              <a:rPr sz="1400"/>
+              <a:t>blueprint, </a:t>
+            </a:r>
+            <a:r>
+              <a:rPr sz="1400"/>
+              <a:t>declaring </a:t>
+            </a:r>
+            <a:r>
+              <a:rPr sz="1400"/>
               <a:t>its </a:t>
             </a:r>
             <a:r>
-              <a:rPr b="1" sz="1400"/>
-              <a:t>inner </a:t>
-            </a:r>
-            <a:r>
-              <a:rPr b="1" sz="1400"/>
-              <a:t>workings. </a:t>
-            </a:r>
-            <a:r>
-              <a:rPr b="1" sz="1400"/>
-              <a:t>This </a:t>
-            </a:r>
-            <a:r>
-              <a:rPr b="1" sz="1400"/>
-              <a:t>often </a:t>
-            </a:r>
-            <a:r>
-              <a:rPr b="1" sz="1400"/>
-              <a:t>leads </a:t>
-            </a:r>
-            <a:r>
-              <a:rPr b="1" sz="1400"/>
+              <a:rPr sz="1400"/>
+              <a:t>core </a:t>
+            </a:r>
+            <a:r>
+              <a:rPr sz="1400"/>
+              <a:t>components </a:t>
+            </a:r>
+            <a:r>
+              <a:rPr sz="1400"/>
+              <a:t>and </a:t>
+            </a:r>
+            <a:r>
+              <a:rPr sz="1400"/>
+              <a:t>capabilities: </a:t>
+            </a:r>
+          </a:p>
+          <a:p/>
+          <a:p>
+            <a:r>
+              <a:rPr sz="1400"/>
+              <a:t>• </a:t>
+            </a:r>
+            <a:r>
+              <a:rPr b="1" sz="1400"/>
+              <a:t>Activities: </a:t>
+            </a:r>
+            <a:r>
+              <a:rPr sz="1400"/>
+              <a:t>The </a:t>
+            </a:r>
+            <a:r>
+              <a:rPr sz="1400"/>
+              <a:t>building </a:t>
+            </a:r>
+            <a:r>
+              <a:rPr sz="1400"/>
+              <a:t>blocks </a:t>
+            </a:r>
+            <a:r>
+              <a:rPr sz="1400"/>
+              <a:t>of </a:t>
+            </a:r>
+            <a:r>
+              <a:rPr sz="1400"/>
+              <a:t>the </a:t>
+            </a:r>
+            <a:r>
+              <a:rPr sz="1400"/>
+              <a:t>user </a:t>
+            </a:r>
+            <a:r>
+              <a:rPr sz="1400"/>
+              <a:t>interface, </a:t>
+            </a:r>
+            <a:r>
+              <a:rPr sz="1400"/>
+              <a:t>representing </a:t>
+            </a:r>
+            <a:r>
+              <a:rPr sz="1400"/>
+              <a:t>individual </a:t>
+            </a:r>
+            <a:r>
+              <a:rPr sz="1400"/>
+              <a:t>screens. </a:t>
+            </a:r>
+          </a:p>
+          <a:p>
+            <a:r>
+              <a:rPr sz="1400"/>
+              <a:t>• </a:t>
+            </a:r>
+            <a:r>
+              <a:rPr b="1" sz="1400"/>
+              <a:t>Services: </a:t>
+            </a:r>
+            <a:r>
+              <a:rPr sz="1400"/>
+              <a:t>Background </a:t>
+            </a:r>
+            <a:r>
+              <a:rPr sz="1400"/>
+              <a:t>processes </a:t>
+            </a:r>
+            <a:r>
+              <a:rPr sz="1400"/>
+              <a:t>that </a:t>
+            </a:r>
+            <a:r>
+              <a:rPr sz="1400"/>
+              <a:t>perform </a:t>
+            </a:r>
+            <a:r>
+              <a:rPr sz="1400"/>
+              <a:t>long-running </a:t>
+            </a:r>
+            <a:r>
+              <a:rPr sz="1400"/>
+              <a:t>operations. </a:t>
+            </a:r>
+          </a:p>
+          <a:p>
+            <a:r>
+              <a:rPr sz="1400"/>
+              <a:t>• </a:t>
+            </a:r>
+            <a:r>
+              <a:rPr b="1" sz="1400"/>
+              <a:t>Content </a:t>
+            </a:r>
+            <a:r>
+              <a:rPr b="1" sz="1400"/>
+              <a:t>Providers:</a:t>
+            </a:r>
+            <a:r>
+              <a:rPr sz="1400"/>
+              <a:t>Manage </a:t>
+            </a:r>
+            <a:r>
+              <a:rPr sz="1400"/>
+              <a:t>shared </a:t>
+            </a:r>
+            <a:r>
+              <a:rPr sz="1400"/>
+              <a:t>data </a:t>
+            </a:r>
+            <a:r>
+              <a:rPr sz="1400"/>
+              <a:t>and </a:t>
+            </a:r>
+            <a:r>
+              <a:rPr sz="1400"/>
+              <a:t>facilitate </a:t>
+            </a:r>
+            <a:r>
+              <a:rPr sz="1400"/>
+              <a:t>data </a:t>
+            </a:r>
+            <a:r>
+              <a:rPr sz="1400"/>
+              <a:t>access </a:t>
+            </a:r>
+            <a:r>
+              <a:rPr sz="1400"/>
+              <a:t>between </a:t>
+            </a:r>
+            <a:r>
+              <a:rPr sz="1400"/>
+              <a:t>apps. </a:t>
+            </a:r>
+          </a:p>
+          <a:p>
+            <a:r>
+              <a:rPr sz="1400"/>
+              <a:t>• </a:t>
+            </a:r>
+            <a:r>
+              <a:rPr b="1" sz="1400"/>
+              <a:t>Broadcast </a:t>
+            </a:r>
+            <a:r>
+              <a:rPr b="1" sz="1400"/>
+              <a:t>Receivers:</a:t>
+            </a:r>
+            <a:r>
+              <a:rPr sz="1400"/>
+              <a:t>Respond </a:t>
+            </a:r>
+            <a:r>
+              <a:rPr sz="1400"/>
               <a:t>to </a:t>
             </a:r>
             <a:r>
-              <a:rPr b="1" sz="1400"/>
-              <a:t>legal </a:t>
-            </a:r>
-            <a:r>
-              <a:rPr b="1" sz="1400"/>
-              <a:t>disputes, </a:t>
-            </a:r>
-            <a:r>
-              <a:rPr b="1" sz="1400"/>
+              <a:rPr sz="1400"/>
+              <a:t>system-wide </a:t>
+            </a:r>
+            <a:r>
+              <a:rPr sz="1400"/>
+              <a:t>events </a:t>
+            </a:r>
+            <a:r>
+              <a:rPr sz="1400"/>
+              <a:t>or </a:t>
+            </a:r>
+            <a:r>
+              <a:rPr sz="1400"/>
+              <a:t>broadcasts. </a:t>
+            </a:r>
+          </a:p>
+          <a:p>
+            <a:r>
+              <a:rPr sz="1400"/>
+              <a:t>• </a:t>
+            </a:r>
+            <a:r>
+              <a:rPr b="1" sz="1400"/>
+              <a:t>Intent </a:t>
+            </a:r>
+            <a:r>
+              <a:rPr b="1" sz="1400"/>
+              <a:t>Filters:</a:t>
+            </a:r>
+            <a:r>
+              <a:rPr sz="1400"/>
+              <a:t>Define </a:t>
+            </a:r>
+            <a:r>
+              <a:rPr sz="1400"/>
+              <a:t>how </a:t>
+            </a:r>
+            <a:r>
+              <a:rPr sz="1400"/>
+              <a:t>activities, </a:t>
+            </a:r>
+            <a:r>
+              <a:rPr sz="1400"/>
+              <a:t>services, </a:t>
+            </a:r>
+            <a:r>
+              <a:rPr sz="1400"/>
+              <a:t>and </a:t>
+            </a:r>
+            <a:r>
+              <a:rPr sz="1400"/>
+              <a:t>receivers </a:t>
+            </a:r>
+            <a:r>
+              <a:rPr sz="1400"/>
+              <a:t>handle </a:t>
+            </a:r>
+            <a:r>
+              <a:rPr sz="1400"/>
+              <a:t>specific </a:t>
+            </a:r>
+            <a:r>
+              <a:rPr sz="1400"/>
+              <a:t>intents. </a:t>
+            </a:r>
+          </a:p>
+          <a:p>
+            <a:r>
+              <a:rPr sz="1400"/>
+              <a:t>• </a:t>
+            </a:r>
+            <a:r>
+              <a:rPr b="1" sz="1400"/>
+              <a:t>Permissions: </a:t>
+            </a:r>
+            <a:r>
+              <a:rPr sz="1400"/>
+              <a:t>Specify </a:t>
+            </a:r>
+            <a:r>
+              <a:rPr sz="1400"/>
+              <a:t>the </a:t>
+            </a:r>
+            <a:r>
+              <a:rPr sz="1400"/>
+              <a:t>app's </a:t>
+            </a:r>
+            <a:r>
+              <a:rPr sz="1400"/>
+              <a:t>access </a:t>
+            </a:r>
+            <a:r>
+              <a:rPr sz="1400"/>
+              <a:t>to </a:t>
+            </a:r>
+            <a:r>
+              <a:rPr sz="1400"/>
+              <a:t>system </a:t>
+            </a:r>
+            <a:r>
+              <a:rPr sz="1400"/>
+              <a:t>resources </a:t>
+            </a:r>
+            <a:r>
+              <a:rPr sz="1400"/>
+              <a:t>and </a:t>
+            </a:r>
+            <a:r>
+              <a:rPr sz="1400"/>
+              <a:t>user </a:t>
+            </a:r>
+            <a:r>
+              <a:rPr sz="1400"/>
+              <a:t>data. </a:t>
+            </a:r>
+          </a:p>
+        </p:txBody>
+      </p:sp>
+    </p:spTree>
+  </p:cSld>
+  <p:clrMapOvr>
+    <a:masterClrMapping/>
+  </p:clrMapOvr>
+</p:sld>
+</file>
+
+<file path=ppt/slides/slide7.xml><?xml version="1.0" encoding="utf-8"?>
+<p:sld xmlns:a="http://schemas.openxmlformats.org/drawingml/2006/main" xmlns:p="http://schemas.openxmlformats.org/presentationml/2006/main" xmlns:r="http://schemas.openxmlformats.org/officeDocument/2006/relationships">
+  <p:cSld>
+    <p:spTree>
+      <p:nvGrpSpPr>
+        <p:cNvPr id="1" name=""/>
+        <p:cNvGrpSpPr/>
+        <p:nvPr/>
+      </p:nvGrpSpPr>
+      <p:grpSpPr/>
+      <p:sp>
+        <p:nvSpPr>
+          <p:cNvPr id="2" name="TextBox 1"/>
+          <p:cNvSpPr txBox="1"/>
+          <p:nvPr/>
+        </p:nvSpPr>
+        <p:spPr>
+          <a:xfrm>
+            <a:off x="228600" y="228600"/>
+            <a:ext cx="8229600" cy="457200"/>
+          </a:xfrm>
+          <a:prstGeom prst="rect">
+            <a:avLst/>
+          </a:prstGeom>
+          <a:noFill/>
+        </p:spPr>
+        <p:txBody>
+          <a:bodyPr wrap="square">
+            <a:spAutoFit/>
+          </a:bodyPr>
+          <a:lstStyle/>
+          <a:p>
+            <a:r>
+              <a:rPr sz="1400"/>
+              <a:t>Android Manifest components</a:t>
+            </a:r>
+          </a:p>
+        </p:txBody>
+      </p:sp>
+      <p:sp>
+        <p:nvSpPr>
+          <p:cNvPr id="3" name="TextBox 2"/>
+          <p:cNvSpPr txBox="1"/>
+          <p:nvPr/>
+        </p:nvSpPr>
+        <p:spPr>
+          <a:xfrm>
+            <a:off x="228600" y="685800"/>
+            <a:ext cx="8229600" cy="3657600"/>
+          </a:xfrm>
+          <a:prstGeom prst="rect">
+            <a:avLst/>
+          </a:prstGeom>
+          <a:noFill/>
+        </p:spPr>
+        <p:txBody>
+          <a:bodyPr wrap="square">
+            <a:spAutoFit/>
+          </a:bodyPr>
+          <a:lstStyle/>
+          <a:p/>
+          <a:p>
+            <a:pPr algn="l">
+              <a:defRPr sz="2000" b="1"/>
+            </a:pPr>
+            <a:r>
+              <a:rPr sz="1400"/>
+              <a:t>Manifest Essentials</a:t>
+            </a:r>
+          </a:p>
+          <a:p/>
+          <a:p>
+            <a:r>
+              <a:rPr sz="1400"/>
+              <a:t>Here's </a:t>
+            </a:r>
+            <a:r>
+              <a:rPr sz="1400"/>
+              <a:t>a </a:t>
+            </a:r>
+            <a:r>
+              <a:rPr sz="1400"/>
+              <a:t>breakdown </a:t>
+            </a:r>
+            <a:r>
+              <a:rPr sz="1400"/>
+              <a:t>of </a:t>
+            </a:r>
+            <a:r>
+              <a:rPr sz="1400"/>
+              <a:t>key </a:t>
+            </a:r>
+            <a:r>
+              <a:rPr sz="1400"/>
+              <a:t>elements </a:t>
+            </a:r>
+            <a:r>
+              <a:rPr sz="1400"/>
+              <a:t>within </a:t>
+            </a:r>
+            <a:r>
+              <a:rPr sz="1400"/>
+              <a:t>the </a:t>
+            </a:r>
+            <a:r>
+              <a:rPr sz="1400"/>
+              <a:t>manifest: </a:t>
+            </a:r>
+          </a:p>
+          <a:p/>
+          <a:p>
+            <a:r>
+              <a:rPr sz="1400"/>
+              <a:t>• </a:t>
+            </a:r>
+            <a:r>
+              <a:rPr b="1" sz="1400"/>
+              <a:t>manifest: </a:t>
+            </a:r>
+            <a:r>
+              <a:rPr sz="1400"/>
+              <a:t>The </a:t>
+            </a:r>
+            <a:r>
+              <a:rPr sz="1400"/>
+              <a:t>root </a:t>
+            </a:r>
+            <a:r>
+              <a:rPr sz="1400"/>
+              <a:t>element, </a:t>
+            </a:r>
+            <a:r>
+              <a:rPr sz="1400"/>
+              <a:t>defining </a:t>
+            </a:r>
+            <a:r>
+              <a:rPr sz="1400"/>
+              <a:t>the </a:t>
+            </a:r>
+            <a:r>
+              <a:rPr sz="1400"/>
+              <a:t>package </a:t>
+            </a:r>
+            <a:r>
+              <a:rPr sz="1400"/>
+              <a:t>name </a:t>
+            </a:r>
+            <a:r>
+              <a:rPr sz="1400"/>
+              <a:t>and </a:t>
+            </a:r>
+            <a:r>
+              <a:rPr sz="1400"/>
+              <a:t>namespace </a:t>
+            </a:r>
+            <a:r>
+              <a:rPr sz="1400"/>
+              <a:t>declarations. </a:t>
+            </a:r>
+          </a:p>
+          <a:p>
+            <a:r>
+              <a:rPr sz="1400"/>
+              <a:t>• </a:t>
+            </a:r>
+            <a:r>
+              <a:rPr b="1" sz="1400"/>
+              <a:t>uses-sdk: </a:t>
+            </a:r>
+            <a:r>
+              <a:rPr sz="1400"/>
+              <a:t>Specifies </a:t>
+            </a:r>
+            <a:r>
+              <a:rPr sz="1400"/>
+              <a:t>the </a:t>
+            </a:r>
+            <a:r>
+              <a:rPr sz="1400"/>
+              <a:t>minimum </a:t>
+            </a:r>
+            <a:r>
+              <a:rPr sz="1400"/>
+              <a:t>and </a:t>
+            </a:r>
+            <a:r>
+              <a:rPr sz="1400"/>
+              <a:t>target </a:t>
+            </a:r>
+            <a:r>
+              <a:rPr sz="1400"/>
+              <a:t>SDK </a:t>
+            </a:r>
+            <a:r>
+              <a:rPr sz="1400"/>
+              <a:t>versions </a:t>
+            </a:r>
+            <a:r>
+              <a:rPr sz="1400"/>
+              <a:t>supported </a:t>
+            </a:r>
+            <a:r>
+              <a:rPr sz="1400"/>
+              <a:t>by </a:t>
+            </a:r>
+            <a:r>
+              <a:rPr sz="1400"/>
+              <a:t>the </a:t>
+            </a:r>
+            <a:r>
+              <a:rPr sz="1400"/>
+              <a:t>app. </a:t>
+            </a:r>
+          </a:p>
+          <a:p>
+            <a:r>
+              <a:rPr sz="1400"/>
+              <a:t>• </a:t>
+            </a:r>
+            <a:r>
+              <a:rPr b="1" sz="1400"/>
+              <a:t>uses-permission: </a:t>
+            </a:r>
+            <a:r>
+              <a:rPr sz="1400"/>
+              <a:t>Declares </a:t>
+            </a:r>
+            <a:r>
+              <a:rPr sz="1400"/>
+              <a:t>the </a:t>
+            </a:r>
+            <a:r>
+              <a:rPr sz="1400"/>
+              <a:t>permissions </a:t>
+            </a:r>
+            <a:r>
+              <a:rPr sz="1400"/>
+              <a:t>required </a:t>
+            </a:r>
+            <a:r>
+              <a:rPr sz="1400"/>
+              <a:t>by </a:t>
+            </a:r>
+            <a:r>
+              <a:rPr sz="1400"/>
+              <a:t>the </a:t>
+            </a:r>
+            <a:r>
+              <a:rPr sz="1400"/>
+              <a:t>app, </a:t>
+            </a:r>
+            <a:r>
+              <a:rPr sz="1400"/>
+              <a:t>such </a:t>
+            </a:r>
+            <a:r>
+              <a:rPr sz="1400"/>
               <a:t>as </a:t>
             </a:r>
             <a:r>
-              <a:rPr b="1" sz="1400"/>
-              <a:t>companies </a:t>
-            </a:r>
-            <a:r>
-              <a:rPr b="1" sz="1400"/>
-              <a:t>try </a:t>
-            </a:r>
-            <a:r>
-              <a:rPr b="1" sz="1400"/>
+              <a:rPr sz="1400"/>
+              <a:t>access </a:t>
+            </a:r>
+            <a:r>
+              <a:rPr sz="1400"/>
               <a:t>to </a:t>
             </a:r>
             <a:r>
-              <a:rPr b="1" sz="1400"/>
-              <a:t>protect </a:t>
-            </a:r>
-            <a:r>
-              <a:rPr b="1" sz="1400"/>
-              <a:t>their </a:t>
-            </a:r>
-            <a:r>
-              <a:rPr b="1" sz="1400"/>
-              <a:t>intellectual </a:t>
-            </a:r>
-            <a:r>
-              <a:rPr b="1" sz="1400"/>
-              <a:t>property. </a:t>
-            </a:r>
-            <a:r>
-              <a:rPr b="1" sz="1400"/>
-              <a:t>- </a:t>
-            </a:r>
-            <a:r>
-              <a:rPr b="1" sz="1400"/>
-              <a:t>**Landmark </a:t>
-            </a:r>
-            <a:r>
-              <a:rPr b="1" sz="1400"/>
-              <a:t>Cases:** </a:t>
-            </a:r>
-            <a:r>
-              <a:rPr b="1" sz="1400"/>
-              <a:t>* </a:t>
-            </a:r>
-            <a:r>
-              <a:rPr b="1" sz="1400"/>
-              <a:t>**Atari </a:t>
-            </a:r>
-            <a:r>
-              <a:rPr b="1" sz="1400"/>
-              <a:t>v. </a:t>
-            </a:r>
-            <a:r>
-              <a:rPr b="1" sz="1400"/>
-              <a:t>Nintendo </a:t>
-            </a:r>
-            <a:r>
-              <a:rPr b="1" sz="1400"/>
-              <a:t>(1992):** </a:t>
-            </a:r>
-            <a:r>
-              <a:rPr b="1" sz="1400"/>
-              <a:t>Atari </a:t>
-            </a:r>
-            <a:r>
-              <a:rPr b="1" sz="1400"/>
-              <a:t>reverse-engineered </a:t>
-            </a:r>
-            <a:r>
-              <a:rPr b="1" sz="1400"/>
-              <a:t>Nintendo's </a:t>
-            </a:r>
-            <a:r>
-              <a:rPr b="1" sz="1400"/>
-              <a:t>lockout </a:t>
-            </a:r>
-            <a:r>
-              <a:rPr b="1" sz="1400"/>
-              <a:t>chip </a:t>
-            </a:r>
-            <a:r>
-              <a:rPr b="1" sz="1400"/>
+              <a:rPr sz="1400"/>
+              <a:t>the </a:t>
+            </a:r>
+            <a:r>
+              <a:rPr sz="1400"/>
+              <a:t>camera </a:t>
+            </a:r>
+            <a:r>
+              <a:rPr sz="1400"/>
+              <a:t>or </a:t>
+            </a:r>
+            <a:r>
+              <a:rPr sz="1400"/>
+              <a:t>internet. </a:t>
+            </a:r>
+          </a:p>
+        </p:txBody>
+      </p:sp>
+    </p:spTree>
+  </p:cSld>
+  <p:clrMapOvr>
+    <a:masterClrMapping/>
+  </p:clrMapOvr>
+</p:sld>
+</file>
+
+<file path=ppt/slides/slide8.xml><?xml version="1.0" encoding="utf-8"?>
+<p:sld xmlns:a="http://schemas.openxmlformats.org/drawingml/2006/main" xmlns:p="http://schemas.openxmlformats.org/presentationml/2006/main" xmlns:r="http://schemas.openxmlformats.org/officeDocument/2006/relationships">
+  <p:cSld>
+    <p:spTree>
+      <p:nvGrpSpPr>
+        <p:cNvPr id="1" name=""/>
+        <p:cNvGrpSpPr/>
+        <p:nvPr/>
+      </p:nvGrpSpPr>
+      <p:grpSpPr/>
+      <p:sp>
+        <p:nvSpPr>
+          <p:cNvPr id="2" name="TextBox 1"/>
+          <p:cNvSpPr txBox="1"/>
+          <p:nvPr/>
+        </p:nvSpPr>
+        <p:spPr>
+          <a:xfrm>
+            <a:off x="228600" y="228600"/>
+            <a:ext cx="8229600" cy="457200"/>
+          </a:xfrm>
+          <a:prstGeom prst="rect">
+            <a:avLst/>
+          </a:prstGeom>
+          <a:noFill/>
+        </p:spPr>
+        <p:txBody>
+          <a:bodyPr wrap="square">
+            <a:spAutoFit/>
+          </a:bodyPr>
+          <a:lstStyle/>
+          <a:p>
+            <a:r>
+              <a:rPr sz="1400"/>
+              <a:t>Android Manifest components</a:t>
+            </a:r>
+          </a:p>
+        </p:txBody>
+      </p:sp>
+      <p:sp>
+        <p:nvSpPr>
+          <p:cNvPr id="3" name="TextBox 2"/>
+          <p:cNvSpPr txBox="1"/>
+          <p:nvPr/>
+        </p:nvSpPr>
+        <p:spPr>
+          <a:xfrm>
+            <a:off x="228600" y="685800"/>
+            <a:ext cx="8229600" cy="3657600"/>
+          </a:xfrm>
+          <a:prstGeom prst="rect">
+            <a:avLst/>
+          </a:prstGeom>
+          <a:noFill/>
+        </p:spPr>
+        <p:txBody>
+          <a:bodyPr wrap="square">
+            <a:spAutoFit/>
+          </a:bodyPr>
+          <a:lstStyle/>
+          <a:p/>
+          <a:p>
+            <a:pPr algn="l">
+              <a:defRPr sz="2000" b="1"/>
+            </a:pPr>
+            <a:r>
+              <a:rPr sz="1400"/>
+              <a:t>Application Attributes</a:t>
+            </a:r>
+          </a:p>
+          <a:p/>
+          <a:p>
+            <a:r>
+              <a:rPr sz="1400"/>
+              <a:t>The </a:t>
+            </a:r>
+            <a:r>
+              <a:rPr sz="1400"/>
+              <a:t>application </a:t>
+            </a:r>
+            <a:r>
+              <a:rPr sz="1400"/>
+              <a:t>element </a:t>
+            </a:r>
+            <a:r>
+              <a:rPr sz="1400"/>
+              <a:t>houses </a:t>
+            </a:r>
+            <a:r>
+              <a:rPr sz="1400"/>
+              <a:t>app-level </a:t>
+            </a:r>
+            <a:r>
+              <a:rPr sz="1400"/>
+              <a:t>settings: </a:t>
+            </a:r>
+          </a:p>
+          <a:p/>
+          <a:p>
+            <a:r>
+              <a:rPr sz="1400"/>
+              <a:t>• </a:t>
+            </a:r>
+            <a:r>
+              <a:rPr b="1" sz="1400"/>
+              <a:t>android:name: </a:t>
+            </a:r>
+            <a:r>
+              <a:rPr sz="1400"/>
+              <a:t>Specifies </a:t>
+            </a:r>
+            <a:r>
+              <a:rPr sz="1400"/>
+              <a:t>the </a:t>
+            </a:r>
+            <a:r>
+              <a:rPr sz="1400"/>
+              <a:t>application </a:t>
+            </a:r>
+            <a:r>
+              <a:rPr sz="1400"/>
+              <a:t>class </a:t>
+            </a:r>
+            <a:r>
+              <a:rPr sz="1400"/>
+              <a:t>name. </a:t>
+            </a:r>
+          </a:p>
+          <a:p>
+            <a:r>
+              <a:rPr sz="1400"/>
+              <a:t>• </a:t>
+            </a:r>
+            <a:r>
+              <a:rPr b="1" sz="1400"/>
+              <a:t>android:allowBackup: </a:t>
+            </a:r>
+            <a:r>
+              <a:rPr sz="1400"/>
+              <a:t>Controls </a:t>
+            </a:r>
+            <a:r>
+              <a:rPr sz="1400"/>
+              <a:t>whether </a:t>
+            </a:r>
+            <a:r>
+              <a:rPr sz="1400"/>
+              <a:t>backups </a:t>
+            </a:r>
+            <a:r>
+              <a:rPr sz="1400"/>
+              <a:t>are </a:t>
+            </a:r>
+            <a:r>
+              <a:rPr sz="1400"/>
+              <a:t>allowed. </a:t>
+            </a:r>
+          </a:p>
+          <a:p>
+            <a:r>
+              <a:rPr sz="1400"/>
+              <a:t>• </a:t>
+            </a:r>
+            <a:r>
+              <a:rPr b="1" sz="1400"/>
+              <a:t>android:icon </a:t>
+            </a:r>
+            <a:r>
+              <a:rPr b="1" sz="1400"/>
+              <a:t>and </a:t>
+            </a:r>
+            <a:r>
+              <a:rPr b="1" sz="1400"/>
+              <a:t>android:label:</a:t>
+            </a:r>
+            <a:r>
+              <a:rPr sz="1400"/>
+              <a:t>Define </a:t>
+            </a:r>
+            <a:r>
+              <a:rPr sz="1400"/>
+              <a:t>the </a:t>
+            </a:r>
+            <a:r>
+              <a:rPr sz="1400"/>
+              <a:t>app's </a:t>
+            </a:r>
+            <a:r>
+              <a:rPr sz="1400"/>
+              <a:t>icon </a:t>
+            </a:r>
+            <a:r>
+              <a:rPr sz="1400"/>
+              <a:t>and </a:t>
+            </a:r>
+            <a:r>
+              <a:rPr sz="1400"/>
+              <a:t>name. </a:t>
+            </a:r>
+          </a:p>
+          <a:p>
+            <a:r>
+              <a:rPr sz="1400"/>
+              <a:t>• </a:t>
+            </a:r>
+            <a:r>
+              <a:rPr b="1" sz="1400"/>
+              <a:t>android:debuggable: </a:t>
+            </a:r>
+            <a:r>
+              <a:rPr sz="1400"/>
+              <a:t>Enables </a:t>
+            </a:r>
+            <a:r>
+              <a:rPr sz="1400"/>
+              <a:t>debugging </a:t>
+            </a:r>
+            <a:r>
+              <a:rPr sz="1400"/>
+              <a:t>during </a:t>
+            </a:r>
+            <a:r>
+              <a:rPr sz="1400"/>
+              <a:t>development. </a:t>
+            </a:r>
+          </a:p>
+        </p:txBody>
+      </p:sp>
+    </p:spTree>
+  </p:cSld>
+  <p:clrMapOvr>
+    <a:masterClrMapping/>
+  </p:clrMapOvr>
+</p:sld>
+</file>
+
+<file path=ppt/slides/slide9.xml><?xml version="1.0" encoding="utf-8"?>
+<p:sld xmlns:a="http://schemas.openxmlformats.org/drawingml/2006/main" xmlns:p="http://schemas.openxmlformats.org/presentationml/2006/main" xmlns:r="http://schemas.openxmlformats.org/officeDocument/2006/relationships">
+  <p:cSld>
+    <p:spTree>
+      <p:nvGrpSpPr>
+        <p:cNvPr id="1" name=""/>
+        <p:cNvGrpSpPr/>
+        <p:nvPr/>
+      </p:nvGrpSpPr>
+      <p:grpSpPr/>
+      <p:sp>
+        <p:nvSpPr>
+          <p:cNvPr id="2" name="TextBox 1"/>
+          <p:cNvSpPr txBox="1"/>
+          <p:nvPr/>
+        </p:nvSpPr>
+        <p:spPr>
+          <a:xfrm>
+            <a:off x="228600" y="228600"/>
+            <a:ext cx="8229600" cy="457200"/>
+          </a:xfrm>
+          <a:prstGeom prst="rect">
+            <a:avLst/>
+          </a:prstGeom>
+          <a:noFill/>
+        </p:spPr>
+        <p:txBody>
+          <a:bodyPr wrap="square">
+            <a:spAutoFit/>
+          </a:bodyPr>
+          <a:lstStyle/>
+          <a:p>
+            <a:r>
+              <a:rPr sz="1400"/>
+              <a:t>Android Manifest components</a:t>
+            </a:r>
+          </a:p>
+        </p:txBody>
+      </p:sp>
+      <p:sp>
+        <p:nvSpPr>
+          <p:cNvPr id="3" name="TextBox 2"/>
+          <p:cNvSpPr txBox="1"/>
+          <p:nvPr/>
+        </p:nvSpPr>
+        <p:spPr>
+          <a:xfrm>
+            <a:off x="228600" y="685800"/>
+            <a:ext cx="8229600" cy="3657600"/>
+          </a:xfrm>
+          <a:prstGeom prst="rect">
+            <a:avLst/>
+          </a:prstGeom>
+          <a:noFill/>
+        </p:spPr>
+        <p:txBody>
+          <a:bodyPr wrap="square">
+            <a:spAutoFit/>
+          </a:bodyPr>
+          <a:lstStyle/>
+          <a:p/>
+          <a:p>
+            <a:pPr algn="l">
+              <a:defRPr sz="2000" b="1"/>
+            </a:pPr>
+            <a:r>
+              <a:rPr sz="1400"/>
+              <a:t>Activities and Intents</a:t>
+            </a:r>
+          </a:p>
+          <a:p/>
+          <a:p>
+            <a:r>
+              <a:rPr sz="1400"/>
+              <a:t>• </a:t>
+            </a:r>
+            <a:r>
+              <a:rPr b="1" sz="1400"/>
+              <a:t>activity: </a:t>
+            </a:r>
+            <a:r>
+              <a:rPr sz="1400"/>
+              <a:t>Declares </a:t>
+            </a:r>
+            <a:r>
+              <a:rPr sz="1400"/>
+              <a:t>an </a:t>
+            </a:r>
+            <a:r>
+              <a:rPr sz="1400"/>
+              <a:t>activity </a:t>
+            </a:r>
+            <a:r>
+              <a:rPr sz="1400"/>
+              <a:t>within </a:t>
+            </a:r>
+            <a:r>
+              <a:rPr sz="1400"/>
+              <a:t>the </a:t>
+            </a:r>
+            <a:r>
+              <a:rPr sz="1400"/>
+              <a:t>app. </a:t>
+            </a:r>
+            <a:r>
+              <a:rPr sz="1400"/>
+              <a:t>Activities </a:t>
+            </a:r>
+            <a:r>
+              <a:rPr sz="1400"/>
+              <a:t>must </a:t>
+            </a:r>
+            <a:r>
+              <a:rPr sz="1400"/>
+              <a:t>be </a:t>
+            </a:r>
+            <a:r>
+              <a:rPr sz="1400"/>
+              <a:t>declared </a:t>
+            </a:r>
+            <a:r>
+              <a:rPr sz="1400"/>
               <a:t>to </a:t>
             </a:r>
             <a:r>
-              <a:rPr b="1" sz="1400"/>
-              <a:t>create </a:t>
-            </a:r>
-            <a:r>
-              <a:rPr b="1" sz="1400"/>
-              <a:t>compatible </a:t>
-            </a:r>
-            <a:r>
-              <a:rPr b="1" sz="1400"/>
-              <a:t>games. </a:t>
-            </a:r>
-            <a:r>
-              <a:rPr b="1" sz="1400"/>
+              <a:rPr sz="1400"/>
+              <a:t>be </a:t>
+            </a:r>
+            <a:r>
+              <a:rPr sz="1400"/>
+              <a:t>functional. </a:t>
+            </a:r>
+          </a:p>
+          <a:p>
+            <a:r>
+              <a:rPr sz="1400"/>
+              <a:t>• </a:t>
+            </a:r>
+            <a:r>
+              <a:rPr b="1" sz="1400"/>
+              <a:t>intent-filter: </a:t>
+            </a:r>
+            <a:r>
+              <a:rPr sz="1400"/>
+              <a:t>Specifies </a:t>
+            </a:r>
+            <a:r>
+              <a:rPr sz="1400"/>
+              <a:t>the </a:t>
+            </a:r>
+            <a:r>
+              <a:rPr sz="1400"/>
+              <a:t>type </a:t>
+            </a:r>
+            <a:r>
+              <a:rPr sz="1400"/>
+              <a:t>of </a:t>
+            </a:r>
+            <a:r>
+              <a:rPr sz="1400"/>
+              <a:t>intents </a:t>
+            </a:r>
+            <a:r>
+              <a:rPr sz="1400"/>
+              <a:t>the </a:t>
+            </a:r>
+            <a:r>
+              <a:rPr sz="1400"/>
+              <a:t>component </a:t>
+            </a:r>
+            <a:r>
+              <a:rPr sz="1400"/>
+              <a:t>can </a:t>
+            </a:r>
+            <a:r>
+              <a:rPr sz="1400"/>
+              <a:t>respond </a:t>
+            </a:r>
+            <a:r>
+              <a:rPr sz="1400"/>
+              <a:t>to. </a:t>
+            </a:r>
+            <a:r>
+              <a:rPr sz="1400"/>
               <a:t>The </a:t>
             </a:r>
             <a:r>
-              <a:rPr b="1" sz="1400"/>
-              <a:t>court </a:t>
-            </a:r>
-            <a:r>
-              <a:rPr b="1" sz="1400"/>
-              <a:t>ruled </a:t>
-            </a:r>
-            <a:r>
-              <a:rPr b="1" sz="1400"/>
-              <a:t>in </a:t>
-            </a:r>
-            <a:r>
-              <a:rPr b="1" sz="1400"/>
-              <a:t>favor </a:t>
-            </a:r>
-            <a:r>
-              <a:rPr b="1" sz="1400"/>
-              <a:t>of </a:t>
-            </a:r>
-            <a:r>
-              <a:rPr b="1" sz="1400"/>
-              <a:t>Atari, </a:t>
-            </a:r>
-            <a:r>
-              <a:rPr b="1" sz="1400"/>
-              <a:t>establishing </a:t>
-            </a:r>
-            <a:r>
-              <a:rPr b="1" sz="1400"/>
+              <a:rPr sz="1400"/>
+              <a:t>`MAIN` </a:t>
+            </a:r>
+            <a:r>
+              <a:rPr sz="1400"/>
+              <a:t>action </a:t>
+            </a:r>
+            <a:r>
+              <a:rPr sz="1400"/>
+              <a:t>and </a:t>
+            </a:r>
+            <a:r>
+              <a:rPr sz="1400"/>
+              <a:t>`LAUNCHER` </a:t>
+            </a:r>
+            <a:r>
+              <a:rPr sz="1400"/>
+              <a:t>category </a:t>
+            </a:r>
+            <a:r>
+              <a:rPr sz="1400"/>
+              <a:t>designate </a:t>
+            </a:r>
+            <a:r>
+              <a:rPr sz="1400"/>
               <a:t>the </a:t>
             </a:r>
             <a:r>
-              <a:rPr b="1" sz="1400"/>
-              <a:t>principle </a:t>
-            </a:r>
-            <a:r>
-              <a:rPr b="1" sz="1400"/>
-              <a:t>of </a:t>
-            </a:r>
-            <a:r>
-              <a:rPr b="1" sz="1400"/>
-              <a:t>fair </a:t>
-            </a:r>
-            <a:r>
-              <a:rPr b="1" sz="1400"/>
-              <a:t>use </a:t>
-            </a:r>
-            <a:r>
-              <a:rPr b="1" sz="1400"/>
-              <a:t>for </a:t>
-            </a:r>
-            <a:r>
-              <a:rPr b="1" sz="1400"/>
-              <a:t>reverse </a:t>
-            </a:r>
-            <a:r>
-              <a:rPr b="1" sz="1400"/>
-              <a:t>engineering </a:t>
-            </a:r>
-            <a:r>
-              <a:rPr b="1" sz="1400"/>
-              <a:t>when </a:t>
-            </a:r>
-            <a:r>
-              <a:rPr b="1" sz="1400"/>
-              <a:t>necessary </a:t>
-            </a:r>
-            <a:r>
-              <a:rPr b="1" sz="1400"/>
-              <a:t>to </a:t>
-            </a:r>
-            <a:r>
-              <a:rPr b="1" sz="1400"/>
-              <a:t>access </a:t>
-            </a:r>
-            <a:r>
-              <a:rPr b="1" sz="1400"/>
-              <a:t>an </a:t>
-            </a:r>
-            <a:r>
-              <a:rPr b="1" sz="1400"/>
-              <a:t>interoperable </a:t>
-            </a:r>
-            <a:r>
-              <a:rPr b="1" sz="1400"/>
-              <a:t>system. </a:t>
-            </a:r>
-            <a:r>
-              <a:rPr b="1" sz="1400"/>
-              <a:t>[Citation: </a:t>
-            </a:r>
-            <a:r>
-              <a:rPr b="1" sz="1400"/>
-              <a:t>Atari </a:t>
-            </a:r>
-            <a:r>
-              <a:rPr b="1" sz="1400"/>
-              <a:t>Games </a:t>
-            </a:r>
-            <a:r>
-              <a:rPr b="1" sz="1400"/>
-              <a:t>Corp. </a:t>
-            </a:r>
-            <a:r>
-              <a:rPr b="1" sz="1400"/>
-              <a:t>v. </a:t>
-            </a:r>
-            <a:r>
-              <a:rPr b="1" sz="1400"/>
-              <a:t>Nintendo </a:t>
-            </a:r>
-            <a:r>
-              <a:rPr b="1" sz="1400"/>
-              <a:t>of </a:t>
-            </a:r>
-            <a:r>
-              <a:rPr b="1" sz="1400"/>
-              <a:t>America </a:t>
-            </a:r>
-            <a:r>
-              <a:rPr b="1" sz="1400"/>
-              <a:t>Inc., </a:t>
-            </a:r>
-            <a:r>
-              <a:rPr b="1" sz="1400"/>
-              <a:t>975 </a:t>
-            </a:r>
-            <a:r>
-              <a:rPr b="1" sz="1400"/>
-              <a:t>F.2d </a:t>
-            </a:r>
-            <a:r>
-              <a:rPr b="1" sz="1400"/>
-              <a:t>832 </a:t>
-            </a:r>
-            <a:r>
-              <a:rPr b="1" sz="1400"/>
-              <a:t>(Fed. </a:t>
-            </a:r>
-            <a:r>
-              <a:rPr b="1" sz="1400"/>
-              <a:t>Cir. </a:t>
-            </a:r>
-            <a:r>
-              <a:rPr b="1" sz="1400"/>
-              <a:t>1992)] </a:t>
-            </a:r>
-            <a:r>
-              <a:rPr b="1" sz="1400"/>
-              <a:t>* </a:t>
-            </a:r>
-            <a:r>
-              <a:rPr b="1" sz="1400"/>
-              <a:t>**Sega </a:t>
-            </a:r>
-            <a:r>
-              <a:rPr b="1" sz="1400"/>
-              <a:t>v. </a:t>
-            </a:r>
-            <a:r>
-              <a:rPr b="1" sz="1400"/>
-              <a:t>Accolade </a:t>
-            </a:r>
-            <a:r>
-              <a:rPr b="1" sz="1400"/>
-              <a:t>(1992 </a:t>
-            </a:r>
-            <a:r>
-              <a:rPr b="1" sz="1400"/>
-              <a:t>):** </a:t>
-            </a:r>
-            <a:r>
-              <a:rPr b="1" sz="1400"/>
-              <a:t>Similar </a:t>
-            </a:r>
-            <a:r>
-              <a:rPr b="1" sz="1400"/>
-              <a:t>to </a:t>
-            </a:r>
-            <a:r>
-              <a:rPr b="1" sz="1400"/>
-              <a:t>the </a:t>
-            </a:r>
-            <a:r>
-              <a:rPr b="1" sz="1400"/>
-              <a:t>Atari </a:t>
-            </a:r>
-            <a:r>
-              <a:rPr b="1" sz="1400"/>
-              <a:t>case, </a:t>
-            </a:r>
-            <a:r>
-              <a:rPr b="1" sz="1400"/>
-              <a:t>Accolade </a:t>
-            </a:r>
-            <a:r>
-              <a:rPr b="1" sz="1400"/>
-              <a:t>reverse-engineered </a:t>
-            </a:r>
-            <a:r>
-              <a:rPr b="1" sz="1400"/>
-              <a:t>Sega's </a:t>
-            </a:r>
-            <a:r>
-              <a:rPr b="1" sz="1400"/>
-              <a:t>console </a:t>
-            </a:r>
-            <a:r>
-              <a:rPr b="1" sz="1400"/>
-              <a:t>to </a:t>
-            </a:r>
-            <a:r>
-              <a:rPr b="1" sz="1400"/>
-              <a:t>develop </a:t>
-            </a:r>
-            <a:r>
-              <a:rPr b="1" sz="1400"/>
-              <a:t>compatible </a:t>
-            </a:r>
-            <a:r>
-              <a:rPr b="1" sz="1400"/>
-              <a:t>games. </a:t>
-            </a:r>
-            <a:r>
-              <a:rPr b="1" sz="1400"/>
-              <a:t>The </a:t>
-            </a:r>
-            <a:r>
-              <a:rPr b="1" sz="1400"/>
-              <a:t>court </a:t>
-            </a:r>
-            <a:r>
-              <a:rPr b="1" sz="1400"/>
-              <a:t>ruled </a:t>
-            </a:r>
-            <a:r>
-              <a:rPr b="1" sz="1400"/>
-              <a:t>in </a:t>
-            </a:r>
-            <a:r>
-              <a:rPr b="1" sz="1400"/>
-              <a:t>favor </a:t>
-            </a:r>
-            <a:r>
-              <a:rPr b="1" sz="1400"/>
-              <a:t>of </a:t>
-            </a:r>
-            <a:r>
-              <a:rPr b="1" sz="1400"/>
-              <a:t>Accolade, </a:t>
-            </a:r>
-            <a:r>
-              <a:rPr b="1" sz="1400"/>
-              <a:t>reinforcing </a:t>
-            </a:r>
-            <a:r>
-              <a:rPr b="1" sz="1400"/>
-              <a:t>the </a:t>
-            </a:r>
-            <a:r>
-              <a:rPr b="1" sz="1400"/>
-              <a:t>right </a:t>
-            </a:r>
-            <a:r>
-              <a:rPr b="1" sz="1400"/>
-              <a:t>to </a:t>
-            </a:r>
-            <a:r>
-              <a:rPr b="1" sz="1400"/>
-              <a:t>reverse </a:t>
-            </a:r>
-            <a:r>
-              <a:rPr b="1" sz="1400"/>
-              <a:t>engineer </a:t>
-            </a:r>
-            <a:r>
-              <a:rPr b="1" sz="1400"/>
-              <a:t>for </a:t>
-            </a:r>
-            <a:r>
-              <a:rPr b="1" sz="1400"/>
-              <a:t>interoperability </a:t>
-            </a:r>
-            <a:r>
-              <a:rPr b="1" sz="1400"/>
-              <a:t>purposes. </a:t>
-            </a:r>
-            <a:r>
-              <a:rPr b="1" sz="1400"/>
-              <a:t>[Citation: </a:t>
-            </a:r>
-            <a:r>
-              <a:rPr b="1" sz="1400"/>
-              <a:t>Sega </a:t>
-            </a:r>
-            <a:r>
-              <a:rPr b="1" sz="1400"/>
-              <a:t>Enterprises </a:t>
-            </a:r>
-            <a:r>
-              <a:rPr b="1" sz="1400"/>
-              <a:t>Ltd. </a:t>
-            </a:r>
-            <a:r>
-              <a:rPr b="1" sz="1400"/>
-              <a:t>v. </a:t>
-            </a:r>
-            <a:r>
-              <a:rPr b="1" sz="1400"/>
-              <a:t>Accolade, </a:t>
-            </a:r>
-            <a:r>
-              <a:rPr b="1" sz="1400"/>
-              <a:t>Inc., </a:t>
-            </a:r>
-            <a:r>
-              <a:rPr b="1" sz="1400"/>
-              <a:t>977 </a:t>
-            </a:r>
-            <a:r>
-              <a:rPr b="1" sz="1400"/>
-              <a:t>F.2d </a:t>
-            </a:r>
-            <a:r>
-              <a:rPr b="1" sz="1400"/>
-              <a:t>1510 </a:t>
-            </a:r>
-            <a:r>
-              <a:rPr b="1" sz="1400"/>
-              <a:t>(9th </a:t>
-            </a:r>
-            <a:r>
-              <a:rPr b="1" sz="1400"/>
-              <a:t>Cir. </a:t>
-            </a:r>
-            <a:r>
-              <a:rPr b="1" sz="1400"/>
-              <a:t>1992)] </a:t>
-            </a:r>
-            <a:r>
-              <a:rPr b="1" sz="1400"/>
-              <a:t>* </a:t>
-            </a:r>
-            <a:r>
-              <a:rPr b="1" sz="1400"/>
-              <a:t>**P </a:t>
-            </a:r>
-            <a:r>
-              <a:rPr b="1" sz="1400"/>
-              <a:t>hoenix </a:t>
-            </a:r>
-            <a:r>
-              <a:rPr b="1" sz="1400"/>
-              <a:t>Technologies </a:t>
-            </a:r>
-            <a:r>
-              <a:rPr b="1" sz="1400"/>
-              <a:t>v. </a:t>
-            </a:r>
-            <a:r>
-              <a:rPr b="1" sz="1400"/>
-              <a:t>IBM </a:t>
-            </a:r>
-            <a:r>
-              <a:rPr b="1" sz="1400"/>
-              <a:t>(1988):** </a:t>
-            </a:r>
-            <a:r>
-              <a:rPr b="1" sz="1400"/>
-              <a:t>Phoenix </a:t>
-            </a:r>
-            <a:r>
-              <a:rPr b="1" sz="1400"/>
-              <a:t>reverse-engineered </a:t>
-            </a:r>
-            <a:r>
-              <a:rPr b="1" sz="1400"/>
-              <a:t>IBM's </a:t>
-            </a:r>
-            <a:r>
-              <a:rPr b="1" sz="1400"/>
-              <a:t>BIOS </a:t>
-            </a:r>
-            <a:r>
-              <a:rPr b="1" sz="1400"/>
-              <a:t>to </a:t>
-            </a:r>
-            <a:r>
-              <a:rPr b="1" sz="1400"/>
-              <a:t>create </a:t>
-            </a:r>
-            <a:r>
-              <a:rPr b="1" sz="1400"/>
-              <a:t>a </a:t>
-            </a:r>
-            <a:r>
-              <a:rPr b="1" sz="1400"/>
-              <a:t>compatible </a:t>
-            </a:r>
-            <a:r>
-              <a:rPr b="1" sz="1400"/>
-              <a:t>version. </a:t>
-            </a:r>
-            <a:r>
-              <a:rPr b="1" sz="1400"/>
-              <a:t>The </a:t>
-            </a:r>
-            <a:r>
-              <a:rPr b="1" sz="1400"/>
-              <a:t>court </a:t>
-            </a:r>
-            <a:r>
-              <a:rPr b="1" sz="1400"/>
-              <a:t>found </a:t>
-            </a:r>
-            <a:r>
-              <a:rPr b="1" sz="1400"/>
-              <a:t>that </a:t>
-            </a:r>
-            <a:r>
-              <a:rPr b="1" sz="1400"/>
-              <a:t>Phoenix </a:t>
-            </a:r>
-            <a:r>
-              <a:rPr b="1" sz="1400"/>
-              <a:t>had </a:t>
-            </a:r>
-            <a:r>
-              <a:rPr b="1" sz="1400"/>
-              <a:t>infringed </a:t>
-            </a:r>
-            <a:r>
-              <a:rPr b="1" sz="1400"/>
-              <a:t>on </a:t>
-            </a:r>
-            <a:r>
-              <a:rPr b="1" sz="1400"/>
-              <a:t>IBM's </a:t>
-            </a:r>
-            <a:r>
-              <a:rPr b="1" sz="1400"/>
-              <a:t>copyright, </a:t>
-            </a:r>
-            <a:r>
-              <a:rPr b="1" sz="1400"/>
-              <a:t>highlighting </a:t>
-            </a:r>
-            <a:r>
-              <a:rPr b="1" sz="1400"/>
-              <a:t>the </a:t>
-            </a:r>
-            <a:r>
-              <a:rPr b="1" sz="1400"/>
-              <a:t>limitations </a:t>
-            </a:r>
-            <a:r>
-              <a:rPr b="1" sz="1400"/>
-              <a:t>of </a:t>
-            </a:r>
-            <a:r>
-              <a:rPr b="1" sz="1400"/>
-              <a:t>fair </a:t>
-            </a:r>
-            <a:r>
-              <a:rPr b="1" sz="1400"/>
-              <a:t>use </a:t>
-            </a:r>
-            <a:r>
-              <a:rPr b="1" sz="1400"/>
-              <a:t>when </a:t>
-            </a:r>
-            <a:r>
-              <a:rPr b="1" sz="1400"/>
-              <a:t>direct </a:t>
-            </a:r>
-            <a:r>
-              <a:rPr b="1" sz="1400"/>
-              <a:t>copying </a:t>
-            </a:r>
-            <a:r>
-              <a:rPr b="1" sz="1400"/>
-              <a:t>is </a:t>
-            </a:r>
-            <a:r>
-              <a:rPr b="1" sz="1400"/>
-              <a:t>involved. </a:t>
-            </a:r>
-            <a:r>
-              <a:rPr b="1" sz="1400"/>
-              <a:t>[Citation: </a:t>
-            </a:r>
-            <a:r>
-              <a:rPr b="1" sz="1400"/>
-              <a:t>Phoenix </a:t>
-            </a:r>
-            <a:r>
-              <a:rPr b="1" sz="1400"/>
-              <a:t>Technologies, </a:t>
-            </a:r>
-            <a:r>
-              <a:rPr b="1" sz="1400"/>
-              <a:t>Ltd. </a:t>
-            </a:r>
-            <a:r>
-              <a:rPr b="1" sz="1400"/>
-              <a:t>v. </a:t>
-            </a:r>
-            <a:r>
-              <a:rPr b="1" sz="1400"/>
-              <a:t>International </a:t>
-            </a:r>
-            <a:r>
-              <a:rPr b="1" sz="1400"/>
-              <a:t>Business </a:t>
-            </a:r>
-            <a:r>
-              <a:rPr b="1" sz="1400"/>
-              <a:t>Machines </a:t>
-            </a:r>
-            <a:r>
-              <a:rPr b="1" sz="1400"/>
-              <a:t>Corp., </a:t>
-            </a:r>
-            <a:r>
-              <a:rPr b="1" sz="1400"/>
-              <a:t>896 </a:t>
-            </a:r>
-            <a:r>
-              <a:rPr b="1" sz="1400"/>
-              <a:t>F.2d </a:t>
-            </a:r>
-            <a:r>
-              <a:rPr b="1" sz="1400"/>
-              <a:t>1265 </a:t>
-            </a:r>
-            <a:r>
-              <a:rPr b="1" sz="1400"/>
-              <a:t>(9th </a:t>
-            </a:r>
-            <a:r>
-              <a:rPr b="1" sz="1400"/>
-              <a:t>Cir. </a:t>
-            </a:r>
-            <a:r>
-              <a:rPr b="1" sz="1400"/>
-              <a:t>1988)] </a:t>
-            </a:r>
-            <a:r>
-              <a:rPr b="1" sz="1400"/>
-              <a:t>* </a:t>
-            </a:r>
-            <a:r>
-              <a:rPr b="1" sz="1400"/>
-              <a:t>**Connectix </a:t>
-            </a:r>
-            <a:r>
-              <a:rPr b="1" sz="1400"/>
-              <a:t>v. </a:t>
-            </a:r>
-            <a:r>
-              <a:rPr b="1" sz="1400"/>
-              <a:t>Sony </a:t>
-            </a:r>
-            <a:r>
-              <a:rPr b="1" sz="1400"/>
-              <a:t>(2000):** </a:t>
-            </a:r>
-            <a:r>
-              <a:rPr b="1" sz="1400"/>
-              <a:t>Connectix </a:t>
-            </a:r>
-            <a:r>
-              <a:rPr b="1" sz="1400"/>
-              <a:t>reverse-engineered </a:t>
-            </a:r>
-            <a:r>
-              <a:rPr b="1" sz="1400"/>
-              <a:t>Sony's </a:t>
-            </a:r>
-            <a:r>
-              <a:rPr b="1" sz="1400"/>
-              <a:t>PlayStation </a:t>
-            </a:r>
-            <a:r>
-              <a:rPr b="1" sz="1400"/>
-              <a:t>BIOS </a:t>
-            </a:r>
-            <a:r>
-              <a:rPr b="1" sz="1400"/>
-              <a:t>to </a:t>
-            </a:r>
-            <a:r>
-              <a:rPr b="1" sz="1400"/>
-              <a:t>develop </a:t>
-            </a:r>
-            <a:r>
-              <a:rPr b="1" sz="1400"/>
-              <a:t>a </a:t>
-            </a:r>
-            <a:r>
-              <a:rPr b="1" sz="1400"/>
-              <a:t>PlayStation </a:t>
-            </a:r>
-            <a:r>
-              <a:rPr b="1" sz="1400"/>
-              <a:t>emulator </a:t>
-            </a:r>
-            <a:r>
-              <a:rPr b="1" sz="1400"/>
-              <a:t>for </a:t>
-            </a:r>
-            <a:r>
-              <a:rPr b="1" sz="1400"/>
-              <a:t>Macintosh </a:t>
-            </a:r>
-            <a:r>
-              <a:rPr b="1" sz="1400"/>
-              <a:t>computers. </a:t>
-            </a:r>
-            <a:r>
-              <a:rPr b="1" sz="1400"/>
-              <a:t>The </a:t>
-            </a:r>
-            <a:r>
-              <a:rPr b="1" sz="1400"/>
-              <a:t>court </a:t>
-            </a:r>
-            <a:r>
-              <a:rPr b="1" sz="1400"/>
-              <a:t>ruled </a:t>
-            </a:r>
-            <a:r>
-              <a:rPr b="1" sz="1400"/>
-              <a:t>in </a:t>
-            </a:r>
-            <a:r>
-              <a:rPr b="1" sz="1400"/>
-              <a:t>favor </a:t>
-            </a:r>
-            <a:r>
-              <a:rPr b="1" sz="1400"/>
-              <a:t>of </a:t>
-            </a:r>
-            <a:r>
-              <a:rPr b="1" sz="1400"/>
-              <a:t>Connectix, </a:t>
-            </a:r>
-            <a:r>
-              <a:rPr b="1" sz="1400"/>
-              <a:t>emphasizing </a:t>
-            </a:r>
-            <a:r>
-              <a:rPr b="1" sz="1400"/>
-              <a:t>the </a:t>
-            </a:r>
-            <a:r>
-              <a:rPr b="1" sz="1400"/>
-              <a:t>legality </a:t>
-            </a:r>
-            <a:r>
-              <a:rPr b="1" sz="1400"/>
-              <a:t>of </a:t>
-            </a:r>
-            <a:r>
-              <a:rPr b="1" sz="1400"/>
-              <a:t>reverse </a:t>
-            </a:r>
-            <a:r>
-              <a:rPr b="1" sz="1400"/>
-              <a:t>engineering </a:t>
-            </a:r>
-            <a:r>
-              <a:rPr b="1" sz="1400"/>
-              <a:t>for </a:t>
-            </a:r>
-            <a:r>
-              <a:rPr b="1" sz="1400"/>
-              <a:t>interoperability </a:t>
-            </a:r>
-            <a:r>
-              <a:rPr b="1" sz="1400"/>
-              <a:t>even </a:t>
-            </a:r>
-            <a:r>
-              <a:rPr b="1" sz="1400"/>
-              <a:t>when </a:t>
-            </a:r>
-            <a:r>
-              <a:rPr b="1" sz="1400"/>
-              <a:t>involving </a:t>
-            </a:r>
-            <a:r>
-              <a:rPr b="1" sz="1400"/>
-              <a:t>copyrighted </a:t>
-            </a:r>
-            <a:r>
-              <a:rPr b="1" sz="1400"/>
-              <a:t>material. </a:t>
-            </a:r>
-            <a:r>
-              <a:rPr b="1" sz="1400"/>
-              <a:t>[Citation: </a:t>
-            </a:r>
-            <a:r>
-              <a:rPr b="1" sz="1400"/>
-              <a:t>Sony </a:t>
-            </a:r>
-            <a:r>
-              <a:rPr b="1" sz="1400"/>
-              <a:t>Computer </a:t>
-            </a:r>
-            <a:r>
-              <a:rPr b="1" sz="1400"/>
-              <a:t>Entertainment, </a:t>
-            </a:r>
-            <a:r>
-              <a:rPr b="1" sz="1400"/>
-              <a:t>Inc. </a:t>
-            </a:r>
-            <a:r>
-              <a:rPr b="1" sz="1400"/>
-              <a:t>v. </a:t>
-            </a:r>
-            <a:r>
-              <a:rPr b="1" sz="1400"/>
-              <a:t>Connectix </a:t>
-            </a:r>
-            <a:r>
-              <a:rPr b="1" sz="1400"/>
-              <a:t>Corp., </a:t>
-            </a:r>
-            <a:r>
-              <a:rPr b="1" sz="1400"/>
-              <a:t>203 </a:t>
-            </a:r>
-            <a:r>
-              <a:rPr b="1" sz="1400"/>
-              <a:t>F.3d </a:t>
-            </a:r>
-            <a:r>
-              <a:rPr b="1" sz="1400"/>
-              <a:t>596 </a:t>
-            </a:r>
-            <a:r>
-              <a:rPr b="1" sz="1400"/>
-              <a:t>(9th </a:t>
-            </a:r>
-            <a:r>
-              <a:rPr b="1" sz="1400"/>
-              <a:t>Cir. </a:t>
-            </a:r>
-            <a:r>
-              <a:rPr b="1" sz="1400"/>
-              <a:t>2000)] </a:t>
-            </a:r>
-            <a:r>
-              <a:rPr b="1" sz="1400"/>
-              <a:t>- </a:t>
-            </a:r>
-            <a:r>
-              <a:rPr b="1" sz="1400"/>
-              <a:t>**Challenges </a:t>
-            </a:r>
-            <a:r>
-              <a:rPr b="1" sz="1400"/>
-              <a:t>in </a:t>
-            </a:r>
-            <a:r>
-              <a:rPr b="1" sz="1400"/>
-              <a:t>Legal </a:t>
-            </a:r>
-            <a:r>
-              <a:rPr b="1" sz="1400"/>
-              <a:t>Battles:** </a:t>
-            </a:r>
-            <a:r>
-              <a:rPr b="1" sz="1400"/>
-              <a:t>Proving </a:t>
-            </a:r>
-            <a:r>
-              <a:rPr b="1" sz="1400"/>
-              <a:t>infringement </a:t>
-            </a:r>
-            <a:r>
-              <a:rPr b="1" sz="1400"/>
-              <a:t>in </a:t>
-            </a:r>
-            <a:r>
-              <a:rPr b="1" sz="1400"/>
-              <a:t>reverse </a:t>
-            </a:r>
-            <a:r>
-              <a:rPr b="1" sz="1400"/>
-              <a:t>engineering </a:t>
-            </a:r>
-            <a:r>
-              <a:rPr b="1" sz="1400"/>
-              <a:t>cases </a:t>
-            </a:r>
-            <a:r>
-              <a:rPr b="1" sz="1400"/>
-              <a:t>is </a:t>
-            </a:r>
-            <a:r>
-              <a:rPr b="1" sz="1400"/>
-              <a:t>often </a:t>
-            </a:r>
-            <a:r>
-              <a:rPr b="1" sz="1400"/>
-              <a:t>difficult </a:t>
-            </a:r>
-            <a:r>
-              <a:rPr b="1" sz="1400"/>
-              <a:t>due </a:t>
-            </a:r>
-            <a:r>
-              <a:rPr b="1" sz="1400"/>
-              <a:t>to </a:t>
-            </a:r>
-            <a:r>
-              <a:rPr b="1" sz="1400"/>
-              <a:t>the </a:t>
-            </a:r>
-            <a:r>
-              <a:rPr b="1" sz="1400"/>
-              <a:t>technical </a:t>
-            </a:r>
-            <a:r>
-              <a:rPr b="1" sz="1400"/>
-              <a:t>complexity </a:t>
-            </a:r>
-            <a:r>
-              <a:rPr b="1" sz="1400"/>
-              <a:t>and </a:t>
-            </a:r>
-            <a:r>
-              <a:rPr b="1" sz="1400"/>
-              <a:t>the </a:t>
-            </a:r>
-            <a:r>
-              <a:rPr b="1" sz="1400"/>
-              <a:t>application </a:t>
-            </a:r>
-            <a:r>
-              <a:rPr b="1" sz="1400"/>
-              <a:t>of </a:t>
-            </a:r>
-            <a:r>
-              <a:rPr b="1" sz="1400"/>
-              <a:t>fair </a:t>
-            </a:r>
-            <a:r>
-              <a:rPr b="1" sz="1400"/>
-              <a:t>use </a:t>
-            </a:r>
-            <a:r>
-              <a:rPr b="1" sz="1400"/>
-              <a:t>principles. </a:t>
-            </a:r>
-            <a:r>
-              <a:rPr b="1" sz="1400"/>
-              <a:t>- </a:t>
-            </a:r>
-            <a:r>
-              <a:rPr b="1" sz="1400"/>
-              <a:t>**Chinese </a:t>
-            </a:r>
-            <a:r>
-              <a:rPr b="1" sz="1400"/>
-              <a:t>Wall </a:t>
-            </a:r>
-            <a:r>
-              <a:rPr b="1" sz="1400"/>
-              <a:t>Method:** </a:t>
-            </a:r>
-            <a:r>
-              <a:rPr b="1" sz="1400"/>
-              <a:t>To </a:t>
-            </a:r>
-            <a:r>
-              <a:rPr b="1" sz="1400"/>
-              <a:t>mitigate </a:t>
-            </a:r>
-            <a:r>
-              <a:rPr b="1" sz="1400"/>
-              <a:t>legal </a:t>
-            </a:r>
-            <a:r>
-              <a:rPr b="1" sz="1400"/>
-              <a:t>risks, </a:t>
-            </a:r>
-            <a:r>
-              <a:rPr b="1" sz="1400"/>
-              <a:t>companies </a:t>
-            </a:r>
-            <a:r>
-              <a:rPr b="1" sz="1400"/>
-              <a:t>may </a:t>
-            </a:r>
-            <a:r>
-              <a:rPr b="1" sz="1400"/>
-              <a:t>employ </a:t>
-            </a:r>
-            <a:r>
-              <a:rPr b="1" sz="1400"/>
-              <a:t>a </a:t>
-            </a:r>
-            <a:r>
-              <a:rPr b="1" sz="1400"/>
-              <a:t>"Chinese </a:t>
-            </a:r>
-            <a:r>
-              <a:rPr b="1" sz="1400"/>
-              <a:t>wall" </a:t>
-            </a:r>
-            <a:r>
-              <a:rPr b="1" sz="1400"/>
-              <a:t>approach, </a:t>
-            </a:r>
-            <a:r>
-              <a:rPr b="1" sz="1400"/>
-              <a:t>where </a:t>
-            </a:r>
-            <a:r>
-              <a:rPr b="1" sz="1400"/>
-              <a:t>a </a:t>
-            </a:r>
-            <a:r>
-              <a:rPr b="1" sz="1400"/>
-              <a:t>separate </a:t>
-            </a:r>
-            <a:r>
-              <a:rPr b="1" sz="1400"/>
-              <a:t>team </a:t>
-            </a:r>
-            <a:r>
-              <a:rPr b="1" sz="1400"/>
-              <a:t>conducts </a:t>
-            </a:r>
-            <a:r>
-              <a:rPr b="1" sz="1400"/>
-              <a:t>reverse </a:t>
-            </a:r>
-            <a:r>
-              <a:rPr b="1" sz="1400"/>
-              <a:t>engineering </a:t>
-            </a:r>
-            <a:r>
-              <a:rPr b="1" sz="1400"/>
-              <a:t>without </a:t>
-            </a:r>
-            <a:r>
-              <a:rPr b="1" sz="1400"/>
-              <a:t>access </a:t>
-            </a:r>
-            <a:r>
-              <a:rPr b="1" sz="1400"/>
-              <a:t>to </a:t>
-            </a:r>
-            <a:r>
-              <a:rPr b="1" sz="1400"/>
-              <a:t>the </a:t>
-            </a:r>
-            <a:r>
-              <a:rPr b="1" sz="1400"/>
-              <a:t>original </a:t>
-            </a:r>
-            <a:r>
-              <a:rPr b="1" sz="1400"/>
-              <a:t>source </a:t>
-            </a:r>
-            <a:r>
-              <a:rPr b="1" sz="1400"/>
-              <a:t>code, </a:t>
-            </a:r>
-            <a:r>
-              <a:rPr b="1" sz="1400"/>
-              <a:t>aiming </a:t>
-            </a:r>
-            <a:r>
-              <a:rPr b="1" sz="1400"/>
-              <a:t>to </a:t>
-            </a:r>
-            <a:r>
-              <a:rPr b="1" sz="1400"/>
-              <a:t>demonstrate </a:t>
-            </a:r>
-            <a:r>
-              <a:rPr b="1" sz="1400"/>
-              <a:t>independent </a:t>
-            </a:r>
-            <a:r>
-              <a:rPr b="1" sz="1400"/>
-              <a:t>creation. </a:t>
+              <a:rPr sz="1400"/>
+              <a:t>app's </a:t>
+            </a:r>
+            <a:r>
+              <a:rPr sz="1400"/>
+              <a:t>entry </a:t>
+            </a:r>
+            <a:r>
+              <a:rPr sz="1400"/>
+              <a:t>point. </a:t>
             </a:r>
           </a:p>
         </p:txBody>

--- a/presentation.pptx
+++ b/presentation.pptx
@@ -3104,14 +3104,35 @@
       <p:grpSpPr/>
       <p:sp>
         <p:nvSpPr>
-          <p:cNvPr id="2" name="TextBox 1"/>
+          <p:cNvPr id="2" name="Title 1"/>
+          <p:cNvSpPr>
+            <a:spLocks noGrp="1"/>
+          </p:cNvSpPr>
+          <p:nvPr>
+            <p:ph type="title"/>
+          </p:nvPr>
+        </p:nvSpPr>
+        <p:spPr/>
+        <p:txBody>
+          <a:bodyPr/>
+          <a:lstStyle/>
+          <a:p>
+            <a:r>
+              <a:t>Android Reverse Engineering</a:t>
+            </a:r>
+          </a:p>
+        </p:txBody>
+      </p:sp>
+      <p:sp>
+        <p:nvSpPr>
+          <p:cNvPr id="3" name="TextBox 2"/>
           <p:cNvSpPr txBox="1"/>
           <p:nvPr/>
         </p:nvSpPr>
         <p:spPr>
           <a:xfrm>
-            <a:off x="228600" y="228600"/>
-            <a:ext cx="8229600" cy="457200"/>
+            <a:off x="914400" y="1371600"/>
+            <a:ext cx="7315200" cy="3657600"/>
           </a:xfrm>
           <a:prstGeom prst="rect">
             <a:avLst/>
@@ -3123,78 +3144,788 @@
             <a:spAutoFit/>
           </a:bodyPr>
           <a:lstStyle/>
-          <a:p>
-            <a:r>
-              <a:rPr sz="1400"/>
-              <a:t>Android Reverse Engineering</a:t>
-            </a:r>
-          </a:p>
-        </p:txBody>
-      </p:sp>
-      <p:sp>
-        <p:nvSpPr>
-          <p:cNvPr id="3" name="TextBox 2"/>
-          <p:cNvSpPr txBox="1"/>
-          <p:nvPr/>
-        </p:nvSpPr>
-        <p:spPr>
-          <a:xfrm>
-            <a:off x="228600" y="685800"/>
-            <a:ext cx="8229600" cy="3657600"/>
-          </a:xfrm>
-          <a:prstGeom prst="rect">
-            <a:avLst/>
-          </a:prstGeom>
-          <a:noFill/>
-        </p:spPr>
-        <p:txBody>
-          <a:bodyPr wrap="square">
-            <a:spAutoFit/>
-          </a:bodyPr>
-          <a:lstStyle/>
           <a:p/>
-          <a:p>
-            <a:pPr algn="l">
-              <a:defRPr sz="2000" b="1"/>
-            </a:pPr>
-            <a:r>
-              <a:rPr sz="1400"/>
-              <a:t>Android Reverse Engineering: A Deep Dive</a:t>
-            </a:r>
-          </a:p>
           <a:p/>
           <a:p>
             <a:r>
               <a:rPr sz="1400"/>
+              <a:t>- </a:t>
+            </a:r>
+            <a:r>
+              <a:rPr b="1" sz="1400"/>
+              <a:t>Reverse </a:t>
+            </a:r>
+            <a:r>
+              <a:rPr sz="1400"/>
+              <a:t>Engineering </a:t>
+            </a:r>
+            <a:r>
+              <a:rPr sz="1400"/>
+              <a:t>in </a:t>
+            </a:r>
+            <a:r>
+              <a:rPr sz="1400"/>
+              <a:t>the </a:t>
+            </a:r>
+            <a:r>
+              <a:rPr sz="1400"/>
+              <a:t>Real </a:t>
+            </a:r>
+            <a:r>
+              <a:rPr b="1" sz="1400"/>
+              <a:t>World: </a:t>
+            </a:r>
+          </a:p>
+          <a:p>
+            <a:r>
+              <a:rPr sz="1400"/>
+              <a:t>* </a:t>
+            </a:r>
+            <a:r>
+              <a:rPr sz="1400"/>
+              <a:t>Historically, </a:t>
+            </a:r>
+            <a:r>
+              <a:rPr sz="1400"/>
+              <a:t>software </a:t>
+            </a:r>
+            <a:r>
+              <a:rPr sz="1400"/>
+              <a:t>reverse </a:t>
+            </a:r>
+            <a:r>
+              <a:rPr sz="1400"/>
+              <a:t>engineering </a:t>
+            </a:r>
+            <a:r>
+              <a:rPr sz="1400"/>
+              <a:t>has </a:t>
+            </a:r>
+            <a:r>
+              <a:rPr sz="1400"/>
+              <a:t>been </a:t>
+            </a:r>
+            <a:r>
+              <a:rPr sz="1400"/>
+              <a:t>at </a:t>
+            </a:r>
+            <a:r>
+              <a:rPr sz="1400"/>
+              <a:t>the </a:t>
+            </a:r>
+            <a:r>
+              <a:rPr sz="1400"/>
+              <a:t>center </a:t>
+            </a:r>
+            <a:r>
+              <a:rPr sz="1400"/>
+              <a:t>of </a:t>
+            </a:r>
+            <a:r>
+              <a:rPr sz="1400"/>
+              <a:t>numerous </a:t>
+            </a:r>
+            <a:r>
+              <a:rPr sz="1400"/>
+              <a:t>legal </a:t>
+            </a:r>
+            <a:r>
+              <a:rPr sz="1400"/>
+              <a:t>disputes. </a:t>
+            </a:r>
+            <a:r>
+              <a:rPr sz="1400"/>
+              <a:t>Companies </a:t>
+            </a:r>
+            <a:r>
+              <a:rPr sz="1400"/>
+              <a:t>like </a:t>
+            </a:r>
+            <a:r>
+              <a:rPr sz="1400"/>
+              <a:t>Atari, </a:t>
+            </a:r>
+            <a:r>
+              <a:rPr sz="1400"/>
+              <a:t>Accolade, </a:t>
+            </a:r>
+            <a:r>
+              <a:rPr sz="1400"/>
+              <a:t>Phoenix, </a:t>
+            </a:r>
+            <a:r>
+              <a:rPr sz="1400"/>
+              <a:t>and </a:t>
+            </a:r>
+            <a:r>
+              <a:rPr sz="1400"/>
+              <a:t>Connectix </a:t>
+            </a:r>
+            <a:r>
+              <a:rPr sz="1400"/>
+              <a:t>engaged </a:t>
+            </a:r>
+            <a:r>
+              <a:rPr sz="1400"/>
+              <a:t>in </a:t>
+            </a:r>
+            <a:r>
+              <a:rPr sz="1400"/>
+              <a:t>reverse </a:t>
+            </a:r>
+            <a:r>
+              <a:rPr sz="1400"/>
+              <a:t>engineering </a:t>
+            </a:r>
+            <a:r>
+              <a:rPr sz="1400"/>
+              <a:t>to </a:t>
+            </a:r>
+          </a:p>
+          <a:p>
+            <a:r>
+              <a:rPr sz="1400"/>
+              <a:t># </a:t>
+            </a:r>
+            <a:r>
+              <a:rPr sz="1400"/>
+              <a:t>achieve </a:t>
+            </a:r>
+            <a:r>
+              <a:rPr sz="1400"/>
+              <a:t>compatibility </a:t>
+            </a:r>
+            <a:r>
+              <a:rPr sz="1400"/>
+              <a:t>with </a:t>
+            </a:r>
+            <a:r>
+              <a:rPr sz="1400"/>
+              <a:t>competitor's </a:t>
+            </a:r>
+            <a:r>
+              <a:rPr sz="1400"/>
+              <a:t>systems, </a:t>
+            </a:r>
+            <a:r>
+              <a:rPr sz="1400"/>
+              <a:t>leading </a:t>
+            </a:r>
+            <a:r>
+              <a:rPr sz="1400"/>
+              <a:t>to </a:t>
+            </a:r>
+            <a:r>
+              <a:rPr sz="1400"/>
+              <a:t>landmark </a:t>
+            </a:r>
+            <a:r>
+              <a:rPr sz="1400"/>
+              <a:t>cases. </a:t>
+            </a:r>
+          </a:p>
+          <a:p>
+            <a:r>
+              <a:rPr sz="1400"/>
+              <a:t>* </a:t>
+            </a:r>
+            <a:r>
+              <a:rPr sz="1400"/>
+              <a:t>These </a:t>
+            </a:r>
+            <a:r>
+              <a:rPr sz="1400"/>
+              <a:t>cases </a:t>
+            </a:r>
+            <a:r>
+              <a:rPr sz="1400"/>
+              <a:t>often </a:t>
+            </a:r>
+            <a:r>
+              <a:rPr sz="1400"/>
+              <a:t>revolved </a:t>
+            </a:r>
+            <a:r>
+              <a:rPr sz="1400"/>
+              <a:t>around </a:t>
+            </a:r>
+            <a:r>
+              <a:rPr sz="1400"/>
+              <a:t>copyright </a:t>
+            </a:r>
+            <a:r>
+              <a:rPr sz="1400"/>
+              <a:t>infringement </a:t>
+            </a:r>
+            <a:r>
+              <a:rPr sz="1400"/>
+              <a:t>and </a:t>
+            </a:r>
+            <a:r>
+              <a:rPr sz="1400"/>
+              <a:t>the </a:t>
+            </a:r>
+            <a:r>
+              <a:rPr sz="1400"/>
+              <a:t>extent </a:t>
+            </a:r>
+            <a:r>
+              <a:rPr sz="1400"/>
+              <a:t>to </a:t>
+            </a:r>
+            <a:r>
+              <a:rPr sz="1400"/>
+              <a:t>which </a:t>
+            </a:r>
+            <a:r>
+              <a:rPr sz="1400"/>
+              <a:t>companies </a:t>
+            </a:r>
+            <a:r>
+              <a:rPr sz="1400"/>
+              <a:t>could </a:t>
+            </a:r>
+            <a:r>
+              <a:rPr sz="1400"/>
+              <a:t>analyze </a:t>
+            </a:r>
+            <a:r>
+              <a:rPr sz="1400"/>
+              <a:t>and </a:t>
+            </a:r>
+            <a:r>
+              <a:rPr sz="1400"/>
+              <a:t>utilize </a:t>
+            </a:r>
+            <a:r>
+              <a:rPr sz="1400"/>
+              <a:t>competitors' </a:t>
+            </a:r>
+            <a:r>
+              <a:rPr sz="1400"/>
+              <a:t>software </a:t>
+            </a:r>
+            <a:r>
+              <a:rPr sz="1400"/>
+              <a:t>to </a:t>
+            </a:r>
+            <a:r>
+              <a:rPr sz="1400"/>
+              <a:t>create </a:t>
+            </a:r>
+            <a:r>
+              <a:rPr sz="1400"/>
+              <a:t>compatible </a:t>
+            </a:r>
+            <a:r>
+              <a:rPr sz="1400"/>
+              <a:t>products. </a:t>
+            </a:r>
+          </a:p>
+          <a:p>
+            <a:r>
+              <a:rPr sz="1400"/>
+              <a:t>- </a:t>
+            </a:r>
+            <a:r>
+              <a:rPr b="1" sz="1400"/>
+              <a:t>Legal </a:t>
+            </a:r>
+            <a:r>
+              <a:rPr b="1" sz="1400"/>
+              <a:t>Precedents: </a:t>
+            </a:r>
+          </a:p>
+          <a:p>
+            <a:r>
+              <a:rPr sz="1400"/>
+              <a:t>* </a:t>
+            </a:r>
+            <a:r>
+              <a:rPr sz="1400"/>
+              <a:t>Interestingly, </a:t>
+            </a:r>
+            <a:r>
+              <a:rPr sz="1400"/>
+              <a:t>man </a:t>
+            </a:r>
+          </a:p>
+          <a:p>
+            <a:r>
+              <a:rPr sz="1400"/>
+              <a:t># </a:t>
+            </a:r>
+            <a:r>
+              <a:rPr sz="1400"/>
+              <a:t>y </a:t>
+            </a:r>
+            <a:r>
+              <a:rPr sz="1400"/>
+              <a:t>of </a:t>
+            </a:r>
+            <a:r>
+              <a:rPr sz="1400"/>
+              <a:t>these </a:t>
+            </a:r>
+            <a:r>
+              <a:rPr sz="1400"/>
+              <a:t>cases </a:t>
+            </a:r>
+            <a:r>
+              <a:rPr sz="1400"/>
+              <a:t>were </a:t>
+            </a:r>
+            <a:r>
+              <a:rPr sz="1400"/>
+              <a:t>ruled </a:t>
+            </a:r>
+            <a:r>
+              <a:rPr sz="1400"/>
+              <a:t>in </a:t>
+            </a:r>
+            <a:r>
+              <a:rPr sz="1400"/>
+              <a:t>favor </a:t>
+            </a:r>
+            <a:r>
+              <a:rPr sz="1400"/>
+              <a:t>of </a:t>
+            </a:r>
+            <a:r>
+              <a:rPr sz="1400"/>
+              <a:t>reverse </a:t>
+            </a:r>
+            <a:r>
+              <a:rPr sz="1400"/>
+              <a:t>engineering, </a:t>
+            </a:r>
+            <a:r>
+              <a:rPr sz="1400"/>
+              <a:t>establishing </a:t>
+            </a:r>
+            <a:r>
+              <a:rPr sz="1400"/>
+              <a:t>a </a:t>
+            </a:r>
+            <a:r>
+              <a:rPr sz="1400"/>
+              <a:t>legal </a:t>
+            </a:r>
+            <a:r>
+              <a:rPr sz="1400"/>
+              <a:t>basis </a:t>
+            </a:r>
+            <a:r>
+              <a:rPr sz="1400"/>
+              <a:t>for </a:t>
+            </a:r>
+            <a:r>
+              <a:rPr sz="1400"/>
+              <a:t>the </a:t>
+            </a:r>
+            <a:r>
+              <a:rPr sz="1400"/>
+              <a:t>practice </a:t>
+            </a:r>
+            <a:r>
+              <a:rPr sz="1400"/>
+              <a:t>under </a:t>
+            </a:r>
+            <a:r>
+              <a:rPr sz="1400"/>
+              <a:t>certain </a:t>
+            </a:r>
+            <a:r>
+              <a:rPr sz="1400"/>
+              <a:t>conditions. </a:t>
+            </a:r>
+          </a:p>
+          <a:p>
+            <a:r>
+              <a:rPr sz="1400"/>
+              <a:t>* </a:t>
+            </a:r>
+            <a:r>
+              <a:rPr sz="1400"/>
+              <a:t>Courts </a:t>
+            </a:r>
+            <a:r>
+              <a:rPr sz="1400"/>
+              <a:t>recognized </a:t>
+            </a:r>
+            <a:r>
+              <a:rPr sz="1400"/>
+              <a:t>the </a:t>
+            </a:r>
+            <a:r>
+              <a:rPr sz="1400"/>
+              <a:t>importance </a:t>
+            </a:r>
+            <a:r>
+              <a:rPr sz="1400"/>
+              <a:t>of </a:t>
+            </a:r>
+            <a:r>
+              <a:rPr sz="1400"/>
+              <a:t>interoperability </a:t>
+            </a:r>
+            <a:r>
+              <a:rPr sz="1400"/>
+              <a:t>and </a:t>
+            </a:r>
+            <a:r>
+              <a:rPr sz="1400"/>
+              <a:t>innovation, </a:t>
+            </a:r>
+            <a:r>
+              <a:rPr sz="1400"/>
+              <a:t>allowing </a:t>
+            </a:r>
+            <a:r>
+              <a:rPr sz="1400"/>
+              <a:t>companies </a:t>
+            </a:r>
+            <a:r>
+              <a:rPr sz="1400"/>
+              <a:t>to </a:t>
+            </a:r>
+            <a:r>
+              <a:rPr sz="1400"/>
+              <a:t>reverse </a:t>
+            </a:r>
+            <a:r>
+              <a:rPr sz="1400"/>
+              <a:t>engineer </a:t>
+            </a:r>
+            <a:r>
+              <a:rPr sz="1400"/>
+              <a:t>software </a:t>
+            </a:r>
+            <a:r>
+              <a:rPr sz="1400"/>
+              <a:t>for </a:t>
+            </a:r>
+            <a:r>
+              <a:rPr sz="1400"/>
+              <a:t>legitimate </a:t>
+            </a:r>
+            <a:r>
+              <a:rPr sz="1400"/>
+              <a:t>purposes </a:t>
+            </a:r>
+            <a:r>
+              <a:rPr sz="1400"/>
+              <a:t>such </a:t>
+            </a:r>
+            <a:r>
+              <a:rPr sz="1400"/>
+              <a:t>as </a:t>
+            </a:r>
+            <a:r>
+              <a:rPr sz="1400"/>
+              <a:t>compatibility, </a:t>
+            </a:r>
+            <a:r>
+              <a:rPr sz="1400"/>
+              <a:t>secu </a:t>
+            </a:r>
+          </a:p>
+          <a:p>
+            <a:r>
+              <a:rPr sz="1400"/>
+              <a:t># </a:t>
+            </a:r>
+            <a:r>
+              <a:rPr sz="1400"/>
+              <a:t>rity </a:t>
+            </a:r>
+            <a:r>
+              <a:rPr sz="1400"/>
+              <a:t>analysis, </a:t>
+            </a:r>
+            <a:r>
+              <a:rPr sz="1400"/>
+              <a:t>and </a:t>
+            </a:r>
+            <a:r>
+              <a:rPr sz="1400"/>
+              <a:t>research. </a:t>
+            </a:r>
+          </a:p>
+          <a:p>
+            <a:r>
+              <a:rPr sz="1400"/>
+              <a:t>- </a:t>
+            </a:r>
+            <a:r>
+              <a:rPr b="1" sz="1400"/>
+              <a:t>Challenges </a:t>
+            </a:r>
+            <a:r>
+              <a:rPr sz="1400"/>
+              <a:t>and </a:t>
+            </a:r>
+            <a:r>
+              <a:rPr sz="1400"/>
+              <a:t>the </a:t>
+            </a:r>
+            <a:r>
+              <a:rPr sz="1400"/>
+              <a:t>Chinese </a:t>
+            </a:r>
+            <a:r>
+              <a:rPr sz="1400"/>
+              <a:t>Wall </a:t>
+            </a:r>
+            <a:r>
+              <a:rPr b="1" sz="1400"/>
+              <a:t>Method: </a:t>
+            </a:r>
+          </a:p>
+          <a:p>
+            <a:r>
+              <a:rPr sz="1400"/>
+              <a:t>* </a:t>
+            </a:r>
+            <a:r>
+              <a:rPr sz="1400"/>
+              <a:t>Proving </a:t>
+            </a:r>
+            <a:r>
+              <a:rPr sz="1400"/>
+              <a:t>that </a:t>
+            </a:r>
+            <a:r>
+              <a:rPr sz="1400"/>
+              <a:t>reverse </a:t>
+            </a:r>
+            <a:r>
+              <a:rPr sz="1400"/>
+              <a:t>engineering </a:t>
+            </a:r>
+            <a:r>
+              <a:rPr sz="1400"/>
+              <a:t>was </a:t>
+            </a:r>
+            <a:r>
+              <a:rPr sz="1400"/>
+              <a:t>done </a:t>
+            </a:r>
+            <a:r>
+              <a:rPr sz="1400"/>
+              <a:t>without </a:t>
+            </a:r>
+            <a:r>
+              <a:rPr sz="1400"/>
+              <a:t>infringing </a:t>
+            </a:r>
+            <a:r>
+              <a:rPr sz="1400"/>
+              <a:t>copyright </a:t>
+            </a:r>
+            <a:r>
+              <a:rPr sz="1400"/>
+              <a:t>can </a:t>
+            </a:r>
+            <a:r>
+              <a:rPr sz="1400"/>
+              <a:t>be </a:t>
+            </a:r>
+            <a:r>
+              <a:rPr sz="1400"/>
+              <a:t>challenging. </a:t>
+            </a:r>
+          </a:p>
+          <a:p>
+            <a:r>
+              <a:rPr sz="1400"/>
+              <a:t>* </a:t>
+            </a:r>
+            <a:r>
+              <a:rPr sz="1400"/>
+              <a:t>The </a:t>
+            </a:r>
+            <a:r>
+              <a:rPr sz="1400"/>
+              <a:t>'Chinese </a:t>
+            </a:r>
+            <a:r>
+              <a:rPr sz="1400"/>
+              <a:t>Wall' </a:t>
+            </a:r>
+            <a:r>
+              <a:rPr sz="1400"/>
+              <a:t>method </a:t>
+            </a:r>
+            <a:r>
+              <a:rPr sz="1400"/>
+              <a:t>emerged </a:t>
+            </a:r>
+            <a:r>
+              <a:rPr sz="1400"/>
+              <a:t>as </a:t>
+            </a:r>
+            <a:r>
+              <a:rPr sz="1400"/>
+              <a:t>a </a:t>
+            </a:r>
+            <a:r>
+              <a:rPr sz="1400"/>
+              <a:t>strategy </a:t>
+            </a:r>
+            <a:r>
+              <a:rPr sz="1400"/>
+              <a:t>to </a:t>
+            </a:r>
+            <a:r>
+              <a:rPr sz="1400"/>
+              <a:t>address </a:t>
+            </a:r>
+            <a:r>
+              <a:rPr sz="1400"/>
+              <a:t>this </a:t>
+            </a:r>
+            <a:r>
+              <a:rPr sz="1400"/>
+              <a:t>concern. </a:t>
+            </a:r>
+            <a:r>
+              <a:rPr sz="1400"/>
+              <a:t>It </a:t>
+            </a:r>
+            <a:r>
+              <a:rPr sz="1400"/>
+              <a:t>involves </a:t>
+            </a:r>
+            <a:r>
+              <a:rPr sz="1400"/>
+              <a:t>separating </a:t>
+            </a:r>
+            <a:r>
+              <a:rPr sz="1400"/>
+              <a:t>the </a:t>
+            </a:r>
+            <a:r>
+              <a:rPr sz="1400"/>
+              <a:t>team </a:t>
+            </a:r>
+            <a:r>
+              <a:rPr sz="1400"/>
+              <a:t>performing </a:t>
+            </a:r>
+            <a:r>
+              <a:rPr sz="1400"/>
+              <a:t>reverse </a:t>
+            </a:r>
+            <a:r>
+              <a:rPr sz="1400"/>
+              <a:t>engineering </a:t>
+            </a:r>
+            <a:r>
+              <a:rPr sz="1400"/>
+              <a:t>from </a:t>
+            </a:r>
+            <a:r>
+              <a:rPr sz="1400"/>
+              <a:t>the </a:t>
+            </a:r>
+            <a:r>
+              <a:rPr sz="1400"/>
+              <a:t>development </a:t>
+            </a:r>
+            <a:r>
+              <a:rPr sz="1400"/>
+              <a:t>team </a:t>
+            </a:r>
+            <a:r>
+              <a:rPr sz="1400"/>
+              <a:t>to </a:t>
+            </a:r>
+            <a:r>
+              <a:rPr sz="1400"/>
+              <a:t>prevent </a:t>
+            </a:r>
+            <a:r>
+              <a:rPr sz="1400"/>
+              <a:t>the </a:t>
+            </a:r>
+            <a:r>
+              <a:rPr sz="1400"/>
+              <a:t>direct </a:t>
+            </a:r>
+            <a:r>
+              <a:rPr sz="1400"/>
+              <a:t>use </a:t>
+            </a:r>
+            <a:r>
+              <a:rPr sz="1400"/>
+              <a:t>of </a:t>
+            </a:r>
+            <a:r>
+              <a:rPr sz="1400"/>
+              <a:t>copyrighted </a:t>
+            </a:r>
+            <a:r>
+              <a:rPr sz="1400"/>
+              <a:t>material. </a:t>
+            </a:r>
+          </a:p>
+          <a:p>
+            <a:r>
+              <a:rPr sz="1400"/>
+              <a:t>* </a:t>
+            </a:r>
+            <a:r>
+              <a:rPr sz="1400"/>
               <a:t>This </a:t>
             </a:r>
             <a:r>
               <a:rPr sz="1400"/>
-              <a:t>course, </a:t>
-            </a:r>
-            <a:r>
-              <a:rPr sz="1400"/>
-              <a:t>ICT </a:t>
-            </a:r>
-            <a:r>
-              <a:rPr sz="1400"/>
-              <a:t>2215 </a:t>
-            </a:r>
-            <a:r>
-              <a:rPr sz="1400"/>
-              <a:t>Mobile </a:t>
-            </a:r>
-            <a:r>
-              <a:rPr sz="1400"/>
-              <a:t>Security, </a:t>
-            </a:r>
-            <a:r>
-              <a:rPr sz="1400"/>
-              <a:t>delves </a:t>
-            </a:r>
-            <a:r>
-              <a:rPr sz="1400"/>
-              <a:t>into </a:t>
+              <a:t>method </a:t>
+            </a:r>
+            <a:r>
+              <a:rPr sz="1400"/>
+              <a:t>aimed </a:t>
+            </a:r>
+            <a:r>
+              <a:rPr sz="1400"/>
+              <a:t>to </a:t>
+            </a:r>
+            <a:r>
+              <a:rPr sz="1400"/>
+              <a:t>demonstrate </a:t>
+            </a:r>
+            <a:r>
+              <a:rPr sz="1400"/>
+              <a:t>good </a:t>
+            </a:r>
+            <a:r>
+              <a:rPr sz="1400"/>
+              <a:t>faith </a:t>
+            </a:r>
+            <a:r>
+              <a:rPr sz="1400"/>
+              <a:t>efforts </a:t>
+            </a:r>
+            <a:r>
+              <a:rPr sz="1400"/>
+              <a:t>to </a:t>
+            </a:r>
+            <a:r>
+              <a:rPr sz="1400"/>
+              <a:t>avoid </a:t>
+            </a:r>
+            <a:r>
+              <a:rPr sz="1400"/>
+              <a:t>copyright </a:t>
+            </a:r>
+            <a:r>
+              <a:rPr sz="1400"/>
+              <a:t>infringement </a:t>
+            </a:r>
+            <a:r>
+              <a:rPr sz="1400"/>
+              <a:t>during </a:t>
             </a:r>
             <a:r>
               <a:rPr sz="1400"/>
@@ -3202,149 +3933,18 @@
             </a:r>
             <a:r>
               <a:rPr sz="1400"/>
-              <a:t>intricate </a:t>
-            </a:r>
-            <a:r>
-              <a:rPr sz="1400"/>
-              <a:t>world </a:t>
-            </a:r>
-            <a:r>
-              <a:rPr sz="1400"/>
-              <a:t>of </a:t>
-            </a:r>
-            <a:r>
-              <a:rPr sz="1400"/>
-              <a:t>Android </a:t>
-            </a:r>
-            <a:r>
-              <a:rPr sz="1400"/>
-              <a:t>app </a:t>
-            </a:r>
-            <a:r>
-              <a:rPr sz="1400"/>
-              <a:t>analysis. </a:t>
-            </a:r>
-            <a:r>
-              <a:rPr sz="1400"/>
-              <a:t>Led </a:t>
-            </a:r>
-            <a:r>
-              <a:rPr sz="1400"/>
-              <a:t>by </a:t>
-            </a:r>
-            <a:r>
-              <a:rPr sz="1400"/>
-              <a:t>A/Prof. </a:t>
-            </a:r>
-            <a:r>
-              <a:rPr sz="1400"/>
-              <a:t>Vivek </a:t>
-            </a:r>
-            <a:r>
-              <a:rPr sz="1400"/>
-              <a:t>Balachandran </a:t>
-            </a:r>
-            <a:r>
-              <a:rPr sz="1400"/>
-              <a:t>(Vivek.b@singaporetech.edu.sg), </a:t>
-            </a:r>
-            <a:r>
-              <a:rPr sz="1400"/>
-              <a:t>we </a:t>
-            </a:r>
-            <a:r>
-              <a:rPr sz="1400"/>
-              <a:t>will </a:t>
-            </a:r>
-            <a:r>
-              <a:rPr sz="1400"/>
-              <a:t>explore </a:t>
-            </a:r>
-            <a:r>
-              <a:rPr sz="1400"/>
-              <a:t>techniques </a:t>
-            </a:r>
-            <a:r>
-              <a:rPr sz="1400"/>
-              <a:t>to </a:t>
-            </a:r>
-            <a:r>
-              <a:rPr sz="1400"/>
-              <a:t>understand </a:t>
-            </a:r>
-            <a:r>
-              <a:rPr sz="1400"/>
-              <a:t>app </a:t>
-            </a:r>
-            <a:r>
-              <a:rPr sz="1400"/>
-              <a:t>functionality, </a:t>
-            </a:r>
-            <a:r>
-              <a:rPr sz="1400"/>
-              <a:t>identify </a:t>
-            </a:r>
-            <a:r>
-              <a:rPr sz="1400"/>
-              <a:t>vulnerabilities, </a:t>
-            </a:r>
-            <a:r>
-              <a:rPr sz="1400"/>
-              <a:t>and </a:t>
-            </a:r>
-            <a:r>
-              <a:rPr sz="1400"/>
-              <a:t>potentially </a:t>
-            </a:r>
-            <a:r>
-              <a:rPr sz="1400"/>
-              <a:t>modify </a:t>
-            </a:r>
-            <a:r>
-              <a:rPr sz="1400"/>
-              <a:t>their </a:t>
-            </a:r>
-            <a:r>
-              <a:rPr sz="1400"/>
-              <a:t>behavior. </a:t>
-            </a:r>
-            <a:r>
-              <a:rPr sz="1400"/>
-              <a:t>Get </a:t>
-            </a:r>
-            <a:r>
-              <a:rPr sz="1400"/>
-              <a:t>ready </a:t>
-            </a:r>
-            <a:r>
-              <a:rPr sz="1400"/>
-              <a:t>to </a:t>
-            </a:r>
-            <a:r>
-              <a:rPr sz="1400"/>
-              <a:t>unravel </a:t>
-            </a:r>
-            <a:r>
-              <a:rPr sz="1400"/>
-              <a:t>the </a:t>
-            </a:r>
-            <a:r>
-              <a:rPr sz="1400"/>
-              <a:t>secrets </a:t>
-            </a:r>
-            <a:r>
-              <a:rPr sz="1400"/>
-              <a:t>behind </a:t>
-            </a:r>
-            <a:r>
-              <a:rPr sz="1400"/>
-              <a:t>Android </a:t>
-            </a:r>
-            <a:r>
-              <a:rPr sz="1400"/>
-              <a:t>applications! </a:t>
-            </a:r>
-          </a:p>
+              <a:t>reverse </a:t>
+            </a:r>
+            <a:r>
+              <a:rPr sz="1400"/>
+              <a:t>engineering </a:t>
+            </a:r>
+            <a:r>
+              <a:rPr sz="1400"/>
+              <a:t>process. </a:t>
+            </a:r>
+          </a:p>
+          <a:p/>
         </p:txBody>
       </p:sp>
     </p:spTree>
@@ -3367,14 +3967,35 @@
       <p:grpSpPr/>
       <p:sp>
         <p:nvSpPr>
-          <p:cNvPr id="2" name="TextBox 1"/>
+          <p:cNvPr id="2" name="Title 1"/>
+          <p:cNvSpPr>
+            <a:spLocks noGrp="1"/>
+          </p:cNvSpPr>
+          <p:nvPr>
+            <p:ph type="title"/>
+          </p:nvPr>
+        </p:nvSpPr>
+        <p:spPr/>
+        <p:txBody>
+          <a:bodyPr/>
+          <a:lstStyle/>
+          <a:p>
+            <a:r>
+              <a:t>What to look for?</a:t>
+            </a:r>
+          </a:p>
+        </p:txBody>
+      </p:sp>
+      <p:sp>
+        <p:nvSpPr>
+          <p:cNvPr id="3" name="TextBox 2"/>
           <p:cNvSpPr txBox="1"/>
           <p:nvPr/>
         </p:nvSpPr>
         <p:spPr>
           <a:xfrm>
-            <a:off x="228600" y="228600"/>
-            <a:ext cx="8229600" cy="457200"/>
+            <a:off x="914400" y="1371600"/>
+            <a:ext cx="7315200" cy="3657600"/>
           </a:xfrm>
           <a:prstGeom prst="rect">
             <a:avLst/>
@@ -3386,42 +4007,12 @@
             <a:spAutoFit/>
           </a:bodyPr>
           <a:lstStyle/>
-          <a:p>
-            <a:r>
-              <a:rPr sz="1400"/>
-              <a:t>What to look for?</a:t>
-            </a:r>
-          </a:p>
-        </p:txBody>
-      </p:sp>
-      <p:sp>
-        <p:nvSpPr>
-          <p:cNvPr id="3" name="TextBox 2"/>
-          <p:cNvSpPr txBox="1"/>
-          <p:nvPr/>
-        </p:nvSpPr>
-        <p:spPr>
-          <a:xfrm>
-            <a:off x="228600" y="685800"/>
-            <a:ext cx="8229600" cy="3657600"/>
-          </a:xfrm>
-          <a:prstGeom prst="rect">
-            <a:avLst/>
-          </a:prstGeom>
-          <a:noFill/>
-        </p:spPr>
-        <p:txBody>
-          <a:bodyPr wrap="square">
-            <a:spAutoFit/>
-          </a:bodyPr>
-          <a:lstStyle/>
           <a:p/>
           <a:p>
-            <a:pPr algn="l">
+            <a:pPr>
               <a:defRPr sz="2000" b="1"/>
             </a:pPr>
             <a:r>
-              <a:rPr sz="1400"/>
               <a:t>Exported Activities: A Potential Entry Point</a:t>
             </a:r>
           </a:p>
@@ -3606,14 +4197,35 @@
       <p:grpSpPr/>
       <p:sp>
         <p:nvSpPr>
-          <p:cNvPr id="2" name="TextBox 1"/>
+          <p:cNvPr id="2" name="Title 1"/>
+          <p:cNvSpPr>
+            <a:spLocks noGrp="1"/>
+          </p:cNvSpPr>
+          <p:nvPr>
+            <p:ph type="title"/>
+          </p:nvPr>
+        </p:nvSpPr>
+        <p:spPr/>
+        <p:txBody>
+          <a:bodyPr/>
+          <a:lstStyle/>
+          <a:p>
+            <a:r>
+              <a:t>Reverse Engineering</a:t>
+            </a:r>
+          </a:p>
+        </p:txBody>
+      </p:sp>
+      <p:sp>
+        <p:nvSpPr>
+          <p:cNvPr id="3" name="TextBox 2"/>
           <p:cNvSpPr txBox="1"/>
           <p:nvPr/>
         </p:nvSpPr>
         <p:spPr>
           <a:xfrm>
-            <a:off x="228600" y="228600"/>
-            <a:ext cx="8229600" cy="457200"/>
+            <a:off x="914400" y="1371600"/>
+            <a:ext cx="7315200" cy="3657600"/>
           </a:xfrm>
           <a:prstGeom prst="rect">
             <a:avLst/>
@@ -3625,42 +4237,12 @@
             <a:spAutoFit/>
           </a:bodyPr>
           <a:lstStyle/>
-          <a:p>
-            <a:r>
-              <a:rPr sz="1400"/>
-              <a:t>Reverse Engineering</a:t>
-            </a:r>
-          </a:p>
-        </p:txBody>
-      </p:sp>
-      <p:sp>
-        <p:nvSpPr>
-          <p:cNvPr id="3" name="TextBox 2"/>
-          <p:cNvSpPr txBox="1"/>
-          <p:nvPr/>
-        </p:nvSpPr>
-        <p:spPr>
-          <a:xfrm>
-            <a:off x="228600" y="685800"/>
-            <a:ext cx="8229600" cy="3657600"/>
-          </a:xfrm>
-          <a:prstGeom prst="rect">
-            <a:avLst/>
-          </a:prstGeom>
-          <a:noFill/>
-        </p:spPr>
-        <p:txBody>
-          <a:bodyPr wrap="square">
-            <a:spAutoFit/>
-          </a:bodyPr>
-          <a:lstStyle/>
           <a:p/>
           <a:p>
-            <a:pPr algn="l">
+            <a:pPr>
               <a:defRPr sz="2000" b="1"/>
             </a:pPr>
             <a:r>
-              <a:rPr sz="1400"/>
               <a:t>Decoding the Code</a:t>
             </a:r>
           </a:p>
@@ -3742,165 +4324,165 @@
           <a:p/>
           <a:p>
             <a:r>
-              <a:rPr sz="1400"/>
-              <a:t>• </a:t>
-            </a:r>
-            <a:r>
-              <a:rPr b="1" sz="1400"/>
+              <a:rPr sz="1200"/>
+              <a:t>* </a:t>
+            </a:r>
+            <a:r>
+              <a:rPr b="1" sz="1200"/>
               <a:t>Dex </a:t>
             </a:r>
             <a:r>
-              <a:rPr b="1" sz="1400"/>
+              <a:rPr b="1" sz="1200"/>
               <a:t>to </a:t>
             </a:r>
             <a:r>
-              <a:rPr b="1" sz="1400"/>
-              <a:t>Smali:</a:t>
-            </a:r>
-            <a:r>
-              <a:rPr sz="1400"/>
+              <a:rPr b="1" sz="1200"/>
+              <a:t>Smali: </a:t>
+            </a:r>
+            <a:r>
+              <a:rPr sz="1200"/>
               <a:t>Converting </a:t>
             </a:r>
             <a:r>
-              <a:rPr sz="1400"/>
+              <a:rPr sz="1200"/>
               <a:t>DEX </a:t>
             </a:r>
             <a:r>
-              <a:rPr sz="1400"/>
+              <a:rPr sz="1200"/>
               <a:t>into </a:t>
             </a:r>
             <a:r>
-              <a:rPr sz="1400"/>
+              <a:rPr sz="1200"/>
               <a:t>Smali, </a:t>
             </a:r>
             <a:r>
-              <a:rPr sz="1400"/>
+              <a:rPr sz="1200"/>
               <a:t>a </a:t>
             </a:r>
             <a:r>
-              <a:rPr sz="1400"/>
+              <a:rPr sz="1200"/>
               <a:t>human-readable </a:t>
             </a:r>
             <a:r>
-              <a:rPr sz="1400"/>
+              <a:rPr sz="1200"/>
               <a:t>intermediate </a:t>
             </a:r>
             <a:r>
-              <a:rPr sz="1400"/>
+              <a:rPr sz="1200"/>
               <a:t>language, </a:t>
             </a:r>
             <a:r>
-              <a:rPr sz="1400"/>
+              <a:rPr sz="1200"/>
               <a:t>using </a:t>
             </a:r>
             <a:r>
-              <a:rPr sz="1400"/>
+              <a:rPr sz="1200"/>
               <a:t>tools </a:t>
             </a:r>
             <a:r>
-              <a:rPr sz="1400"/>
+              <a:rPr sz="1200"/>
               <a:t>like </a:t>
             </a:r>
             <a:r>
-              <a:rPr sz="1400"/>
+              <a:rPr sz="1200"/>
               <a:t>apktool. </a:t>
             </a:r>
           </a:p>
           <a:p>
             <a:r>
-              <a:rPr sz="1400"/>
-              <a:t>• </a:t>
-            </a:r>
-            <a:r>
-              <a:rPr b="1" sz="1400"/>
+              <a:rPr sz="1200"/>
+              <a:t>* </a:t>
+            </a:r>
+            <a:r>
+              <a:rPr b="1" sz="1200"/>
               <a:t>Native </a:t>
             </a:r>
             <a:r>
-              <a:rPr b="1" sz="1400"/>
+              <a:rPr b="1" sz="1200"/>
               <a:t>Code </a:t>
             </a:r>
             <a:r>
-              <a:rPr b="1" sz="1400"/>
-              <a:t>Analysis:</a:t>
-            </a:r>
-            <a:r>
-              <a:rPr sz="1400"/>
+              <a:rPr b="1" sz="1200"/>
+              <a:t>Analysis: </a:t>
+            </a:r>
+            <a:r>
+              <a:rPr sz="1200"/>
               <a:t>If </a:t>
             </a:r>
             <a:r>
-              <a:rPr sz="1400"/>
+              <a:rPr sz="1200"/>
               <a:t>the </a:t>
             </a:r>
             <a:r>
-              <a:rPr sz="1400"/>
+              <a:rPr sz="1200"/>
               <a:t>app </a:t>
             </a:r>
             <a:r>
-              <a:rPr sz="1400"/>
+              <a:rPr sz="1200"/>
               <a:t>contains </a:t>
             </a:r>
             <a:r>
-              <a:rPr sz="1400"/>
+              <a:rPr sz="1200"/>
               <a:t>native </a:t>
             </a:r>
             <a:r>
-              <a:rPr sz="1400"/>
+              <a:rPr sz="1200"/>
               <a:t>code </a:t>
             </a:r>
             <a:r>
-              <a:rPr sz="1400"/>
+              <a:rPr sz="1200"/>
               <a:t>(C/C++), </a:t>
             </a:r>
             <a:r>
-              <a:rPr sz="1400"/>
+              <a:rPr sz="1200"/>
               <a:t>it </a:t>
             </a:r>
             <a:r>
-              <a:rPr sz="1400"/>
+              <a:rPr sz="1200"/>
               <a:t>needs </a:t>
             </a:r>
             <a:r>
-              <a:rPr sz="1400"/>
+              <a:rPr sz="1200"/>
               <a:t>to </a:t>
             </a:r>
             <a:r>
-              <a:rPr sz="1400"/>
+              <a:rPr sz="1200"/>
               <a:t>be </a:t>
             </a:r>
             <a:r>
-              <a:rPr sz="1400"/>
+              <a:rPr sz="1200"/>
               <a:t>analyzed </a:t>
             </a:r>
             <a:r>
-              <a:rPr sz="1400"/>
+              <a:rPr sz="1200"/>
               <a:t>at </a:t>
             </a:r>
             <a:r>
-              <a:rPr sz="1400"/>
+              <a:rPr sz="1200"/>
               <a:t>the </a:t>
             </a:r>
             <a:r>
-              <a:rPr sz="1400"/>
+              <a:rPr sz="1200"/>
               <a:t>assembly </a:t>
             </a:r>
             <a:r>
-              <a:rPr sz="1400"/>
+              <a:rPr sz="1200"/>
               <a:t>level </a:t>
             </a:r>
             <a:r>
-              <a:rPr sz="1400"/>
+              <a:rPr sz="1200"/>
               <a:t>using </a:t>
             </a:r>
             <a:r>
-              <a:rPr sz="1400"/>
+              <a:rPr sz="1200"/>
               <a:t>disassemblers </a:t>
             </a:r>
             <a:r>
-              <a:rPr sz="1400"/>
+              <a:rPr sz="1200"/>
               <a:t>and </a:t>
             </a:r>
             <a:r>
-              <a:rPr sz="1400"/>
+              <a:rPr sz="1200"/>
               <a:t>debuggers. </a:t>
             </a:r>
           </a:p>
@@ -3926,14 +4508,35 @@
       <p:grpSpPr/>
       <p:sp>
         <p:nvSpPr>
-          <p:cNvPr id="2" name="TextBox 1"/>
+          <p:cNvPr id="2" name="Title 1"/>
+          <p:cNvSpPr>
+            <a:spLocks noGrp="1"/>
+          </p:cNvSpPr>
+          <p:nvPr>
+            <p:ph type="title"/>
+          </p:nvPr>
+        </p:nvSpPr>
+        <p:spPr/>
+        <p:txBody>
+          <a:bodyPr/>
+          <a:lstStyle/>
+          <a:p>
+            <a:r>
+              <a:t>Native Code Analysis</a:t>
+            </a:r>
+          </a:p>
+        </p:txBody>
+      </p:sp>
+      <p:sp>
+        <p:nvSpPr>
+          <p:cNvPr id="3" name="TextBox 2"/>
           <p:cNvSpPr txBox="1"/>
           <p:nvPr/>
         </p:nvSpPr>
         <p:spPr>
           <a:xfrm>
-            <a:off x="228600" y="228600"/>
-            <a:ext cx="8229600" cy="457200"/>
+            <a:off x="914400" y="1371600"/>
+            <a:ext cx="7315200" cy="3657600"/>
           </a:xfrm>
           <a:prstGeom prst="rect">
             <a:avLst/>
@@ -3945,42 +4548,12 @@
             <a:spAutoFit/>
           </a:bodyPr>
           <a:lstStyle/>
-          <a:p>
-            <a:r>
-              <a:rPr sz="1400"/>
-              <a:t>Native Code Analysis</a:t>
-            </a:r>
-          </a:p>
-        </p:txBody>
-      </p:sp>
-      <p:sp>
-        <p:nvSpPr>
-          <p:cNvPr id="3" name="TextBox 2"/>
-          <p:cNvSpPr txBox="1"/>
-          <p:nvPr/>
-        </p:nvSpPr>
-        <p:spPr>
-          <a:xfrm>
-            <a:off x="228600" y="685800"/>
-            <a:ext cx="8229600" cy="3657600"/>
-          </a:xfrm>
-          <a:prstGeom prst="rect">
-            <a:avLst/>
-          </a:prstGeom>
-          <a:noFill/>
-        </p:spPr>
-        <p:txBody>
-          <a:bodyPr wrap="square">
-            <a:spAutoFit/>
-          </a:bodyPr>
-          <a:lstStyle/>
           <a:p/>
           <a:p>
-            <a:pPr algn="l">
+            <a:pPr>
               <a:defRPr sz="2000" b="1"/>
             </a:pPr>
             <a:r>
-              <a:rPr sz="1400"/>
               <a:t>Bridging the Gap</a:t>
             </a:r>
           </a:p>
@@ -4193,14 +4766,35 @@
       <p:grpSpPr/>
       <p:sp>
         <p:nvSpPr>
-          <p:cNvPr id="2" name="TextBox 1"/>
+          <p:cNvPr id="2" name="Title 1"/>
+          <p:cNvSpPr>
+            <a:spLocks noGrp="1"/>
+          </p:cNvSpPr>
+          <p:nvPr>
+            <p:ph type="title"/>
+          </p:nvPr>
+        </p:nvSpPr>
+        <p:spPr/>
+        <p:txBody>
+          <a:bodyPr/>
+          <a:lstStyle/>
+          <a:p>
+            <a:r>
+              <a:t>Understanding code logic (Dex to Java)</a:t>
+            </a:r>
+          </a:p>
+        </p:txBody>
+      </p:sp>
+      <p:sp>
+        <p:nvSpPr>
+          <p:cNvPr id="3" name="TextBox 2"/>
           <p:cNvSpPr txBox="1"/>
           <p:nvPr/>
         </p:nvSpPr>
         <p:spPr>
           <a:xfrm>
-            <a:off x="228600" y="228600"/>
-            <a:ext cx="8229600" cy="457200"/>
+            <a:off x="914400" y="1371600"/>
+            <a:ext cx="7315200" cy="3657600"/>
           </a:xfrm>
           <a:prstGeom prst="rect">
             <a:avLst/>
@@ -4212,42 +4806,12 @@
             <a:spAutoFit/>
           </a:bodyPr>
           <a:lstStyle/>
-          <a:p>
-            <a:r>
-              <a:rPr sz="1400"/>
-              <a:t>Understanding code logic (Dex to Java)</a:t>
-            </a:r>
-          </a:p>
-        </p:txBody>
-      </p:sp>
-      <p:sp>
-        <p:nvSpPr>
-          <p:cNvPr id="3" name="TextBox 2"/>
-          <p:cNvSpPr txBox="1"/>
-          <p:nvPr/>
-        </p:nvSpPr>
-        <p:spPr>
-          <a:xfrm>
-            <a:off x="228600" y="685800"/>
-            <a:ext cx="8229600" cy="3657600"/>
-          </a:xfrm>
-          <a:prstGeom prst="rect">
-            <a:avLst/>
-          </a:prstGeom>
-          <a:noFill/>
-        </p:spPr>
-        <p:txBody>
-          <a:bodyPr wrap="square">
-            <a:spAutoFit/>
-          </a:bodyPr>
-          <a:lstStyle/>
           <a:p/>
           <a:p>
-            <a:pPr algn="l">
+            <a:pPr>
               <a:defRPr sz="2000" b="1"/>
             </a:pPr>
             <a:r>
-              <a:rPr sz="1400"/>
               <a:t>Recreating the Source</a:t>
             </a:r>
           </a:p>
@@ -4491,14 +5055,35 @@
       <p:grpSpPr/>
       <p:sp>
         <p:nvSpPr>
-          <p:cNvPr id="2" name="TextBox 1"/>
+          <p:cNvPr id="2" name="Title 1"/>
+          <p:cNvSpPr>
+            <a:spLocks noGrp="1"/>
+          </p:cNvSpPr>
+          <p:nvPr>
+            <p:ph type="title"/>
+          </p:nvPr>
+        </p:nvSpPr>
+        <p:spPr/>
+        <p:txBody>
+          <a:bodyPr/>
+          <a:lstStyle/>
+          <a:p>
+            <a:r>
+              <a:t>Modifying and Patching App</a:t>
+            </a:r>
+          </a:p>
+        </p:txBody>
+      </p:sp>
+      <p:sp>
+        <p:nvSpPr>
+          <p:cNvPr id="3" name="TextBox 2"/>
           <p:cNvSpPr txBox="1"/>
           <p:nvPr/>
         </p:nvSpPr>
         <p:spPr>
           <a:xfrm>
-            <a:off x="228600" y="228600"/>
-            <a:ext cx="8229600" cy="457200"/>
+            <a:off x="914400" y="1371600"/>
+            <a:ext cx="7315200" cy="3657600"/>
           </a:xfrm>
           <a:prstGeom prst="rect">
             <a:avLst/>
@@ -4510,42 +5095,12 @@
             <a:spAutoFit/>
           </a:bodyPr>
           <a:lstStyle/>
-          <a:p>
-            <a:r>
-              <a:rPr sz="1400"/>
-              <a:t>Modifying and Patching App</a:t>
-            </a:r>
-          </a:p>
-        </p:txBody>
-      </p:sp>
-      <p:sp>
-        <p:nvSpPr>
-          <p:cNvPr id="3" name="TextBox 2"/>
-          <p:cNvSpPr txBox="1"/>
-          <p:nvPr/>
-        </p:nvSpPr>
-        <p:spPr>
-          <a:xfrm>
-            <a:off x="228600" y="685800"/>
-            <a:ext cx="8229600" cy="3657600"/>
-          </a:xfrm>
-          <a:prstGeom prst="rect">
-            <a:avLst/>
-          </a:prstGeom>
-          <a:noFill/>
-        </p:spPr>
-        <p:txBody>
-          <a:bodyPr wrap="square">
-            <a:spAutoFit/>
-          </a:bodyPr>
-          <a:lstStyle/>
           <a:p/>
           <a:p>
-            <a:pPr algn="l">
+            <a:pPr>
               <a:defRPr sz="2000" b="1"/>
             </a:pPr>
             <a:r>
-              <a:rPr sz="1400"/>
               <a:t>App Modification: Tread Carefully</a:t>
             </a:r>
           </a:p>
@@ -4591,8 +5146,8 @@
               <a:t>to </a:t>
             </a:r>
             <a:r>
-              <a:rPr sz="1400"/>
-              <a:t>Smali:** </a:t>
+              <a:rPr b="1" sz="1400"/>
+              <a:t>Smali: </a:t>
             </a:r>
             <a:r>
               <a:rPr sz="1400"/>
@@ -4637,8 +5192,8 @@
               <a:t>Smali </a:t>
             </a:r>
             <a:r>
-              <a:rPr sz="1400"/>
-              <a:t>Code:** </a:t>
+              <a:rPr b="1" sz="1400"/>
+              <a:t>Code: </a:t>
             </a:r>
             <a:r>
               <a:rPr sz="1400"/>
@@ -4691,8 +5246,8 @@
               <a:t>Resources </a:t>
             </a:r>
             <a:r>
-              <a:rPr sz="1400"/>
-              <a:t>(Optional):** </a:t>
+              <a:rPr b="1" sz="1400"/>
+              <a:t>(Optional): </a:t>
             </a:r>
             <a:r>
               <a:rPr sz="1400"/>
@@ -4741,8 +5296,8 @@
               <a:t>and </a:t>
             </a:r>
             <a:r>
-              <a:rPr sz="1400"/>
-              <a:t>Re-sign:** </a:t>
+              <a:rPr b="1" sz="1400"/>
+              <a:t>Re-sign: </a:t>
             </a:r>
             <a:r>
               <a:rPr sz="1400"/>
@@ -4788,87 +5343,87 @@
           <a:p/>
           <a:p>
             <a:r>
-              <a:rPr b="1" sz="1400"/>
-              <a:t>Important: </a:t>
-            </a:r>
-            <a:r>
-              <a:rPr sz="1400"/>
+              <a:rPr b="1" sz="1200"/>
+              <a:t>Important:</a:t>
+            </a:r>
+            <a:r>
+              <a:rPr sz="1200"/>
               <a:t>Always </a:t>
             </a:r>
             <a:r>
-              <a:rPr sz="1400"/>
+              <a:rPr sz="1200"/>
               <a:t>respect </a:t>
             </a:r>
             <a:r>
-              <a:rPr sz="1400"/>
+              <a:rPr sz="1200"/>
               <a:t>the </a:t>
             </a:r>
             <a:r>
-              <a:rPr sz="1400"/>
+              <a:rPr sz="1200"/>
               <a:t>app's </a:t>
             </a:r>
             <a:r>
-              <a:rPr sz="1400"/>
+              <a:rPr sz="1200"/>
               <a:t>End </a:t>
             </a:r>
             <a:r>
-              <a:rPr sz="1400"/>
+              <a:rPr sz="1200"/>
               <a:t>User </a:t>
             </a:r>
             <a:r>
-              <a:rPr sz="1400"/>
+              <a:rPr sz="1200"/>
               <a:t>License </a:t>
             </a:r>
             <a:r>
-              <a:rPr sz="1400"/>
+              <a:rPr sz="1200"/>
               <a:t>Agreement </a:t>
             </a:r>
             <a:r>
-              <a:rPr sz="1400"/>
+              <a:rPr sz="1200"/>
               <a:t>(EULA) </a:t>
             </a:r>
             <a:r>
-              <a:rPr sz="1400"/>
+              <a:rPr sz="1200"/>
               <a:t>and </a:t>
             </a:r>
             <a:r>
-              <a:rPr sz="1400"/>
+              <a:rPr sz="1200"/>
               <a:t>copyright </a:t>
             </a:r>
             <a:r>
-              <a:rPr sz="1400"/>
+              <a:rPr sz="1200"/>
               <a:t>laws. </a:t>
             </a:r>
             <a:r>
-              <a:rPr sz="1400"/>
+              <a:rPr sz="1200"/>
               <a:t>Modifying </a:t>
             </a:r>
             <a:r>
-              <a:rPr sz="1400"/>
+              <a:rPr sz="1200"/>
               <a:t>apps </a:t>
             </a:r>
             <a:r>
-              <a:rPr sz="1400"/>
+              <a:rPr sz="1200"/>
               <a:t>without </a:t>
             </a:r>
             <a:r>
-              <a:rPr sz="1400"/>
+              <a:rPr sz="1200"/>
               <a:t>permission </a:t>
             </a:r>
             <a:r>
-              <a:rPr sz="1400"/>
+              <a:rPr sz="1200"/>
               <a:t>can </a:t>
             </a:r>
             <a:r>
-              <a:rPr sz="1400"/>
+              <a:rPr sz="1200"/>
               <a:t>have </a:t>
             </a:r>
             <a:r>
-              <a:rPr sz="1400"/>
+              <a:rPr sz="1200"/>
               <a:t>legal </a:t>
             </a:r>
             <a:r>
-              <a:rPr sz="1400"/>
+              <a:rPr sz="1200"/>
               <a:t>consequences. </a:t>
             </a:r>
           </a:p>
@@ -4894,14 +5449,35 @@
       <p:grpSpPr/>
       <p:sp>
         <p:nvSpPr>
-          <p:cNvPr id="2" name="TextBox 1"/>
+          <p:cNvPr id="2" name="Title 1"/>
+          <p:cNvSpPr>
+            <a:spLocks noGrp="1"/>
+          </p:cNvSpPr>
+          <p:nvPr>
+            <p:ph type="title"/>
+          </p:nvPr>
+        </p:nvSpPr>
+        <p:spPr/>
+        <p:txBody>
+          <a:bodyPr/>
+          <a:lstStyle/>
+          <a:p>
+            <a:r>
+              <a:t>Crash Course on Programming Language</a:t>
+            </a:r>
+          </a:p>
+        </p:txBody>
+      </p:sp>
+      <p:sp>
+        <p:nvSpPr>
+          <p:cNvPr id="3" name="TextBox 2"/>
           <p:cNvSpPr txBox="1"/>
           <p:nvPr/>
         </p:nvSpPr>
         <p:spPr>
           <a:xfrm>
-            <a:off x="228600" y="228600"/>
-            <a:ext cx="8229600" cy="457200"/>
+            <a:off x="914400" y="1371600"/>
+            <a:ext cx="7315200" cy="3657600"/>
           </a:xfrm>
           <a:prstGeom prst="rect">
             <a:avLst/>
@@ -4913,42 +5489,12 @@
             <a:spAutoFit/>
           </a:bodyPr>
           <a:lstStyle/>
-          <a:p>
-            <a:r>
-              <a:rPr sz="1400"/>
-              <a:t>Crash Course on Programming Language</a:t>
-            </a:r>
-          </a:p>
-        </p:txBody>
-      </p:sp>
-      <p:sp>
-        <p:nvSpPr>
-          <p:cNvPr id="3" name="TextBox 2"/>
-          <p:cNvSpPr txBox="1"/>
-          <p:nvPr/>
-        </p:nvSpPr>
-        <p:spPr>
-          <a:xfrm>
-            <a:off x="228600" y="685800"/>
-            <a:ext cx="8229600" cy="3657600"/>
-          </a:xfrm>
-          <a:prstGeom prst="rect">
-            <a:avLst/>
-          </a:prstGeom>
-          <a:noFill/>
-        </p:spPr>
-        <p:txBody>
-          <a:bodyPr wrap="square">
-            <a:spAutoFit/>
-          </a:bodyPr>
-          <a:lstStyle/>
           <a:p/>
           <a:p>
-            <a:pPr algn="l">
+            <a:pPr>
               <a:defRPr sz="2000" b="1"/>
             </a:pPr>
             <a:r>
-              <a:rPr sz="1400"/>
               <a:t>Building Blocks of Code</a:t>
             </a:r>
           </a:p>
@@ -5022,199 +5568,199 @@
           <a:p/>
           <a:p>
             <a:r>
-              <a:rPr sz="1400"/>
-              <a:t>• </a:t>
-            </a:r>
-            <a:r>
-              <a:rPr b="1" sz="1400"/>
+              <a:rPr sz="1200"/>
+              <a:t>* </a:t>
+            </a:r>
+            <a:r>
+              <a:rPr b="1" sz="1200"/>
               <a:t>Designing </a:t>
             </a:r>
             <a:r>
-              <a:rPr b="1" sz="1400"/>
+              <a:rPr b="1" sz="1200"/>
               <a:t>a </a:t>
             </a:r>
             <a:r>
-              <a:rPr b="1" sz="1400"/>
+              <a:rPr b="1" sz="1200"/>
               <a:t>Dummy </a:t>
             </a:r>
             <a:r>
-              <a:rPr b="1" sz="1400"/>
+              <a:rPr b="1" sz="1200"/>
               <a:t>Assembly </a:t>
             </a:r>
             <a:r>
-              <a:rPr b="1" sz="1400"/>
-              <a:t>Language:</a:t>
-            </a:r>
-            <a:r>
-              <a:rPr sz="1400"/>
+              <a:rPr b="1" sz="1200"/>
+              <a:t>Language: </a:t>
+            </a:r>
+            <a:r>
+              <a:rPr sz="1200"/>
               <a:t>We'll </a:t>
             </a:r>
             <a:r>
-              <a:rPr sz="1400"/>
+              <a:rPr sz="1200"/>
               <a:t>create </a:t>
             </a:r>
             <a:r>
-              <a:rPr sz="1400"/>
+              <a:rPr sz="1200"/>
               <a:t>a </a:t>
             </a:r>
             <a:r>
-              <a:rPr sz="1400"/>
+              <a:rPr sz="1200"/>
               <a:t>simplified </a:t>
             </a:r>
             <a:r>
-              <a:rPr sz="1400"/>
+              <a:rPr sz="1200"/>
               <a:t>assembly </a:t>
             </a:r>
             <a:r>
-              <a:rPr sz="1400"/>
+              <a:rPr sz="1200"/>
               <a:t>language </a:t>
             </a:r>
             <a:r>
-              <a:rPr sz="1400"/>
+              <a:rPr sz="1200"/>
               <a:t>with </a:t>
             </a:r>
             <a:r>
-              <a:rPr sz="1400"/>
+              <a:rPr sz="1200"/>
               <a:t>its </a:t>
             </a:r>
             <a:r>
-              <a:rPr sz="1400"/>
+              <a:rPr sz="1200"/>
               <a:t>own </a:t>
             </a:r>
             <a:r>
-              <a:rPr sz="1400"/>
+              <a:rPr sz="1200"/>
               <a:t>set </a:t>
             </a:r>
             <a:r>
-              <a:rPr sz="1400"/>
+              <a:rPr sz="1200"/>
               <a:t>of </a:t>
             </a:r>
             <a:r>
-              <a:rPr sz="1400"/>
+              <a:rPr sz="1200"/>
               <a:t>instructions. </a:t>
             </a:r>
           </a:p>
           <a:p>
             <a:r>
-              <a:rPr sz="1400"/>
-              <a:t>• </a:t>
-            </a:r>
-            <a:r>
-              <a:rPr b="1" sz="1400"/>
+              <a:rPr sz="1200"/>
+              <a:t>* </a:t>
+            </a:r>
+            <a:r>
+              <a:rPr b="1" sz="1200"/>
               <a:t>Binary </a:t>
             </a:r>
             <a:r>
-              <a:rPr b="1" sz="1400"/>
+              <a:rPr b="1" sz="1200"/>
               <a:t>Code </a:t>
             </a:r>
             <a:r>
-              <a:rPr b="1" sz="1400"/>
-              <a:t>Representation:</a:t>
-            </a:r>
-            <a:r>
-              <a:rPr sz="1400"/>
+              <a:rPr b="1" sz="1200"/>
+              <a:t>Representation: </a:t>
+            </a:r>
+            <a:r>
+              <a:rPr sz="1200"/>
               <a:t>We'll </a:t>
             </a:r>
             <a:r>
-              <a:rPr sz="1400"/>
+              <a:rPr sz="1200"/>
               <a:t>define </a:t>
             </a:r>
             <a:r>
-              <a:rPr sz="1400"/>
+              <a:rPr sz="1200"/>
               <a:t>how </a:t>
             </a:r>
             <a:r>
-              <a:rPr sz="1400"/>
+              <a:rPr sz="1200"/>
               <a:t>these </a:t>
             </a:r>
             <a:r>
-              <a:rPr sz="1400"/>
+              <a:rPr sz="1200"/>
               <a:t>instructions </a:t>
             </a:r>
             <a:r>
-              <a:rPr sz="1400"/>
+              <a:rPr sz="1200"/>
               <a:t>are </a:t>
             </a:r>
             <a:r>
-              <a:rPr sz="1400"/>
+              <a:rPr sz="1200"/>
               <a:t>represented </a:t>
             </a:r>
             <a:r>
-              <a:rPr sz="1400"/>
+              <a:rPr sz="1200"/>
               <a:t>in </a:t>
             </a:r>
             <a:r>
-              <a:rPr sz="1400"/>
+              <a:rPr sz="1200"/>
               <a:t>binary </a:t>
             </a:r>
             <a:r>
-              <a:rPr sz="1400"/>
+              <a:rPr sz="1200"/>
               <a:t>form. </a:t>
             </a:r>
           </a:p>
           <a:p>
             <a:r>
-              <a:rPr sz="1400"/>
-              <a:t>• </a:t>
-            </a:r>
-            <a:r>
-              <a:rPr b="1" sz="1400"/>
+              <a:rPr sz="1200"/>
+              <a:t>* </a:t>
+            </a:r>
+            <a:r>
+              <a:rPr b="1" sz="1200"/>
               <a:t>Assembly </a:t>
             </a:r>
             <a:r>
-              <a:rPr b="1" sz="1400"/>
+              <a:rPr b="1" sz="1200"/>
               <a:t>to </a:t>
             </a:r>
             <a:r>
-              <a:rPr b="1" sz="1400"/>
+              <a:rPr b="1" sz="1200"/>
               <a:t>Binary </a:t>
             </a:r>
             <a:r>
-              <a:rPr b="1" sz="1400"/>
-              <a:t>Conversion:</a:t>
-            </a:r>
-            <a:r>
-              <a:rPr sz="1400"/>
+              <a:rPr b="1" sz="1200"/>
+              <a:t>Conversion: </a:t>
+            </a:r>
+            <a:r>
+              <a:rPr sz="1200"/>
               <a:t>Learn </a:t>
             </a:r>
             <a:r>
-              <a:rPr sz="1400"/>
+              <a:rPr sz="1200"/>
               <a:t>how </a:t>
             </a:r>
             <a:r>
-              <a:rPr sz="1400"/>
+              <a:rPr sz="1200"/>
               <a:t>to </a:t>
             </a:r>
             <a:r>
-              <a:rPr sz="1400"/>
+              <a:rPr sz="1200"/>
               <a:t>convert </a:t>
             </a:r>
             <a:r>
-              <a:rPr sz="1400"/>
+              <a:rPr sz="1200"/>
               <a:t>assembly </a:t>
             </a:r>
             <a:r>
-              <a:rPr sz="1400"/>
+              <a:rPr sz="1200"/>
               <a:t>code </a:t>
             </a:r>
             <a:r>
-              <a:rPr sz="1400"/>
+              <a:rPr sz="1200"/>
               <a:t>into </a:t>
             </a:r>
             <a:r>
-              <a:rPr sz="1400"/>
+              <a:rPr sz="1200"/>
               <a:t>its </a:t>
             </a:r>
             <a:r>
-              <a:rPr sz="1400"/>
+              <a:rPr sz="1200"/>
               <a:t>corresponding </a:t>
             </a:r>
             <a:r>
-              <a:rPr sz="1400"/>
+              <a:rPr sz="1200"/>
               <a:t>binary </a:t>
             </a:r>
             <a:r>
-              <a:rPr sz="1400"/>
+              <a:rPr sz="1200"/>
               <a:t>representation. </a:t>
             </a:r>
           </a:p>
@@ -5240,14 +5786,35 @@
       <p:grpSpPr/>
       <p:sp>
         <p:nvSpPr>
-          <p:cNvPr id="2" name="TextBox 1"/>
+          <p:cNvPr id="2" name="Title 1"/>
+          <p:cNvSpPr>
+            <a:spLocks noGrp="1"/>
+          </p:cNvSpPr>
+          <p:nvPr>
+            <p:ph type="title"/>
+          </p:nvPr>
+        </p:nvSpPr>
+        <p:spPr/>
+        <p:txBody>
+          <a:bodyPr/>
+          <a:lstStyle/>
+          <a:p>
+            <a:r>
+              <a:t>Overview</a:t>
+            </a:r>
+          </a:p>
+        </p:txBody>
+      </p:sp>
+      <p:sp>
+        <p:nvSpPr>
+          <p:cNvPr id="3" name="TextBox 2"/>
           <p:cNvSpPr txBox="1"/>
           <p:nvPr/>
         </p:nvSpPr>
         <p:spPr>
           <a:xfrm>
-            <a:off x="228600" y="228600"/>
-            <a:ext cx="8229600" cy="457200"/>
+            <a:off x="914400" y="1371600"/>
+            <a:ext cx="7315200" cy="3657600"/>
           </a:xfrm>
           <a:prstGeom prst="rect">
             <a:avLst/>
@@ -5259,429 +5826,399 @@
             <a:spAutoFit/>
           </a:bodyPr>
           <a:lstStyle/>
-          <a:p>
-            <a:r>
-              <a:rPr sz="1400"/>
-              <a:t>Overview</a:t>
-            </a:r>
-          </a:p>
-        </p:txBody>
-      </p:sp>
-      <p:sp>
-        <p:nvSpPr>
-          <p:cNvPr id="3" name="TextBox 2"/>
-          <p:cNvSpPr txBox="1"/>
-          <p:nvPr/>
-        </p:nvSpPr>
-        <p:spPr>
-          <a:xfrm>
-            <a:off x="228600" y="685800"/>
-            <a:ext cx="8229600" cy="3657600"/>
-          </a:xfrm>
-          <a:prstGeom prst="rect">
-            <a:avLst/>
-          </a:prstGeom>
-          <a:noFill/>
-        </p:spPr>
-        <p:txBody>
-          <a:bodyPr wrap="square">
-            <a:spAutoFit/>
-          </a:bodyPr>
-          <a:lstStyle/>
           <a:p/>
           <a:p>
-            <a:pPr algn="l">
+            <a:pPr>
               <a:defRPr sz="2000" b="1"/>
             </a:pPr>
             <a:r>
-              <a:rPr sz="1400"/>
               <a:t>Course Roadmap</a:t>
             </a:r>
           </a:p>
           <a:p/>
           <a:p>
             <a:r>
-              <a:rPr sz="1400"/>
-              <a:t>• </a:t>
-            </a:r>
-            <a:r>
-              <a:rPr b="1" sz="1400"/>
+              <a:rPr sz="1200"/>
+              <a:t>* </a:t>
+            </a:r>
+            <a:r>
+              <a:rPr b="1" sz="1200"/>
               <a:t>Android </a:t>
             </a:r>
             <a:r>
-              <a:rPr b="1" sz="1400"/>
+              <a:rPr b="1" sz="1200"/>
               <a:t>Reverse </a:t>
             </a:r>
             <a:r>
-              <a:rPr b="1" sz="1400"/>
-              <a:t>Engineering:</a:t>
-            </a:r>
-            <a:r>
-              <a:rPr sz="1400"/>
+              <a:rPr b="1" sz="1200"/>
+              <a:t>Engineering: </a:t>
+            </a:r>
+            <a:r>
+              <a:rPr sz="1200"/>
               <a:t>Understanding </a:t>
             </a:r>
             <a:r>
-              <a:rPr sz="1400"/>
+              <a:rPr sz="1200"/>
               <a:t>the </a:t>
             </a:r>
             <a:r>
-              <a:rPr sz="1400"/>
+              <a:rPr sz="1200"/>
               <a:t>core </a:t>
             </a:r>
             <a:r>
-              <a:rPr sz="1400"/>
+              <a:rPr sz="1200"/>
               <a:t>principles </a:t>
             </a:r>
             <a:r>
-              <a:rPr sz="1400"/>
+              <a:rPr sz="1200"/>
               <a:t>and </a:t>
             </a:r>
             <a:r>
-              <a:rPr sz="1400"/>
+              <a:rPr sz="1200"/>
               <a:t>methodologies. </a:t>
             </a:r>
           </a:p>
           <a:p>
             <a:r>
-              <a:rPr sz="1400"/>
-              <a:t>• </a:t>
-            </a:r>
-            <a:r>
-              <a:rPr b="1" sz="1400"/>
+              <a:rPr sz="1200"/>
+              <a:t>* </a:t>
+            </a:r>
+            <a:r>
+              <a:rPr b="1" sz="1200"/>
               <a:t>Android </a:t>
             </a:r>
             <a:r>
-              <a:rPr b="1" sz="1400"/>
+              <a:rPr b="1" sz="1200"/>
               <a:t>Code </a:t>
             </a:r>
             <a:r>
-              <a:rPr b="1" sz="1400"/>
-              <a:t>Structure:</a:t>
-            </a:r>
-            <a:r>
-              <a:rPr sz="1400"/>
+              <a:rPr b="1" sz="1200"/>
+              <a:t>Structure: </a:t>
+            </a:r>
+            <a:r>
+              <a:rPr sz="1200"/>
               <a:t>Exploring </a:t>
             </a:r>
             <a:r>
-              <a:rPr sz="1400"/>
+              <a:rPr sz="1200"/>
               <a:t>the </a:t>
             </a:r>
             <a:r>
-              <a:rPr sz="1400"/>
+              <a:rPr sz="1200"/>
               <a:t>organization </a:t>
             </a:r>
             <a:r>
-              <a:rPr sz="1400"/>
+              <a:rPr sz="1200"/>
               <a:t>of </a:t>
             </a:r>
             <a:r>
-              <a:rPr sz="1400"/>
+              <a:rPr sz="1200"/>
               <a:t>an </a:t>
             </a:r>
             <a:r>
-              <a:rPr sz="1400"/>
+              <a:rPr sz="1200"/>
               <a:t>Android </a:t>
             </a:r>
             <a:r>
-              <a:rPr sz="1400"/>
+              <a:rPr sz="1200"/>
               <a:t>app's </a:t>
             </a:r>
             <a:r>
-              <a:rPr sz="1400"/>
+              <a:rPr sz="1200"/>
               <a:t>codebase. </a:t>
             </a:r>
           </a:p>
           <a:p>
             <a:r>
-              <a:rPr sz="1400"/>
-              <a:t>• </a:t>
-            </a:r>
-            <a:r>
-              <a:rPr b="1" sz="1400"/>
+              <a:rPr sz="1200"/>
+              <a:t>* </a:t>
+            </a:r>
+            <a:r>
+              <a:rPr b="1" sz="1200"/>
               <a:t>Components </a:t>
             </a:r>
             <a:r>
-              <a:rPr b="1" sz="1400"/>
+              <a:rPr b="1" sz="1200"/>
               <a:t>in </a:t>
             </a:r>
             <a:r>
-              <a:rPr b="1" sz="1400"/>
+              <a:rPr b="1" sz="1200"/>
               <a:t>Manifest </a:t>
             </a:r>
             <a:r>
-              <a:rPr b="1" sz="1400"/>
-              <a:t>file:</a:t>
-            </a:r>
-            <a:r>
-              <a:rPr sz="1400"/>
+              <a:rPr b="1" sz="1200"/>
+              <a:t>file: </a:t>
+            </a:r>
+            <a:r>
+              <a:rPr sz="1200"/>
               <a:t>Decoding </a:t>
             </a:r>
             <a:r>
-              <a:rPr sz="1400"/>
+              <a:rPr sz="1200"/>
               <a:t>the </a:t>
             </a:r>
             <a:r>
-              <a:rPr sz="1400"/>
+              <a:rPr sz="1200"/>
               <a:t>essential </a:t>
             </a:r>
             <a:r>
-              <a:rPr sz="1400"/>
+              <a:rPr sz="1200"/>
               <a:t>app </a:t>
             </a:r>
             <a:r>
-              <a:rPr sz="1400"/>
+              <a:rPr sz="1200"/>
               <a:t>metadata </a:t>
             </a:r>
             <a:r>
-              <a:rPr sz="1400"/>
+              <a:rPr sz="1200"/>
               <a:t>within </a:t>
             </a:r>
             <a:r>
-              <a:rPr sz="1400"/>
+              <a:rPr sz="1200"/>
               <a:t>the </a:t>
             </a:r>
             <a:r>
-              <a:rPr sz="1400"/>
+              <a:rPr sz="1200"/>
               <a:t>manifest. </a:t>
             </a:r>
           </a:p>
           <a:p>
             <a:r>
-              <a:rPr sz="1400"/>
-              <a:t>• </a:t>
-            </a:r>
-            <a:r>
-              <a:rPr b="1" sz="1400"/>
+              <a:rPr sz="1200"/>
+              <a:t>* </a:t>
+            </a:r>
+            <a:r>
+              <a:rPr b="1" sz="1200"/>
               <a:t>Dex </a:t>
             </a:r>
             <a:r>
-              <a:rPr b="1" sz="1400"/>
+              <a:rPr b="1" sz="1200"/>
               <a:t>to </a:t>
             </a:r>
             <a:r>
-              <a:rPr b="1" sz="1400"/>
-              <a:t>Smali:</a:t>
-            </a:r>
-            <a:r>
-              <a:rPr sz="1400"/>
+              <a:rPr b="1" sz="1200"/>
+              <a:t>Smali: </a:t>
+            </a:r>
+            <a:r>
+              <a:rPr sz="1200"/>
               <a:t>Disassembling </a:t>
             </a:r>
             <a:r>
-              <a:rPr sz="1400"/>
+              <a:rPr sz="1200"/>
               <a:t>DEX </a:t>
             </a:r>
             <a:r>
-              <a:rPr sz="1400"/>
+              <a:rPr sz="1200"/>
               <a:t>bytecode </a:t>
             </a:r>
             <a:r>
-              <a:rPr sz="1400"/>
+              <a:rPr sz="1200"/>
               <a:t>into </a:t>
             </a:r>
             <a:r>
-              <a:rPr sz="1400"/>
+              <a:rPr sz="1200"/>
               <a:t>human-readable </a:t>
             </a:r>
             <a:r>
-              <a:rPr sz="1400"/>
+              <a:rPr sz="1200"/>
               <a:t>Smali </a:t>
             </a:r>
             <a:r>
-              <a:rPr sz="1400"/>
+              <a:rPr sz="1200"/>
               <a:t>code. </a:t>
             </a:r>
           </a:p>
           <a:p>
             <a:r>
-              <a:rPr sz="1400"/>
-              <a:t>• </a:t>
-            </a:r>
-            <a:r>
-              <a:rPr b="1" sz="1400"/>
+              <a:rPr sz="1200"/>
+              <a:t>* </a:t>
+            </a:r>
+            <a:r>
+              <a:rPr b="1" sz="1200"/>
               <a:t>Dex </a:t>
             </a:r>
             <a:r>
-              <a:rPr b="1" sz="1400"/>
+              <a:rPr b="1" sz="1200"/>
               <a:t>to </a:t>
             </a:r>
             <a:r>
-              <a:rPr b="1" sz="1400"/>
+              <a:rPr b="1" sz="1200"/>
               <a:t>Source </a:t>
             </a:r>
             <a:r>
-              <a:rPr b="1" sz="1400"/>
-              <a:t>code:</a:t>
-            </a:r>
-            <a:r>
-              <a:rPr sz="1400"/>
+              <a:rPr b="1" sz="1200"/>
+              <a:t>code: </a:t>
+            </a:r>
+            <a:r>
+              <a:rPr sz="1200"/>
               <a:t>Converting </a:t>
             </a:r>
             <a:r>
-              <a:rPr sz="1400"/>
+              <a:rPr sz="1200"/>
               <a:t>DEX </a:t>
             </a:r>
             <a:r>
-              <a:rPr sz="1400"/>
+              <a:rPr sz="1200"/>
               <a:t>bytecode </a:t>
             </a:r>
             <a:r>
-              <a:rPr sz="1400"/>
+              <a:rPr sz="1200"/>
               <a:t>back </a:t>
             </a:r>
             <a:r>
-              <a:rPr sz="1400"/>
+              <a:rPr sz="1200"/>
               <a:t>into </a:t>
             </a:r>
             <a:r>
-              <a:rPr sz="1400"/>
+              <a:rPr sz="1200"/>
               <a:t>Java </a:t>
             </a:r>
             <a:r>
-              <a:rPr sz="1400"/>
+              <a:rPr sz="1200"/>
               <a:t>or </a:t>
             </a:r>
             <a:r>
-              <a:rPr sz="1400"/>
+              <a:rPr sz="1200"/>
               <a:t>Kotlin </a:t>
             </a:r>
             <a:r>
-              <a:rPr sz="1400"/>
+              <a:rPr sz="1200"/>
               <a:t>source </a:t>
             </a:r>
             <a:r>
-              <a:rPr sz="1400"/>
+              <a:rPr sz="1200"/>
               <a:t>code. </a:t>
             </a:r>
           </a:p>
           <a:p>
             <a:r>
-              <a:rPr sz="1400"/>
-              <a:t>• </a:t>
-            </a:r>
-            <a:r>
-              <a:rPr b="1" sz="1400"/>
+              <a:rPr sz="1200"/>
+              <a:t>* </a:t>
+            </a:r>
+            <a:r>
+              <a:rPr b="1" sz="1200"/>
               <a:t>Native </a:t>
             </a:r>
             <a:r>
-              <a:rPr b="1" sz="1400"/>
+              <a:rPr b="1" sz="1200"/>
               <a:t>code </a:t>
             </a:r>
             <a:r>
-              <a:rPr b="1" sz="1400"/>
-              <a:t>analysis:</a:t>
-            </a:r>
-            <a:r>
-              <a:rPr sz="1400"/>
+              <a:rPr b="1" sz="1200"/>
+              <a:t>analysis: </a:t>
+            </a:r>
+            <a:r>
+              <a:rPr sz="1200"/>
               <a:t>Examining </a:t>
             </a:r>
             <a:r>
-              <a:rPr sz="1400"/>
+              <a:rPr sz="1200"/>
               <a:t>native </a:t>
             </a:r>
             <a:r>
-              <a:rPr sz="1400"/>
+              <a:rPr sz="1200"/>
               <a:t>code </a:t>
             </a:r>
             <a:r>
-              <a:rPr sz="1400"/>
+              <a:rPr sz="1200"/>
               <a:t>components </a:t>
             </a:r>
             <a:r>
-              <a:rPr sz="1400"/>
+              <a:rPr sz="1200"/>
               <a:t>written </a:t>
             </a:r>
             <a:r>
-              <a:rPr sz="1400"/>
+              <a:rPr sz="1200"/>
               <a:t>in </a:t>
             </a:r>
             <a:r>
-              <a:rPr sz="1400"/>
+              <a:rPr sz="1200"/>
               <a:t>languages </a:t>
             </a:r>
             <a:r>
-              <a:rPr sz="1400"/>
+              <a:rPr sz="1200"/>
               <a:t>like </a:t>
             </a:r>
             <a:r>
-              <a:rPr sz="1400"/>
+              <a:rPr sz="1200"/>
               <a:t>C. </a:t>
             </a:r>
           </a:p>
           <a:p>
             <a:r>
-              <a:rPr sz="1400"/>
-              <a:t>• </a:t>
-            </a:r>
-            <a:r>
-              <a:rPr b="1" sz="1400"/>
+              <a:rPr sz="1200"/>
+              <a:t>* </a:t>
+            </a:r>
+            <a:r>
+              <a:rPr b="1" sz="1200"/>
               <a:t>Design </a:t>
             </a:r>
             <a:r>
-              <a:rPr b="1" sz="1400"/>
+              <a:rPr b="1" sz="1200"/>
               <a:t>a </a:t>
             </a:r>
             <a:r>
-              <a:rPr b="1" sz="1400"/>
+              <a:rPr b="1" sz="1200"/>
               <a:t>dummy </a:t>
             </a:r>
             <a:r>
-              <a:rPr b="1" sz="1400"/>
+              <a:rPr b="1" sz="1200"/>
               <a:t>machine </a:t>
             </a:r>
             <a:r>
-              <a:rPr b="1" sz="1400"/>
-              <a:t>language:</a:t>
-            </a:r>
-            <a:r>
-              <a:rPr sz="1400"/>
+              <a:rPr b="1" sz="1200"/>
+              <a:t>language: </a:t>
+            </a:r>
+            <a:r>
+              <a:rPr sz="1200"/>
               <a:t>A </a:t>
             </a:r>
             <a:r>
-              <a:rPr sz="1400"/>
+              <a:rPr sz="1200"/>
               <a:t>practical </a:t>
             </a:r>
             <a:r>
-              <a:rPr sz="1400"/>
+              <a:rPr sz="1200"/>
               <a:t>exercise </a:t>
             </a:r>
             <a:r>
-              <a:rPr sz="1400"/>
+              <a:rPr sz="1200"/>
               <a:t>to </a:t>
             </a:r>
             <a:r>
-              <a:rPr sz="1400"/>
+              <a:rPr sz="1200"/>
               <a:t>solidify </a:t>
             </a:r>
             <a:r>
-              <a:rPr sz="1400"/>
+              <a:rPr sz="1200"/>
               <a:t>your </a:t>
             </a:r>
             <a:r>
-              <a:rPr sz="1400"/>
+              <a:rPr sz="1200"/>
               <a:t>understanding </a:t>
             </a:r>
             <a:r>
-              <a:rPr sz="1400"/>
+              <a:rPr sz="1200"/>
               <a:t>of </a:t>
             </a:r>
             <a:r>
-              <a:rPr sz="1400"/>
+              <a:rPr sz="1200"/>
               <a:t>low-level </a:t>
             </a:r>
             <a:r>
-              <a:rPr sz="1400"/>
+              <a:rPr sz="1200"/>
               <a:t>code </a:t>
             </a:r>
             <a:r>
-              <a:rPr sz="1400"/>
+              <a:rPr sz="1200"/>
               <a:t>and </a:t>
             </a:r>
             <a:r>
-              <a:rPr sz="1400"/>
+              <a:rPr sz="1200"/>
               <a:t>assembly </a:t>
             </a:r>
             <a:r>
-              <a:rPr sz="1400"/>
+              <a:rPr sz="1200"/>
               <a:t>language. </a:t>
             </a:r>
           </a:p>
@@ -5707,14 +6244,35 @@
       <p:grpSpPr/>
       <p:sp>
         <p:nvSpPr>
-          <p:cNvPr id="2" name="TextBox 1"/>
+          <p:cNvPr id="2" name="Title 1"/>
+          <p:cNvSpPr>
+            <a:spLocks noGrp="1"/>
+          </p:cNvSpPr>
+          <p:nvPr>
+            <p:ph type="title"/>
+          </p:nvPr>
+        </p:nvSpPr>
+        <p:spPr/>
+        <p:txBody>
+          <a:bodyPr/>
+          <a:lstStyle/>
+          <a:p>
+            <a:r>
+              <a:t>Administrative Matters</a:t>
+            </a:r>
+          </a:p>
+        </p:txBody>
+      </p:sp>
+      <p:sp>
+        <p:nvSpPr>
+          <p:cNvPr id="3" name="TextBox 2"/>
           <p:cNvSpPr txBox="1"/>
           <p:nvPr/>
         </p:nvSpPr>
         <p:spPr>
           <a:xfrm>
-            <a:off x="228600" y="228600"/>
-            <a:ext cx="8229600" cy="457200"/>
+            <a:off x="914400" y="1371600"/>
+            <a:ext cx="7315200" cy="3657600"/>
           </a:xfrm>
           <a:prstGeom prst="rect">
             <a:avLst/>
@@ -5726,315 +6284,285 @@
             <a:spAutoFit/>
           </a:bodyPr>
           <a:lstStyle/>
-          <a:p>
-            <a:r>
-              <a:rPr sz="1400"/>
-              <a:t>Administrative Matters</a:t>
-            </a:r>
-          </a:p>
-        </p:txBody>
-      </p:sp>
-      <p:sp>
-        <p:nvSpPr>
-          <p:cNvPr id="3" name="TextBox 2"/>
-          <p:cNvSpPr txBox="1"/>
-          <p:nvPr/>
-        </p:nvSpPr>
-        <p:spPr>
-          <a:xfrm>
-            <a:off x="228600" y="685800"/>
-            <a:ext cx="8229600" cy="3657600"/>
-          </a:xfrm>
-          <a:prstGeom prst="rect">
-            <a:avLst/>
-          </a:prstGeom>
-          <a:noFill/>
-        </p:spPr>
-        <p:txBody>
-          <a:bodyPr wrap="square">
-            <a:spAutoFit/>
-          </a:bodyPr>
-          <a:lstStyle/>
           <a:p/>
           <a:p>
-            <a:pPr algn="l">
+            <a:pPr>
               <a:defRPr sz="2000" b="1"/>
             </a:pPr>
             <a:r>
-              <a:rPr sz="1400"/>
               <a:t>Mark Your Calendars!</a:t>
             </a:r>
           </a:p>
           <a:p/>
           <a:p>
             <a:r>
-              <a:rPr sz="1400"/>
-              <a:t>• </a:t>
-            </a:r>
-            <a:r>
-              <a:rPr b="1" sz="1400"/>
+              <a:rPr sz="1200"/>
+              <a:t>* </a:t>
+            </a:r>
+            <a:r>
+              <a:rPr b="1" sz="1200"/>
               <a:t>Guest </a:t>
             </a:r>
             <a:r>
-              <a:rPr b="1" sz="1400"/>
-              <a:t>Lecture:</a:t>
-            </a:r>
-            <a:r>
-              <a:rPr sz="1400"/>
+              <a:rPr b="1" sz="1200"/>
+              <a:t>Lecture: </a:t>
+            </a:r>
+            <a:r>
+              <a:rPr sz="1200"/>
               <a:t>We'll </a:t>
             </a:r>
             <a:r>
-              <a:rPr sz="1400"/>
+              <a:rPr sz="1200"/>
               <a:t>have </a:t>
             </a:r>
             <a:r>
-              <a:rPr sz="1400"/>
+              <a:rPr sz="1200"/>
               <a:t>a </a:t>
             </a:r>
             <a:r>
-              <a:rPr sz="1400"/>
+              <a:rPr sz="1200"/>
               <a:t>special </a:t>
             </a:r>
             <a:r>
-              <a:rPr sz="1400"/>
+              <a:rPr sz="1200"/>
               <a:t>session </a:t>
             </a:r>
             <a:r>
-              <a:rPr sz="1400"/>
+              <a:rPr sz="1200"/>
               <a:t>led </a:t>
             </a:r>
             <a:r>
-              <a:rPr sz="1400"/>
+              <a:rPr sz="1200"/>
               <a:t>by </a:t>
             </a:r>
             <a:r>
-              <a:rPr sz="1400"/>
+              <a:rPr sz="1200"/>
               <a:t>DarkNavy, </a:t>
             </a:r>
             <a:r>
-              <a:rPr sz="1400"/>
+              <a:rPr sz="1200"/>
               <a:t>a </a:t>
             </a:r>
             <a:r>
-              <a:rPr sz="1400"/>
+              <a:rPr sz="1200"/>
               <a:t>renowned </a:t>
             </a:r>
             <a:r>
-              <a:rPr sz="1400"/>
+              <a:rPr sz="1200"/>
               <a:t>security </a:t>
             </a:r>
             <a:r>
-              <a:rPr sz="1400"/>
+              <a:rPr sz="1200"/>
               <a:t>expert </a:t>
             </a:r>
             <a:r>
-              <a:rPr sz="1400"/>
+              <a:rPr sz="1200"/>
               <a:t>from </a:t>
             </a:r>
             <a:r>
-              <a:rPr sz="1400"/>
+              <a:rPr sz="1200"/>
               <a:t>China. </a:t>
             </a:r>
           </a:p>
           <a:p>
             <a:r>
-              <a:rPr sz="1400"/>
-              <a:t>• </a:t>
-            </a:r>
-            <a:r>
-              <a:rPr b="1" sz="1400"/>
+              <a:rPr sz="1200"/>
+              <a:t>* </a:t>
+            </a:r>
+            <a:r>
+              <a:rPr b="1" sz="1200"/>
               <a:t>Date </a:t>
             </a:r>
             <a:r>
-              <a:rPr b="1" sz="1400"/>
+              <a:rPr b="1" sz="1200"/>
               <a:t>&amp; </a:t>
             </a:r>
             <a:r>
-              <a:rPr b="1" sz="1400"/>
-              <a:t>Time:</a:t>
-            </a:r>
-            <a:r>
-              <a:rPr sz="1400"/>
+              <a:rPr b="1" sz="1200"/>
+              <a:t>Time: </a:t>
+            </a:r>
+            <a:r>
+              <a:rPr sz="1200"/>
               <a:t>19th </a:t>
             </a:r>
             <a:r>
-              <a:rPr sz="1400"/>
+              <a:rPr sz="1200"/>
               <a:t>March </a:t>
             </a:r>
             <a:r>
-              <a:rPr sz="1400"/>
+              <a:rPr sz="1200"/>
               <a:t>2024, </a:t>
             </a:r>
             <a:r>
-              <a:rPr sz="1400"/>
+              <a:rPr sz="1200"/>
               <a:t>9 </a:t>
             </a:r>
             <a:r>
-              <a:rPr sz="1400"/>
+              <a:rPr sz="1200"/>
               <a:t>AM </a:t>
             </a:r>
             <a:r>
-              <a:rPr sz="1400"/>
+              <a:rPr sz="1200"/>
               <a:t>– </a:t>
             </a:r>
             <a:r>
-              <a:rPr sz="1400"/>
+              <a:rPr sz="1200"/>
               <a:t>11 </a:t>
             </a:r>
             <a:r>
-              <a:rPr sz="1400"/>
+              <a:rPr sz="1200"/>
               <a:t>AM </a:t>
             </a:r>
           </a:p>
           <a:p>
             <a:r>
-              <a:rPr sz="1400"/>
-              <a:t>• </a:t>
-            </a:r>
-            <a:r>
-              <a:rPr b="1" sz="1400"/>
-              <a:t>Format: </a:t>
-            </a:r>
-            <a:r>
-              <a:rPr sz="1400"/>
+              <a:rPr sz="1200"/>
+              <a:t>* </a:t>
+            </a:r>
+            <a:r>
+              <a:rPr b="1" sz="1200"/>
+              <a:t>Format:</a:t>
+            </a:r>
+            <a:r>
+              <a:rPr sz="1200"/>
               <a:t>Hybrid </a:t>
             </a:r>
             <a:r>
-              <a:rPr sz="1400"/>
+              <a:rPr sz="1200"/>
               <a:t>- </a:t>
             </a:r>
             <a:r>
-              <a:rPr sz="1400"/>
+              <a:rPr sz="1200"/>
               <a:t>Attend </a:t>
             </a:r>
             <a:r>
-              <a:rPr sz="1400"/>
+              <a:rPr sz="1200"/>
               <a:t>in </a:t>
             </a:r>
             <a:r>
-              <a:rPr sz="1400"/>
+              <a:rPr sz="1200"/>
               <a:t>person </a:t>
             </a:r>
             <a:r>
-              <a:rPr sz="1400"/>
+              <a:rPr sz="1200"/>
               <a:t>or </a:t>
             </a:r>
             <a:r>
-              <a:rPr sz="1400"/>
+              <a:rPr sz="1200"/>
               <a:t>join </a:t>
             </a:r>
             <a:r>
-              <a:rPr sz="1400"/>
+              <a:rPr sz="1200"/>
               <a:t>via </a:t>
             </a:r>
             <a:r>
-              <a:rPr sz="1400"/>
+              <a:rPr sz="1200"/>
               <a:t>Zoom </a:t>
             </a:r>
             <a:r>
-              <a:rPr sz="1400"/>
+              <a:rPr sz="1200"/>
               <a:t>(classroom </a:t>
             </a:r>
             <a:r>
-              <a:rPr sz="1400"/>
+              <a:rPr sz="1200"/>
               <a:t>details </a:t>
             </a:r>
             <a:r>
-              <a:rPr sz="1400"/>
+              <a:rPr sz="1200"/>
               <a:t>will </a:t>
             </a:r>
             <a:r>
-              <a:rPr sz="1400"/>
+              <a:rPr sz="1200"/>
               <a:t>be </a:t>
             </a:r>
             <a:r>
-              <a:rPr sz="1400"/>
+              <a:rPr sz="1200"/>
               <a:t>on </a:t>
             </a:r>
             <a:r>
-              <a:rPr sz="1400"/>
+              <a:rPr sz="1200"/>
               <a:t>LMS). </a:t>
             </a:r>
           </a:p>
           <a:p>
             <a:r>
-              <a:rPr sz="1400"/>
-              <a:t>• </a:t>
-            </a:r>
-            <a:r>
-              <a:rPr b="1" sz="1400"/>
+              <a:rPr sz="1200"/>
+              <a:t>* </a:t>
+            </a:r>
+            <a:r>
+              <a:rPr b="1" sz="1200"/>
               <a:t>CTF </a:t>
             </a:r>
             <a:r>
-              <a:rPr b="1" sz="1400"/>
-              <a:t>Session:</a:t>
-            </a:r>
-            <a:r>
-              <a:rPr sz="1400"/>
+              <a:rPr b="1" sz="1200"/>
+              <a:t>Session: </a:t>
+            </a:r>
+            <a:r>
+              <a:rPr sz="1200"/>
               <a:t>Get </a:t>
             </a:r>
             <a:r>
-              <a:rPr sz="1400"/>
+              <a:rPr sz="1200"/>
               <a:t>hands-on </a:t>
             </a:r>
             <a:r>
-              <a:rPr sz="1400"/>
+              <a:rPr sz="1200"/>
               <a:t>experience </a:t>
             </a:r>
             <a:r>
-              <a:rPr sz="1400"/>
+              <a:rPr sz="1200"/>
               <a:t>with </a:t>
             </a:r>
             <a:r>
-              <a:rPr sz="1400"/>
+              <a:rPr sz="1200"/>
               <a:t>a </a:t>
             </a:r>
             <a:r>
-              <a:rPr sz="1400"/>
+              <a:rPr sz="1200"/>
               <a:t>Capture </a:t>
             </a:r>
             <a:r>
-              <a:rPr sz="1400"/>
+              <a:rPr sz="1200"/>
               <a:t>the </a:t>
             </a:r>
             <a:r>
-              <a:rPr sz="1400"/>
+              <a:rPr sz="1200"/>
               <a:t>Flag </a:t>
             </a:r>
             <a:r>
-              <a:rPr sz="1400"/>
+              <a:rPr sz="1200"/>
               <a:t>challenge </a:t>
             </a:r>
             <a:r>
-              <a:rPr sz="1400"/>
+              <a:rPr sz="1200"/>
               <a:t>to </a:t>
             </a:r>
             <a:r>
-              <a:rPr sz="1400"/>
+              <a:rPr sz="1200"/>
               <a:t>hone </a:t>
             </a:r>
             <a:r>
-              <a:rPr sz="1400"/>
+              <a:rPr sz="1200"/>
               <a:t>your </a:t>
             </a:r>
             <a:r>
-              <a:rPr sz="1400"/>
+              <a:rPr sz="1200"/>
               <a:t>skills </a:t>
             </a:r>
             <a:r>
-              <a:rPr sz="1400"/>
+              <a:rPr sz="1200"/>
               <a:t>and </a:t>
             </a:r>
             <a:r>
-              <a:rPr sz="1400"/>
+              <a:rPr sz="1200"/>
               <a:t>identify </a:t>
             </a:r>
             <a:r>
-              <a:rPr sz="1400"/>
+              <a:rPr sz="1200"/>
               <a:t>your </a:t>
             </a:r>
             <a:r>
-              <a:rPr sz="1400"/>
+              <a:rPr sz="1200"/>
               <a:t>strengths. </a:t>
             </a:r>
           </a:p>
@@ -6060,14 +6588,35 @@
       <p:grpSpPr/>
       <p:sp>
         <p:nvSpPr>
-          <p:cNvPr id="2" name="TextBox 1"/>
+          <p:cNvPr id="2" name="Title 1"/>
+          <p:cNvSpPr>
+            <a:spLocks noGrp="1"/>
+          </p:cNvSpPr>
+          <p:nvPr>
+            <p:ph type="title"/>
+          </p:nvPr>
+        </p:nvSpPr>
+        <p:spPr/>
+        <p:txBody>
+          <a:bodyPr/>
+          <a:lstStyle/>
+          <a:p>
+            <a:r>
+              <a:t>Introduction to Android Reverse Engineering</a:t>
+            </a:r>
+          </a:p>
+        </p:txBody>
+      </p:sp>
+      <p:sp>
+        <p:nvSpPr>
+          <p:cNvPr id="3" name="TextBox 2"/>
           <p:cNvSpPr txBox="1"/>
           <p:nvPr/>
         </p:nvSpPr>
         <p:spPr>
           <a:xfrm>
-            <a:off x="228600" y="228600"/>
-            <a:ext cx="8229600" cy="457200"/>
+            <a:off x="914400" y="1371600"/>
+            <a:ext cx="7315200" cy="3657600"/>
           </a:xfrm>
           <a:prstGeom prst="rect">
             <a:avLst/>
@@ -6079,42 +6628,12 @@
             <a:spAutoFit/>
           </a:bodyPr>
           <a:lstStyle/>
-          <a:p>
-            <a:r>
-              <a:rPr sz="1400"/>
-              <a:t>Introduction to Android Reverse Engineering</a:t>
-            </a:r>
-          </a:p>
-        </p:txBody>
-      </p:sp>
-      <p:sp>
-        <p:nvSpPr>
-          <p:cNvPr id="3" name="TextBox 2"/>
-          <p:cNvSpPr txBox="1"/>
-          <p:nvPr/>
-        </p:nvSpPr>
-        <p:spPr>
-          <a:xfrm>
-            <a:off x="228600" y="685800"/>
-            <a:ext cx="8229600" cy="3657600"/>
-          </a:xfrm>
-          <a:prstGeom prst="rect">
-            <a:avLst/>
-          </a:prstGeom>
-          <a:noFill/>
-        </p:spPr>
-        <p:txBody>
-          <a:bodyPr wrap="square">
-            <a:spAutoFit/>
-          </a:bodyPr>
-          <a:lstStyle/>
           <a:p/>
           <a:p>
-            <a:pPr algn="l">
+            <a:pPr>
               <a:defRPr sz="2000" b="1"/>
             </a:pPr>
             <a:r>
-              <a:rPr sz="1400"/>
               <a:t>Demystifying Android Apps</a:t>
             </a:r>
           </a:p>
@@ -6240,183 +6759,183 @@
           <a:p/>
           <a:p>
             <a:r>
-              <a:rPr sz="1400"/>
-              <a:t>• </a:t>
-            </a:r>
-            <a:r>
-              <a:rPr b="1" sz="1400"/>
+              <a:rPr sz="1200"/>
+              <a:t>* </a:t>
+            </a:r>
+            <a:r>
+              <a:rPr b="1" sz="1200"/>
               <a:t>Comprehend </a:t>
             </a:r>
             <a:r>
-              <a:rPr b="1" sz="1400"/>
+              <a:rPr b="1" sz="1200"/>
               <a:t>App </a:t>
             </a:r>
             <a:r>
-              <a:rPr b="1" sz="1400"/>
-              <a:t>Behavior:</a:t>
-            </a:r>
-            <a:r>
-              <a:rPr sz="1400"/>
+              <a:rPr b="1" sz="1200"/>
+              <a:t>Behavior: </a:t>
+            </a:r>
+            <a:r>
+              <a:rPr sz="1200"/>
               <a:t>Discover </a:t>
             </a:r>
             <a:r>
-              <a:rPr sz="1400"/>
+              <a:rPr sz="1200"/>
               <a:t>how </a:t>
             </a:r>
             <a:r>
-              <a:rPr sz="1400"/>
+              <a:rPr sz="1200"/>
               <a:t>the </a:t>
             </a:r>
             <a:r>
-              <a:rPr sz="1400"/>
+              <a:rPr sz="1200"/>
               <a:t>app </a:t>
             </a:r>
             <a:r>
-              <a:rPr sz="1400"/>
+              <a:rPr sz="1200"/>
               <a:t>functions </a:t>
             </a:r>
             <a:r>
-              <a:rPr sz="1400"/>
+              <a:rPr sz="1200"/>
               <a:t>at </a:t>
             </a:r>
             <a:r>
-              <a:rPr sz="1400"/>
+              <a:rPr sz="1200"/>
               <a:t>a </a:t>
             </a:r>
             <a:r>
-              <a:rPr sz="1400"/>
+              <a:rPr sz="1200"/>
               <a:t>deeper </a:t>
             </a:r>
             <a:r>
-              <a:rPr sz="1400"/>
+              <a:rPr sz="1200"/>
               <a:t>level. </a:t>
             </a:r>
           </a:p>
           <a:p>
             <a:r>
-              <a:rPr sz="1400"/>
-              <a:t>• </a:t>
-            </a:r>
-            <a:r>
-              <a:rPr b="1" sz="1400"/>
+              <a:rPr sz="1200"/>
+              <a:t>* </a:t>
+            </a:r>
+            <a:r>
+              <a:rPr b="1" sz="1200"/>
               <a:t>Identify </a:t>
             </a:r>
             <a:r>
-              <a:rPr b="1" sz="1400"/>
+              <a:rPr b="1" sz="1200"/>
               <a:t>Security </a:t>
             </a:r>
             <a:r>
-              <a:rPr b="1" sz="1400"/>
-              <a:t>Flaws:</a:t>
-            </a:r>
-            <a:r>
-              <a:rPr sz="1400"/>
+              <a:rPr b="1" sz="1200"/>
+              <a:t>Flaws: </a:t>
+            </a:r>
+            <a:r>
+              <a:rPr sz="1200"/>
               <a:t>Uncover </a:t>
             </a:r>
             <a:r>
-              <a:rPr sz="1400"/>
+              <a:rPr sz="1200"/>
               <a:t>vulnerabilities </a:t>
             </a:r>
             <a:r>
-              <a:rPr sz="1400"/>
+              <a:rPr sz="1200"/>
               <a:t>that </a:t>
             </a:r>
             <a:r>
-              <a:rPr sz="1400"/>
+              <a:rPr sz="1200"/>
               <a:t>could </a:t>
             </a:r>
             <a:r>
-              <a:rPr sz="1400"/>
+              <a:rPr sz="1200"/>
               <a:t>be </a:t>
             </a:r>
             <a:r>
-              <a:rPr sz="1400"/>
+              <a:rPr sz="1200"/>
               <a:t>exploited </a:t>
             </a:r>
             <a:r>
-              <a:rPr sz="1400"/>
+              <a:rPr sz="1200"/>
               <a:t>by </a:t>
             </a:r>
             <a:r>
-              <a:rPr sz="1400"/>
+              <a:rPr sz="1200"/>
               <a:t>malicious </a:t>
             </a:r>
             <a:r>
-              <a:rPr sz="1400"/>
+              <a:rPr sz="1200"/>
               <a:t>actors. </a:t>
             </a:r>
           </a:p>
           <a:p>
             <a:r>
-              <a:rPr sz="1400"/>
-              <a:t>• </a:t>
-            </a:r>
-            <a:r>
-              <a:rPr b="1" sz="1400"/>
+              <a:rPr sz="1200"/>
+              <a:t>* </a:t>
+            </a:r>
+            <a:r>
+              <a:rPr b="1" sz="1200"/>
               <a:t>Customize </a:t>
             </a:r>
             <a:r>
-              <a:rPr b="1" sz="1400"/>
+              <a:rPr b="1" sz="1200"/>
               <a:t>and </a:t>
             </a:r>
             <a:r>
-              <a:rPr b="1" sz="1400"/>
-              <a:t>Modify:</a:t>
-            </a:r>
-            <a:r>
-              <a:rPr sz="1400"/>
+              <a:rPr b="1" sz="1200"/>
+              <a:t>Modify: </a:t>
+            </a:r>
+            <a:r>
+              <a:rPr sz="1200"/>
               <a:t>Potentially </a:t>
             </a:r>
             <a:r>
-              <a:rPr sz="1400"/>
+              <a:rPr sz="1200"/>
               <a:t>create </a:t>
             </a:r>
             <a:r>
-              <a:rPr sz="1400"/>
+              <a:rPr sz="1200"/>
               <a:t>modifications </a:t>
             </a:r>
             <a:r>
-              <a:rPr sz="1400"/>
+              <a:rPr sz="1200"/>
               <a:t>or </a:t>
             </a:r>
             <a:r>
-              <a:rPr sz="1400"/>
+              <a:rPr sz="1200"/>
               <a:t>enhancements </a:t>
             </a:r>
             <a:r>
-              <a:rPr sz="1400"/>
+              <a:rPr sz="1200"/>
               <a:t>to </a:t>
             </a:r>
             <a:r>
-              <a:rPr sz="1400"/>
+              <a:rPr sz="1200"/>
               <a:t>the </a:t>
             </a:r>
             <a:r>
-              <a:rPr sz="1400"/>
+              <a:rPr sz="1200"/>
               <a:t>app </a:t>
             </a:r>
             <a:r>
-              <a:rPr sz="1400"/>
+              <a:rPr sz="1200"/>
               <a:t>(always </a:t>
             </a:r>
             <a:r>
-              <a:rPr sz="1400"/>
+              <a:rPr sz="1200"/>
               <a:t>respecting </a:t>
             </a:r>
             <a:r>
-              <a:rPr sz="1400"/>
+              <a:rPr sz="1200"/>
               <a:t>ethical </a:t>
             </a:r>
             <a:r>
-              <a:rPr sz="1400"/>
+              <a:rPr sz="1200"/>
               <a:t>and </a:t>
             </a:r>
             <a:r>
-              <a:rPr sz="1400"/>
+              <a:rPr sz="1200"/>
               <a:t>legal </a:t>
             </a:r>
             <a:r>
-              <a:rPr sz="1400"/>
+              <a:rPr sz="1200"/>
               <a:t>boundaries). </a:t>
             </a:r>
           </a:p>
@@ -6442,14 +6961,35 @@
       <p:grpSpPr/>
       <p:sp>
         <p:nvSpPr>
-          <p:cNvPr id="2" name="TextBox 1"/>
+          <p:cNvPr id="2" name="Title 1"/>
+          <p:cNvSpPr>
+            <a:spLocks noGrp="1"/>
+          </p:cNvSpPr>
+          <p:nvPr>
+            <p:ph type="title"/>
+          </p:nvPr>
+        </p:nvSpPr>
+        <p:spPr/>
+        <p:txBody>
+          <a:bodyPr/>
+          <a:lstStyle/>
+          <a:p>
+            <a:r>
+              <a:t>Android App Structure</a:t>
+            </a:r>
+          </a:p>
+        </p:txBody>
+      </p:sp>
+      <p:sp>
+        <p:nvSpPr>
+          <p:cNvPr id="3" name="TextBox 2"/>
           <p:cNvSpPr txBox="1"/>
           <p:nvPr/>
         </p:nvSpPr>
         <p:spPr>
           <a:xfrm>
-            <a:off x="228600" y="228600"/>
-            <a:ext cx="8229600" cy="457200"/>
+            <a:off x="914400" y="1371600"/>
+            <a:ext cx="7315200" cy="3657600"/>
           </a:xfrm>
           <a:prstGeom prst="rect">
             <a:avLst/>
@@ -6461,42 +7001,12 @@
             <a:spAutoFit/>
           </a:bodyPr>
           <a:lstStyle/>
-          <a:p>
-            <a:r>
-              <a:rPr sz="1400"/>
-              <a:t>Android App Structure</a:t>
-            </a:r>
-          </a:p>
-        </p:txBody>
-      </p:sp>
-      <p:sp>
-        <p:nvSpPr>
-          <p:cNvPr id="3" name="TextBox 2"/>
-          <p:cNvSpPr txBox="1"/>
-          <p:nvPr/>
-        </p:nvSpPr>
-        <p:spPr>
-          <a:xfrm>
-            <a:off x="228600" y="685800"/>
-            <a:ext cx="8229600" cy="3657600"/>
-          </a:xfrm>
-          <a:prstGeom prst="rect">
-            <a:avLst/>
-          </a:prstGeom>
-          <a:noFill/>
-        </p:spPr>
-        <p:txBody>
-          <a:bodyPr wrap="square">
-            <a:spAutoFit/>
-          </a:bodyPr>
-          <a:lstStyle/>
           <a:p/>
           <a:p>
-            <a:pPr algn="l">
+            <a:pPr>
               <a:defRPr sz="2000" b="1"/>
             </a:pPr>
             <a:r>
-              <a:rPr sz="1400"/>
               <a:t>Inside the APK</a:t>
             </a:r>
           </a:p>
@@ -6602,209 +7112,209 @@
           <a:p/>
           <a:p>
             <a:r>
-              <a:rPr sz="1400"/>
-              <a:t>• </a:t>
-            </a:r>
-            <a:r>
-              <a:rPr b="1" sz="1400"/>
-              <a:t>AndroidManifest.xml: </a:t>
-            </a:r>
-            <a:r>
-              <a:rPr sz="1400"/>
+              <a:rPr sz="1200"/>
+              <a:t>* </a:t>
+            </a:r>
+            <a:r>
+              <a:rPr b="1" sz="1200"/>
+              <a:t>AndroidManifest.xml:</a:t>
+            </a:r>
+            <a:r>
+              <a:rPr sz="1200"/>
               <a:t>Defines </a:t>
             </a:r>
             <a:r>
-              <a:rPr sz="1400"/>
+              <a:rPr sz="1200"/>
               <a:t>the </a:t>
             </a:r>
             <a:r>
-              <a:rPr sz="1400"/>
+              <a:rPr sz="1200"/>
               <a:t>app's </a:t>
             </a:r>
             <a:r>
-              <a:rPr sz="1400"/>
+              <a:rPr sz="1200"/>
               <a:t>structure, </a:t>
             </a:r>
             <a:r>
-              <a:rPr sz="1400"/>
+              <a:rPr sz="1200"/>
               <a:t>components, </a:t>
             </a:r>
             <a:r>
-              <a:rPr sz="1400"/>
+              <a:rPr sz="1200"/>
               <a:t>permissions, </a:t>
             </a:r>
             <a:r>
-              <a:rPr sz="1400"/>
+              <a:rPr sz="1200"/>
               <a:t>and </a:t>
             </a:r>
             <a:r>
-              <a:rPr sz="1400"/>
+              <a:rPr sz="1200"/>
               <a:t>other </a:t>
             </a:r>
             <a:r>
-              <a:rPr sz="1400"/>
+              <a:rPr sz="1200"/>
               <a:t>essential </a:t>
             </a:r>
             <a:r>
-              <a:rPr sz="1400"/>
+              <a:rPr sz="1200"/>
               <a:t>information. </a:t>
             </a:r>
           </a:p>
           <a:p>
             <a:r>
-              <a:rPr sz="1400"/>
-              <a:t>• </a:t>
-            </a:r>
-            <a:r>
-              <a:rPr b="1" sz="1400"/>
+              <a:rPr sz="1200"/>
+              <a:t>* </a:t>
+            </a:r>
+            <a:r>
+              <a:rPr b="1" sz="1200"/>
               <a:t>res/ </a:t>
             </a:r>
             <a:r>
-              <a:rPr b="1" sz="1400"/>
-              <a:t>(Resources):</a:t>
-            </a:r>
-            <a:r>
-              <a:rPr sz="1400"/>
+              <a:rPr b="1" sz="1200"/>
+              <a:t>(Resources): </a:t>
+            </a:r>
+            <a:r>
+              <a:rPr sz="1200"/>
               <a:t>Stores </a:t>
             </a:r>
             <a:r>
-              <a:rPr sz="1400"/>
+              <a:rPr sz="1200"/>
               <a:t>images, </a:t>
             </a:r>
             <a:r>
-              <a:rPr sz="1400"/>
+              <a:rPr sz="1200"/>
               <a:t>layouts, </a:t>
             </a:r>
             <a:r>
-              <a:rPr sz="1400"/>
+              <a:rPr sz="1200"/>
               <a:t>strings, </a:t>
             </a:r>
             <a:r>
-              <a:rPr sz="1400"/>
+              <a:rPr sz="1200"/>
               <a:t>and </a:t>
             </a:r>
             <a:r>
-              <a:rPr sz="1400"/>
+              <a:rPr sz="1200"/>
               <a:t>other </a:t>
             </a:r>
             <a:r>
-              <a:rPr sz="1400"/>
+              <a:rPr sz="1200"/>
               <a:t>resources </a:t>
             </a:r>
             <a:r>
-              <a:rPr sz="1400"/>
+              <a:rPr sz="1200"/>
               <a:t>used </a:t>
             </a:r>
             <a:r>
-              <a:rPr sz="1400"/>
+              <a:rPr sz="1200"/>
               <a:t>by </a:t>
             </a:r>
             <a:r>
-              <a:rPr sz="1400"/>
+              <a:rPr sz="1200"/>
               <a:t>the </a:t>
             </a:r>
             <a:r>
-              <a:rPr sz="1400"/>
+              <a:rPr sz="1200"/>
               <a:t>app. </a:t>
             </a:r>
           </a:p>
           <a:p>
             <a:r>
-              <a:rPr sz="1400"/>
-              <a:t>• </a:t>
-            </a:r>
-            <a:r>
-              <a:rPr b="1" sz="1400"/>
+              <a:rPr sz="1200"/>
+              <a:t>* </a:t>
+            </a:r>
+            <a:r>
+              <a:rPr b="1" sz="1200"/>
               <a:t>assets/ </a:t>
             </a:r>
             <a:r>
-              <a:rPr b="1" sz="1400"/>
-              <a:t>(Assets):</a:t>
-            </a:r>
-            <a:r>
-              <a:rPr sz="1400"/>
+              <a:rPr b="1" sz="1200"/>
+              <a:t>(Assets): </a:t>
+            </a:r>
+            <a:r>
+              <a:rPr sz="1200"/>
               <a:t>Contains </a:t>
             </a:r>
             <a:r>
-              <a:rPr sz="1400"/>
+              <a:rPr sz="1200"/>
               <a:t>raw </a:t>
             </a:r>
             <a:r>
-              <a:rPr sz="1400"/>
+              <a:rPr sz="1200"/>
               <a:t>asset </a:t>
             </a:r>
             <a:r>
-              <a:rPr sz="1400"/>
+              <a:rPr sz="1200"/>
               <a:t>files, </a:t>
             </a:r>
             <a:r>
-              <a:rPr sz="1400"/>
+              <a:rPr sz="1200"/>
               <a:t>such </a:t>
             </a:r>
             <a:r>
-              <a:rPr sz="1400"/>
+              <a:rPr sz="1200"/>
               <a:t>as </a:t>
             </a:r>
             <a:r>
-              <a:rPr sz="1400"/>
+              <a:rPr sz="1200"/>
               <a:t>fonts </a:t>
             </a:r>
             <a:r>
-              <a:rPr sz="1400"/>
+              <a:rPr sz="1200"/>
               <a:t>or </a:t>
             </a:r>
             <a:r>
-              <a:rPr sz="1400"/>
+              <a:rPr sz="1200"/>
               <a:t>game </a:t>
             </a:r>
             <a:r>
-              <a:rPr sz="1400"/>
+              <a:rPr sz="1200"/>
               <a:t>data. </a:t>
             </a:r>
           </a:p>
           <a:p>
             <a:r>
-              <a:rPr sz="1400"/>
-              <a:t>• </a:t>
-            </a:r>
-            <a:r>
-              <a:rPr b="1" sz="1400"/>
+              <a:rPr sz="1200"/>
+              <a:t>* </a:t>
+            </a:r>
+            <a:r>
+              <a:rPr b="1" sz="1200"/>
               <a:t>DEX </a:t>
             </a:r>
             <a:r>
-              <a:rPr b="1" sz="1400"/>
-              <a:t>files:</a:t>
-            </a:r>
-            <a:r>
-              <a:rPr sz="1400"/>
+              <a:rPr b="1" sz="1200"/>
+              <a:t>files: </a:t>
+            </a:r>
+            <a:r>
+              <a:rPr sz="1200"/>
               <a:t>Holds </a:t>
             </a:r>
             <a:r>
-              <a:rPr sz="1400"/>
+              <a:rPr sz="1200"/>
               <a:t>the </a:t>
             </a:r>
             <a:r>
-              <a:rPr sz="1400"/>
+              <a:rPr sz="1200"/>
               <a:t>compiled </a:t>
             </a:r>
             <a:r>
-              <a:rPr sz="1400"/>
+              <a:rPr sz="1200"/>
               <a:t>Java/Kotlin </a:t>
             </a:r>
             <a:r>
-              <a:rPr sz="1400"/>
+              <a:rPr sz="1200"/>
               <a:t>code </a:t>
             </a:r>
             <a:r>
-              <a:rPr sz="1400"/>
+              <a:rPr sz="1200"/>
               <a:t>(Dalvik </a:t>
             </a:r>
             <a:r>
-              <a:rPr sz="1400"/>
+              <a:rPr sz="1200"/>
               <a:t>Executable </a:t>
             </a:r>
             <a:r>
-              <a:rPr sz="1400"/>
+              <a:rPr sz="1200"/>
               <a:t>format). </a:t>
             </a:r>
           </a:p>
@@ -6830,14 +7340,35 @@
       <p:grpSpPr/>
       <p:sp>
         <p:nvSpPr>
-          <p:cNvPr id="2" name="TextBox 1"/>
+          <p:cNvPr id="2" name="Title 1"/>
+          <p:cNvSpPr>
+            <a:spLocks noGrp="1"/>
+          </p:cNvSpPr>
+          <p:nvPr>
+            <p:ph type="title"/>
+          </p:nvPr>
+        </p:nvSpPr>
+        <p:spPr/>
+        <p:txBody>
+          <a:bodyPr/>
+          <a:lstStyle/>
+          <a:p>
+            <a:r>
+              <a:t>Android Manifest</a:t>
+            </a:r>
+          </a:p>
+        </p:txBody>
+      </p:sp>
+      <p:sp>
+        <p:nvSpPr>
+          <p:cNvPr id="3" name="TextBox 2"/>
           <p:cNvSpPr txBox="1"/>
           <p:nvPr/>
         </p:nvSpPr>
         <p:spPr>
           <a:xfrm>
-            <a:off x="228600" y="228600"/>
-            <a:ext cx="8229600" cy="457200"/>
+            <a:off x="914400" y="1371600"/>
+            <a:ext cx="7315200" cy="3657600"/>
           </a:xfrm>
           <a:prstGeom prst="rect">
             <a:avLst/>
@@ -6849,42 +7380,12 @@
             <a:spAutoFit/>
           </a:bodyPr>
           <a:lstStyle/>
-          <a:p>
-            <a:r>
-              <a:rPr sz="1400"/>
-              <a:t>Android Manifest</a:t>
-            </a:r>
-          </a:p>
-        </p:txBody>
-      </p:sp>
-      <p:sp>
-        <p:nvSpPr>
-          <p:cNvPr id="3" name="TextBox 2"/>
-          <p:cNvSpPr txBox="1"/>
-          <p:nvPr/>
-        </p:nvSpPr>
-        <p:spPr>
-          <a:xfrm>
-            <a:off x="228600" y="685800"/>
-            <a:ext cx="8229600" cy="3657600"/>
-          </a:xfrm>
-          <a:prstGeom prst="rect">
-            <a:avLst/>
-          </a:prstGeom>
-          <a:noFill/>
-        </p:spPr>
-        <p:txBody>
-          <a:bodyPr wrap="square">
-            <a:spAutoFit/>
-          </a:bodyPr>
-          <a:lstStyle/>
           <a:p/>
           <a:p>
-            <a:pPr algn="l">
+            <a:pPr>
               <a:defRPr sz="2000" b="1"/>
             </a:pPr>
             <a:r>
-              <a:rPr sz="1400"/>
               <a:t>The App Blueprint</a:t>
             </a:r>
           </a:p>
@@ -6950,273 +7451,273 @@
           <a:p/>
           <a:p>
             <a:r>
-              <a:rPr sz="1400"/>
-              <a:t>• </a:t>
-            </a:r>
-            <a:r>
-              <a:rPr b="1" sz="1400"/>
-              <a:t>Activities: </a:t>
-            </a:r>
-            <a:r>
-              <a:rPr sz="1400"/>
+              <a:rPr sz="1200"/>
+              <a:t>* </a:t>
+            </a:r>
+            <a:r>
+              <a:rPr b="1" sz="1200"/>
+              <a:t>Activities:</a:t>
+            </a:r>
+            <a:r>
+              <a:rPr sz="1200"/>
               <a:t>The </a:t>
             </a:r>
             <a:r>
-              <a:rPr sz="1400"/>
+              <a:rPr sz="1200"/>
               <a:t>building </a:t>
             </a:r>
             <a:r>
-              <a:rPr sz="1400"/>
+              <a:rPr sz="1200"/>
               <a:t>blocks </a:t>
             </a:r>
             <a:r>
-              <a:rPr sz="1400"/>
+              <a:rPr sz="1200"/>
               <a:t>of </a:t>
             </a:r>
             <a:r>
-              <a:rPr sz="1400"/>
+              <a:rPr sz="1200"/>
               <a:t>the </a:t>
             </a:r>
             <a:r>
-              <a:rPr sz="1400"/>
+              <a:rPr sz="1200"/>
               <a:t>user </a:t>
             </a:r>
             <a:r>
-              <a:rPr sz="1400"/>
+              <a:rPr sz="1200"/>
               <a:t>interface, </a:t>
             </a:r>
             <a:r>
-              <a:rPr sz="1400"/>
+              <a:rPr sz="1200"/>
               <a:t>representing </a:t>
             </a:r>
             <a:r>
-              <a:rPr sz="1400"/>
+              <a:rPr sz="1200"/>
               <a:t>individual </a:t>
             </a:r>
             <a:r>
-              <a:rPr sz="1400"/>
+              <a:rPr sz="1200"/>
               <a:t>screens. </a:t>
             </a:r>
           </a:p>
           <a:p>
             <a:r>
-              <a:rPr sz="1400"/>
-              <a:t>• </a:t>
-            </a:r>
-            <a:r>
-              <a:rPr b="1" sz="1400"/>
-              <a:t>Services: </a:t>
-            </a:r>
-            <a:r>
-              <a:rPr sz="1400"/>
+              <a:rPr sz="1200"/>
+              <a:t>* </a:t>
+            </a:r>
+            <a:r>
+              <a:rPr b="1" sz="1200"/>
+              <a:t>Services:</a:t>
+            </a:r>
+            <a:r>
+              <a:rPr sz="1200"/>
               <a:t>Background </a:t>
             </a:r>
             <a:r>
-              <a:rPr sz="1400"/>
+              <a:rPr sz="1200"/>
               <a:t>processes </a:t>
             </a:r>
             <a:r>
-              <a:rPr sz="1400"/>
+              <a:rPr sz="1200"/>
               <a:t>that </a:t>
             </a:r>
             <a:r>
-              <a:rPr sz="1400"/>
+              <a:rPr sz="1200"/>
               <a:t>perform </a:t>
             </a:r>
             <a:r>
-              <a:rPr sz="1400"/>
+              <a:rPr sz="1200"/>
               <a:t>long-running </a:t>
             </a:r>
             <a:r>
-              <a:rPr sz="1400"/>
+              <a:rPr sz="1200"/>
               <a:t>operations. </a:t>
             </a:r>
           </a:p>
           <a:p>
             <a:r>
-              <a:rPr sz="1400"/>
-              <a:t>• </a:t>
-            </a:r>
-            <a:r>
-              <a:rPr b="1" sz="1400"/>
+              <a:rPr sz="1200"/>
+              <a:t>* </a:t>
+            </a:r>
+            <a:r>
+              <a:rPr b="1" sz="1200"/>
               <a:t>Content </a:t>
             </a:r>
             <a:r>
-              <a:rPr b="1" sz="1400"/>
-              <a:t>Providers:</a:t>
-            </a:r>
-            <a:r>
-              <a:rPr sz="1400"/>
+              <a:rPr b="1" sz="1200"/>
+              <a:t>Providers: </a:t>
+            </a:r>
+            <a:r>
+              <a:rPr sz="1200"/>
               <a:t>Manage </a:t>
             </a:r>
             <a:r>
-              <a:rPr sz="1400"/>
+              <a:rPr sz="1200"/>
               <a:t>shared </a:t>
             </a:r>
             <a:r>
-              <a:rPr sz="1400"/>
+              <a:rPr sz="1200"/>
               <a:t>data </a:t>
             </a:r>
             <a:r>
-              <a:rPr sz="1400"/>
+              <a:rPr sz="1200"/>
               <a:t>and </a:t>
             </a:r>
             <a:r>
-              <a:rPr sz="1400"/>
+              <a:rPr sz="1200"/>
               <a:t>facilitate </a:t>
             </a:r>
             <a:r>
-              <a:rPr sz="1400"/>
+              <a:rPr sz="1200"/>
               <a:t>data </a:t>
             </a:r>
             <a:r>
-              <a:rPr sz="1400"/>
+              <a:rPr sz="1200"/>
               <a:t>access </a:t>
             </a:r>
             <a:r>
-              <a:rPr sz="1400"/>
+              <a:rPr sz="1200"/>
               <a:t>between </a:t>
             </a:r>
             <a:r>
-              <a:rPr sz="1400"/>
+              <a:rPr sz="1200"/>
               <a:t>apps. </a:t>
             </a:r>
           </a:p>
           <a:p>
             <a:r>
-              <a:rPr sz="1400"/>
-              <a:t>• </a:t>
-            </a:r>
-            <a:r>
-              <a:rPr b="1" sz="1400"/>
+              <a:rPr sz="1200"/>
+              <a:t>* </a:t>
+            </a:r>
+            <a:r>
+              <a:rPr b="1" sz="1200"/>
               <a:t>Broadcast </a:t>
             </a:r>
             <a:r>
-              <a:rPr b="1" sz="1400"/>
-              <a:t>Receivers:</a:t>
-            </a:r>
-            <a:r>
-              <a:rPr sz="1400"/>
+              <a:rPr b="1" sz="1200"/>
+              <a:t>Receivers: </a:t>
+            </a:r>
+            <a:r>
+              <a:rPr sz="1200"/>
               <a:t>Respond </a:t>
             </a:r>
             <a:r>
-              <a:rPr sz="1400"/>
+              <a:rPr sz="1200"/>
               <a:t>to </a:t>
             </a:r>
             <a:r>
-              <a:rPr sz="1400"/>
+              <a:rPr sz="1200"/>
               <a:t>system-wide </a:t>
             </a:r>
             <a:r>
-              <a:rPr sz="1400"/>
+              <a:rPr sz="1200"/>
               <a:t>events </a:t>
             </a:r>
             <a:r>
-              <a:rPr sz="1400"/>
+              <a:rPr sz="1200"/>
               <a:t>or </a:t>
             </a:r>
             <a:r>
-              <a:rPr sz="1400"/>
+              <a:rPr sz="1200"/>
               <a:t>broadcasts. </a:t>
             </a:r>
           </a:p>
           <a:p>
             <a:r>
-              <a:rPr sz="1400"/>
-              <a:t>• </a:t>
-            </a:r>
-            <a:r>
-              <a:rPr b="1" sz="1400"/>
+              <a:rPr sz="1200"/>
+              <a:t>* </a:t>
+            </a:r>
+            <a:r>
+              <a:rPr b="1" sz="1200"/>
               <a:t>Intent </a:t>
             </a:r>
             <a:r>
-              <a:rPr b="1" sz="1400"/>
-              <a:t>Filters:</a:t>
-            </a:r>
-            <a:r>
-              <a:rPr sz="1400"/>
+              <a:rPr b="1" sz="1200"/>
+              <a:t>Filters: </a:t>
+            </a:r>
+            <a:r>
+              <a:rPr sz="1200"/>
               <a:t>Define </a:t>
             </a:r>
             <a:r>
-              <a:rPr sz="1400"/>
+              <a:rPr sz="1200"/>
               <a:t>how </a:t>
             </a:r>
             <a:r>
-              <a:rPr sz="1400"/>
+              <a:rPr sz="1200"/>
               <a:t>activities, </a:t>
             </a:r>
             <a:r>
-              <a:rPr sz="1400"/>
+              <a:rPr sz="1200"/>
               <a:t>services, </a:t>
             </a:r>
             <a:r>
-              <a:rPr sz="1400"/>
+              <a:rPr sz="1200"/>
               <a:t>and </a:t>
             </a:r>
             <a:r>
-              <a:rPr sz="1400"/>
+              <a:rPr sz="1200"/>
               <a:t>receivers </a:t>
             </a:r>
             <a:r>
-              <a:rPr sz="1400"/>
+              <a:rPr sz="1200"/>
               <a:t>handle </a:t>
             </a:r>
             <a:r>
-              <a:rPr sz="1400"/>
+              <a:rPr sz="1200"/>
               <a:t>specific </a:t>
             </a:r>
             <a:r>
-              <a:rPr sz="1400"/>
+              <a:rPr sz="1200"/>
               <a:t>intents. </a:t>
             </a:r>
           </a:p>
           <a:p>
             <a:r>
-              <a:rPr sz="1400"/>
-              <a:t>• </a:t>
-            </a:r>
-            <a:r>
-              <a:rPr b="1" sz="1400"/>
-              <a:t>Permissions: </a:t>
-            </a:r>
-            <a:r>
-              <a:rPr sz="1400"/>
+              <a:rPr sz="1200"/>
+              <a:t>* </a:t>
+            </a:r>
+            <a:r>
+              <a:rPr b="1" sz="1200"/>
+              <a:t>Permissions:</a:t>
+            </a:r>
+            <a:r>
+              <a:rPr sz="1200"/>
               <a:t>Specify </a:t>
             </a:r>
             <a:r>
-              <a:rPr sz="1400"/>
+              <a:rPr sz="1200"/>
               <a:t>the </a:t>
             </a:r>
             <a:r>
-              <a:rPr sz="1400"/>
+              <a:rPr sz="1200"/>
               <a:t>app's </a:t>
             </a:r>
             <a:r>
-              <a:rPr sz="1400"/>
+              <a:rPr sz="1200"/>
               <a:t>access </a:t>
             </a:r>
             <a:r>
-              <a:rPr sz="1400"/>
+              <a:rPr sz="1200"/>
               <a:t>to </a:t>
             </a:r>
             <a:r>
-              <a:rPr sz="1400"/>
+              <a:rPr sz="1200"/>
               <a:t>system </a:t>
             </a:r>
             <a:r>
-              <a:rPr sz="1400"/>
+              <a:rPr sz="1200"/>
               <a:t>resources </a:t>
             </a:r>
             <a:r>
-              <a:rPr sz="1400"/>
+              <a:rPr sz="1200"/>
               <a:t>and </a:t>
             </a:r>
             <a:r>
-              <a:rPr sz="1400"/>
+              <a:rPr sz="1200"/>
               <a:t>user </a:t>
             </a:r>
             <a:r>
-              <a:rPr sz="1400"/>
+              <a:rPr sz="1200"/>
               <a:t>data. </a:t>
             </a:r>
           </a:p>
@@ -7242,14 +7743,35 @@
       <p:grpSpPr/>
       <p:sp>
         <p:nvSpPr>
-          <p:cNvPr id="2" name="TextBox 1"/>
+          <p:cNvPr id="2" name="Title 1"/>
+          <p:cNvSpPr>
+            <a:spLocks noGrp="1"/>
+          </p:cNvSpPr>
+          <p:nvPr>
+            <p:ph type="title"/>
+          </p:nvPr>
+        </p:nvSpPr>
+        <p:spPr/>
+        <p:txBody>
+          <a:bodyPr/>
+          <a:lstStyle/>
+          <a:p>
+            <a:r>
+              <a:t>Android Manifest components</a:t>
+            </a:r>
+          </a:p>
+        </p:txBody>
+      </p:sp>
+      <p:sp>
+        <p:nvSpPr>
+          <p:cNvPr id="3" name="TextBox 2"/>
           <p:cNvSpPr txBox="1"/>
           <p:nvPr/>
         </p:nvSpPr>
         <p:spPr>
           <a:xfrm>
-            <a:off x="228600" y="228600"/>
-            <a:ext cx="8229600" cy="457200"/>
+            <a:off x="914400" y="1371600"/>
+            <a:ext cx="7315200" cy="3657600"/>
           </a:xfrm>
           <a:prstGeom prst="rect">
             <a:avLst/>
@@ -7261,42 +7783,12 @@
             <a:spAutoFit/>
           </a:bodyPr>
           <a:lstStyle/>
-          <a:p>
-            <a:r>
-              <a:rPr sz="1400"/>
-              <a:t>Android Manifest components</a:t>
-            </a:r>
-          </a:p>
-        </p:txBody>
-      </p:sp>
-      <p:sp>
-        <p:nvSpPr>
-          <p:cNvPr id="3" name="TextBox 2"/>
-          <p:cNvSpPr txBox="1"/>
-          <p:nvPr/>
-        </p:nvSpPr>
-        <p:spPr>
-          <a:xfrm>
-            <a:off x="228600" y="685800"/>
-            <a:ext cx="8229600" cy="3657600"/>
-          </a:xfrm>
-          <a:prstGeom prst="rect">
-            <a:avLst/>
-          </a:prstGeom>
-          <a:noFill/>
-        </p:spPr>
-        <p:txBody>
-          <a:bodyPr wrap="square">
-            <a:spAutoFit/>
-          </a:bodyPr>
-          <a:lstStyle/>
           <a:p/>
           <a:p>
-            <a:pPr algn="l">
+            <a:pPr>
               <a:defRPr sz="2000" b="1"/>
             </a:pPr>
             <a:r>
-              <a:rPr sz="1400"/>
               <a:t>Manifest Essentials</a:t>
             </a:r>
           </a:p>
@@ -7342,175 +7834,175 @@
           <a:p/>
           <a:p>
             <a:r>
-              <a:rPr sz="1400"/>
-              <a:t>• </a:t>
-            </a:r>
-            <a:r>
-              <a:rPr b="1" sz="1400"/>
-              <a:t>manifest: </a:t>
-            </a:r>
-            <a:r>
-              <a:rPr sz="1400"/>
+              <a:rPr sz="1200"/>
+              <a:t>* </a:t>
+            </a:r>
+            <a:r>
+              <a:rPr b="1" sz="1200"/>
+              <a:t>manifest:</a:t>
+            </a:r>
+            <a:r>
+              <a:rPr sz="1200"/>
               <a:t>The </a:t>
             </a:r>
             <a:r>
-              <a:rPr sz="1400"/>
+              <a:rPr sz="1200"/>
               <a:t>root </a:t>
             </a:r>
             <a:r>
-              <a:rPr sz="1400"/>
+              <a:rPr sz="1200"/>
               <a:t>element, </a:t>
             </a:r>
             <a:r>
-              <a:rPr sz="1400"/>
+              <a:rPr sz="1200"/>
               <a:t>defining </a:t>
             </a:r>
             <a:r>
-              <a:rPr sz="1400"/>
+              <a:rPr sz="1200"/>
               <a:t>the </a:t>
             </a:r>
             <a:r>
-              <a:rPr sz="1400"/>
+              <a:rPr sz="1200"/>
               <a:t>package </a:t>
             </a:r>
             <a:r>
-              <a:rPr sz="1400"/>
+              <a:rPr sz="1200"/>
               <a:t>name </a:t>
             </a:r>
             <a:r>
-              <a:rPr sz="1400"/>
+              <a:rPr sz="1200"/>
               <a:t>and </a:t>
             </a:r>
             <a:r>
-              <a:rPr sz="1400"/>
+              <a:rPr sz="1200"/>
               <a:t>namespace </a:t>
             </a:r>
             <a:r>
-              <a:rPr sz="1400"/>
+              <a:rPr sz="1200"/>
               <a:t>declarations. </a:t>
             </a:r>
           </a:p>
           <a:p>
             <a:r>
-              <a:rPr sz="1400"/>
-              <a:t>• </a:t>
-            </a:r>
-            <a:r>
-              <a:rPr b="1" sz="1400"/>
-              <a:t>uses-sdk: </a:t>
-            </a:r>
-            <a:r>
-              <a:rPr sz="1400"/>
+              <a:rPr sz="1200"/>
+              <a:t>* </a:t>
+            </a:r>
+            <a:r>
+              <a:rPr b="1" sz="1200"/>
+              <a:t>uses-sdk:</a:t>
+            </a:r>
+            <a:r>
+              <a:rPr sz="1200"/>
               <a:t>Specifies </a:t>
             </a:r>
             <a:r>
-              <a:rPr sz="1400"/>
+              <a:rPr sz="1200"/>
               <a:t>the </a:t>
             </a:r>
             <a:r>
-              <a:rPr sz="1400"/>
+              <a:rPr sz="1200"/>
               <a:t>minimum </a:t>
             </a:r>
             <a:r>
-              <a:rPr sz="1400"/>
+              <a:rPr sz="1200"/>
               <a:t>and </a:t>
             </a:r>
             <a:r>
-              <a:rPr sz="1400"/>
+              <a:rPr sz="1200"/>
               <a:t>target </a:t>
             </a:r>
             <a:r>
-              <a:rPr sz="1400"/>
+              <a:rPr sz="1200"/>
               <a:t>SDK </a:t>
             </a:r>
             <a:r>
-              <a:rPr sz="1400"/>
+              <a:rPr sz="1200"/>
               <a:t>versions </a:t>
             </a:r>
             <a:r>
-              <a:rPr sz="1400"/>
+              <a:rPr sz="1200"/>
               <a:t>supported </a:t>
             </a:r>
             <a:r>
-              <a:rPr sz="1400"/>
+              <a:rPr sz="1200"/>
               <a:t>by </a:t>
             </a:r>
             <a:r>
-              <a:rPr sz="1400"/>
+              <a:rPr sz="1200"/>
               <a:t>the </a:t>
             </a:r>
             <a:r>
-              <a:rPr sz="1400"/>
+              <a:rPr sz="1200"/>
               <a:t>app. </a:t>
             </a:r>
           </a:p>
           <a:p>
             <a:r>
-              <a:rPr sz="1400"/>
-              <a:t>• </a:t>
-            </a:r>
-            <a:r>
-              <a:rPr b="1" sz="1400"/>
-              <a:t>uses-permission: </a:t>
-            </a:r>
-            <a:r>
-              <a:rPr sz="1400"/>
+              <a:rPr sz="1200"/>
+              <a:t>* </a:t>
+            </a:r>
+            <a:r>
+              <a:rPr b="1" sz="1200"/>
+              <a:t>uses-permission:</a:t>
+            </a:r>
+            <a:r>
+              <a:rPr sz="1200"/>
               <a:t>Declares </a:t>
             </a:r>
             <a:r>
-              <a:rPr sz="1400"/>
+              <a:rPr sz="1200"/>
               <a:t>the </a:t>
             </a:r>
             <a:r>
-              <a:rPr sz="1400"/>
+              <a:rPr sz="1200"/>
               <a:t>permissions </a:t>
             </a:r>
             <a:r>
-              <a:rPr sz="1400"/>
+              <a:rPr sz="1200"/>
               <a:t>required </a:t>
             </a:r>
             <a:r>
-              <a:rPr sz="1400"/>
+              <a:rPr sz="1200"/>
               <a:t>by </a:t>
             </a:r>
             <a:r>
-              <a:rPr sz="1400"/>
+              <a:rPr sz="1200"/>
               <a:t>the </a:t>
             </a:r>
             <a:r>
-              <a:rPr sz="1400"/>
+              <a:rPr sz="1200"/>
               <a:t>app, </a:t>
             </a:r>
             <a:r>
-              <a:rPr sz="1400"/>
+              <a:rPr sz="1200"/>
               <a:t>such </a:t>
             </a:r>
             <a:r>
-              <a:rPr sz="1400"/>
+              <a:rPr sz="1200"/>
               <a:t>as </a:t>
             </a:r>
             <a:r>
-              <a:rPr sz="1400"/>
+              <a:rPr sz="1200"/>
               <a:t>access </a:t>
             </a:r>
             <a:r>
-              <a:rPr sz="1400"/>
+              <a:rPr sz="1200"/>
               <a:t>to </a:t>
             </a:r>
             <a:r>
-              <a:rPr sz="1400"/>
+              <a:rPr sz="1200"/>
               <a:t>the </a:t>
             </a:r>
             <a:r>
-              <a:rPr sz="1400"/>
+              <a:rPr sz="1200"/>
               <a:t>camera </a:t>
             </a:r>
             <a:r>
-              <a:rPr sz="1400"/>
+              <a:rPr sz="1200"/>
               <a:t>or </a:t>
             </a:r>
             <a:r>
-              <a:rPr sz="1400"/>
+              <a:rPr sz="1200"/>
               <a:t>internet. </a:t>
             </a:r>
           </a:p>
@@ -7536,14 +8028,35 @@
       <p:grpSpPr/>
       <p:sp>
         <p:nvSpPr>
-          <p:cNvPr id="2" name="TextBox 1"/>
+          <p:cNvPr id="2" name="Title 1"/>
+          <p:cNvSpPr>
+            <a:spLocks noGrp="1"/>
+          </p:cNvSpPr>
+          <p:nvPr>
+            <p:ph type="title"/>
+          </p:nvPr>
+        </p:nvSpPr>
+        <p:spPr/>
+        <p:txBody>
+          <a:bodyPr/>
+          <a:lstStyle/>
+          <a:p>
+            <a:r>
+              <a:t>Android Manifest components</a:t>
+            </a:r>
+          </a:p>
+        </p:txBody>
+      </p:sp>
+      <p:sp>
+        <p:nvSpPr>
+          <p:cNvPr id="3" name="TextBox 2"/>
           <p:cNvSpPr txBox="1"/>
           <p:nvPr/>
         </p:nvSpPr>
         <p:spPr>
           <a:xfrm>
-            <a:off x="228600" y="228600"/>
-            <a:ext cx="8229600" cy="457200"/>
+            <a:off x="914400" y="1371600"/>
+            <a:ext cx="7315200" cy="3657600"/>
           </a:xfrm>
           <a:prstGeom prst="rect">
             <a:avLst/>
@@ -7555,42 +8068,12 @@
             <a:spAutoFit/>
           </a:bodyPr>
           <a:lstStyle/>
-          <a:p>
-            <a:r>
-              <a:rPr sz="1400"/>
-              <a:t>Android Manifest components</a:t>
-            </a:r>
-          </a:p>
-        </p:txBody>
-      </p:sp>
-      <p:sp>
-        <p:nvSpPr>
-          <p:cNvPr id="3" name="TextBox 2"/>
-          <p:cNvSpPr txBox="1"/>
-          <p:nvPr/>
-        </p:nvSpPr>
-        <p:spPr>
-          <a:xfrm>
-            <a:off x="228600" y="685800"/>
-            <a:ext cx="8229600" cy="3657600"/>
-          </a:xfrm>
-          <a:prstGeom prst="rect">
-            <a:avLst/>
-          </a:prstGeom>
-          <a:noFill/>
-        </p:spPr>
-        <p:txBody>
-          <a:bodyPr wrap="square">
-            <a:spAutoFit/>
-          </a:bodyPr>
-          <a:lstStyle/>
           <a:p/>
           <a:p>
-            <a:pPr algn="l">
+            <a:pPr>
               <a:defRPr sz="2000" b="1"/>
             </a:pPr>
             <a:r>
-              <a:rPr sz="1400"/>
               <a:t>Application Attributes</a:t>
             </a:r>
           </a:p>
@@ -7624,129 +8107,129 @@
           <a:p/>
           <a:p>
             <a:r>
-              <a:rPr sz="1400"/>
-              <a:t>• </a:t>
-            </a:r>
-            <a:r>
-              <a:rPr b="1" sz="1400"/>
-              <a:t>android:name: </a:t>
-            </a:r>
-            <a:r>
-              <a:rPr sz="1400"/>
+              <a:rPr sz="1200"/>
+              <a:t>* </a:t>
+            </a:r>
+            <a:r>
+              <a:rPr b="1" sz="1200"/>
+              <a:t>android:name:</a:t>
+            </a:r>
+            <a:r>
+              <a:rPr sz="1200"/>
               <a:t>Specifies </a:t>
             </a:r>
             <a:r>
-              <a:rPr sz="1400"/>
+              <a:rPr sz="1200"/>
               <a:t>the </a:t>
             </a:r>
             <a:r>
-              <a:rPr sz="1400"/>
+              <a:rPr sz="1200"/>
               <a:t>application </a:t>
             </a:r>
             <a:r>
-              <a:rPr sz="1400"/>
+              <a:rPr sz="1200"/>
               <a:t>class </a:t>
             </a:r>
             <a:r>
-              <a:rPr sz="1400"/>
+              <a:rPr sz="1200"/>
               <a:t>name. </a:t>
             </a:r>
           </a:p>
           <a:p>
             <a:r>
-              <a:rPr sz="1400"/>
-              <a:t>• </a:t>
-            </a:r>
-            <a:r>
-              <a:rPr b="1" sz="1400"/>
-              <a:t>android:allowBackup: </a:t>
-            </a:r>
-            <a:r>
-              <a:rPr sz="1400"/>
+              <a:rPr sz="1200"/>
+              <a:t>* </a:t>
+            </a:r>
+            <a:r>
+              <a:rPr b="1" sz="1200"/>
+              <a:t>android:allowBackup:</a:t>
+            </a:r>
+            <a:r>
+              <a:rPr sz="1200"/>
               <a:t>Controls </a:t>
             </a:r>
             <a:r>
-              <a:rPr sz="1400"/>
+              <a:rPr sz="1200"/>
               <a:t>whether </a:t>
             </a:r>
             <a:r>
-              <a:rPr sz="1400"/>
+              <a:rPr sz="1200"/>
               <a:t>backups </a:t>
             </a:r>
             <a:r>
-              <a:rPr sz="1400"/>
+              <a:rPr sz="1200"/>
               <a:t>are </a:t>
             </a:r>
             <a:r>
-              <a:rPr sz="1400"/>
+              <a:rPr sz="1200"/>
               <a:t>allowed. </a:t>
             </a:r>
           </a:p>
           <a:p>
             <a:r>
-              <a:rPr sz="1400"/>
-              <a:t>• </a:t>
-            </a:r>
-            <a:r>
-              <a:rPr b="1" sz="1400"/>
+              <a:rPr sz="1200"/>
+              <a:t>* </a:t>
+            </a:r>
+            <a:r>
+              <a:rPr b="1" sz="1200"/>
               <a:t>android:icon </a:t>
             </a:r>
             <a:r>
-              <a:rPr b="1" sz="1400"/>
+              <a:rPr b="1" sz="1200"/>
               <a:t>and </a:t>
             </a:r>
             <a:r>
-              <a:rPr b="1" sz="1400"/>
-              <a:t>android:label:</a:t>
-            </a:r>
-            <a:r>
-              <a:rPr sz="1400"/>
+              <a:rPr b="1" sz="1200"/>
+              <a:t>android:label: </a:t>
+            </a:r>
+            <a:r>
+              <a:rPr sz="1200"/>
               <a:t>Define </a:t>
             </a:r>
             <a:r>
-              <a:rPr sz="1400"/>
+              <a:rPr sz="1200"/>
               <a:t>the </a:t>
             </a:r>
             <a:r>
-              <a:rPr sz="1400"/>
+              <a:rPr sz="1200"/>
               <a:t>app's </a:t>
             </a:r>
             <a:r>
-              <a:rPr sz="1400"/>
+              <a:rPr sz="1200"/>
               <a:t>icon </a:t>
             </a:r>
             <a:r>
-              <a:rPr sz="1400"/>
+              <a:rPr sz="1200"/>
               <a:t>and </a:t>
             </a:r>
             <a:r>
-              <a:rPr sz="1400"/>
+              <a:rPr sz="1200"/>
               <a:t>name. </a:t>
             </a:r>
           </a:p>
           <a:p>
             <a:r>
-              <a:rPr sz="1400"/>
-              <a:t>• </a:t>
-            </a:r>
-            <a:r>
-              <a:rPr b="1" sz="1400"/>
-              <a:t>android:debuggable: </a:t>
-            </a:r>
-            <a:r>
-              <a:rPr sz="1400"/>
+              <a:rPr sz="1200"/>
+              <a:t>* </a:t>
+            </a:r>
+            <a:r>
+              <a:rPr b="1" sz="1200"/>
+              <a:t>android:debuggable:</a:t>
+            </a:r>
+            <a:r>
+              <a:rPr sz="1200"/>
               <a:t>Enables </a:t>
             </a:r>
             <a:r>
-              <a:rPr sz="1400"/>
+              <a:rPr sz="1200"/>
               <a:t>debugging </a:t>
             </a:r>
             <a:r>
-              <a:rPr sz="1400"/>
+              <a:rPr sz="1200"/>
               <a:t>during </a:t>
             </a:r>
             <a:r>
-              <a:rPr sz="1400"/>
+              <a:rPr sz="1200"/>
               <a:t>development. </a:t>
             </a:r>
           </a:p>
@@ -7772,14 +8255,35 @@
       <p:grpSpPr/>
       <p:sp>
         <p:nvSpPr>
-          <p:cNvPr id="2" name="TextBox 1"/>
+          <p:cNvPr id="2" name="Title 1"/>
+          <p:cNvSpPr>
+            <a:spLocks noGrp="1"/>
+          </p:cNvSpPr>
+          <p:nvPr>
+            <p:ph type="title"/>
+          </p:nvPr>
+        </p:nvSpPr>
+        <p:spPr/>
+        <p:txBody>
+          <a:bodyPr/>
+          <a:lstStyle/>
+          <a:p>
+            <a:r>
+              <a:t>Android Manifest components</a:t>
+            </a:r>
+          </a:p>
+        </p:txBody>
+      </p:sp>
+      <p:sp>
+        <p:nvSpPr>
+          <p:cNvPr id="3" name="TextBox 2"/>
           <p:cNvSpPr txBox="1"/>
           <p:nvPr/>
         </p:nvSpPr>
         <p:spPr>
           <a:xfrm>
-            <a:off x="228600" y="228600"/>
-            <a:ext cx="8229600" cy="457200"/>
+            <a:off x="914400" y="1371600"/>
+            <a:ext cx="7315200" cy="3657600"/>
           </a:xfrm>
           <a:prstGeom prst="rect">
             <a:avLst/>
@@ -7791,199 +8295,169 @@
             <a:spAutoFit/>
           </a:bodyPr>
           <a:lstStyle/>
-          <a:p>
-            <a:r>
-              <a:rPr sz="1400"/>
-              <a:t>Android Manifest components</a:t>
-            </a:r>
-          </a:p>
-        </p:txBody>
-      </p:sp>
-      <p:sp>
-        <p:nvSpPr>
-          <p:cNvPr id="3" name="TextBox 2"/>
-          <p:cNvSpPr txBox="1"/>
-          <p:nvPr/>
-        </p:nvSpPr>
-        <p:spPr>
-          <a:xfrm>
-            <a:off x="228600" y="685800"/>
-            <a:ext cx="8229600" cy="3657600"/>
-          </a:xfrm>
-          <a:prstGeom prst="rect">
-            <a:avLst/>
-          </a:prstGeom>
-          <a:noFill/>
-        </p:spPr>
-        <p:txBody>
-          <a:bodyPr wrap="square">
-            <a:spAutoFit/>
-          </a:bodyPr>
-          <a:lstStyle/>
           <a:p/>
           <a:p>
-            <a:pPr algn="l">
+            <a:pPr>
               <a:defRPr sz="2000" b="1"/>
             </a:pPr>
             <a:r>
-              <a:rPr sz="1400"/>
               <a:t>Activities and Intents</a:t>
             </a:r>
           </a:p>
           <a:p/>
           <a:p>
             <a:r>
-              <a:rPr sz="1400"/>
-              <a:t>• </a:t>
-            </a:r>
-            <a:r>
-              <a:rPr b="1" sz="1400"/>
-              <a:t>activity: </a:t>
-            </a:r>
-            <a:r>
-              <a:rPr sz="1400"/>
+              <a:rPr sz="1200"/>
+              <a:t>* </a:t>
+            </a:r>
+            <a:r>
+              <a:rPr b="1" sz="1200"/>
+              <a:t>activity:</a:t>
+            </a:r>
+            <a:r>
+              <a:rPr sz="1200"/>
               <a:t>Declares </a:t>
             </a:r>
             <a:r>
-              <a:rPr sz="1400"/>
+              <a:rPr sz="1200"/>
               <a:t>an </a:t>
             </a:r>
             <a:r>
-              <a:rPr sz="1400"/>
+              <a:rPr sz="1200"/>
               <a:t>activity </a:t>
             </a:r>
             <a:r>
-              <a:rPr sz="1400"/>
+              <a:rPr sz="1200"/>
               <a:t>within </a:t>
             </a:r>
             <a:r>
-              <a:rPr sz="1400"/>
+              <a:rPr sz="1200"/>
               <a:t>the </a:t>
             </a:r>
             <a:r>
-              <a:rPr sz="1400"/>
+              <a:rPr sz="1200"/>
               <a:t>app. </a:t>
             </a:r>
             <a:r>
-              <a:rPr sz="1400"/>
+              <a:rPr sz="1200"/>
               <a:t>Activities </a:t>
             </a:r>
             <a:r>
-              <a:rPr sz="1400"/>
+              <a:rPr sz="1200"/>
               <a:t>must </a:t>
             </a:r>
             <a:r>
-              <a:rPr sz="1400"/>
+              <a:rPr sz="1200"/>
               <a:t>be </a:t>
             </a:r>
             <a:r>
-              <a:rPr sz="1400"/>
+              <a:rPr sz="1200"/>
               <a:t>declared </a:t>
             </a:r>
             <a:r>
-              <a:rPr sz="1400"/>
+              <a:rPr sz="1200"/>
               <a:t>to </a:t>
             </a:r>
             <a:r>
-              <a:rPr sz="1400"/>
+              <a:rPr sz="1200"/>
               <a:t>be </a:t>
             </a:r>
             <a:r>
-              <a:rPr sz="1400"/>
+              <a:rPr sz="1200"/>
               <a:t>functional. </a:t>
             </a:r>
           </a:p>
           <a:p>
             <a:r>
-              <a:rPr sz="1400"/>
-              <a:t>• </a:t>
-            </a:r>
-            <a:r>
-              <a:rPr b="1" sz="1400"/>
-              <a:t>intent-filter: </a:t>
-            </a:r>
-            <a:r>
-              <a:rPr sz="1400"/>
+              <a:rPr sz="1200"/>
+              <a:t>* </a:t>
+            </a:r>
+            <a:r>
+              <a:rPr b="1" sz="1200"/>
+              <a:t>intent-filter:</a:t>
+            </a:r>
+            <a:r>
+              <a:rPr sz="1200"/>
               <a:t>Specifies </a:t>
             </a:r>
             <a:r>
-              <a:rPr sz="1400"/>
+              <a:rPr sz="1200"/>
               <a:t>the </a:t>
             </a:r>
             <a:r>
-              <a:rPr sz="1400"/>
+              <a:rPr sz="1200"/>
               <a:t>type </a:t>
             </a:r>
             <a:r>
-              <a:rPr sz="1400"/>
+              <a:rPr sz="1200"/>
               <a:t>of </a:t>
             </a:r>
             <a:r>
-              <a:rPr sz="1400"/>
+              <a:rPr sz="1200"/>
               <a:t>intents </a:t>
             </a:r>
             <a:r>
-              <a:rPr sz="1400"/>
+              <a:rPr sz="1200"/>
               <a:t>the </a:t>
             </a:r>
             <a:r>
-              <a:rPr sz="1400"/>
+              <a:rPr sz="1200"/>
               <a:t>component </a:t>
             </a:r>
             <a:r>
-              <a:rPr sz="1400"/>
+              <a:rPr sz="1200"/>
               <a:t>can </a:t>
             </a:r>
             <a:r>
-              <a:rPr sz="1400"/>
+              <a:rPr sz="1200"/>
               <a:t>respond </a:t>
             </a:r>
             <a:r>
-              <a:rPr sz="1400"/>
+              <a:rPr sz="1200"/>
               <a:t>to. </a:t>
             </a:r>
             <a:r>
-              <a:rPr sz="1400"/>
+              <a:rPr sz="1200"/>
               <a:t>The </a:t>
             </a:r>
             <a:r>
-              <a:rPr sz="1400"/>
+              <a:rPr sz="1200"/>
               <a:t>`MAIN` </a:t>
             </a:r>
             <a:r>
-              <a:rPr sz="1400"/>
+              <a:rPr sz="1200"/>
               <a:t>action </a:t>
             </a:r>
             <a:r>
-              <a:rPr sz="1400"/>
+              <a:rPr sz="1200"/>
               <a:t>and </a:t>
             </a:r>
             <a:r>
-              <a:rPr sz="1400"/>
+              <a:rPr sz="1200"/>
               <a:t>`LAUNCHER` </a:t>
             </a:r>
             <a:r>
-              <a:rPr sz="1400"/>
+              <a:rPr sz="1200"/>
               <a:t>category </a:t>
             </a:r>
             <a:r>
-              <a:rPr sz="1400"/>
+              <a:rPr sz="1200"/>
               <a:t>designate </a:t>
             </a:r>
             <a:r>
-              <a:rPr sz="1400"/>
+              <a:rPr sz="1200"/>
               <a:t>the </a:t>
             </a:r>
             <a:r>
-              <a:rPr sz="1400"/>
+              <a:rPr sz="1200"/>
               <a:t>app's </a:t>
             </a:r>
             <a:r>
-              <a:rPr sz="1400"/>
+              <a:rPr sz="1200"/>
               <a:t>entry </a:t>
             </a:r>
             <a:r>
-              <a:rPr sz="1400"/>
+              <a:rPr sz="1200"/>
               <a:t>point. </a:t>
             </a:r>
           </a:p>
